--- a/GSoC'25/Demo Day.pptx
+++ b/GSoC'25/Demo Day.pptx
@@ -1,22 +1,2479 @@
 
 <file path=ppt/presentation.xml><?xml version="1.0" encoding="utf-8"?>
-<p:presentation xmlns:a="http://schemas.openxmlformats.org/drawingml/2006/main" xmlns:p="http://schemas.openxmlformats.org/presentationml/2006/main" xmlns:r="http://schemas.openxmlformats.org/officeDocument/2006/relationships" xmlns:p14="http://schemas.microsoft.com/office/powerpoint/2010/main" xmlns:p15="http://schemas.microsoft.com/office/powerpoint/2012/main" xmlns:mc="http://schemas.openxmlformats.org/markup-compatibility/2006">
+<p:presentation xmlns:a="http://schemas.openxmlformats.org/drawingml/2006/main" xmlns:r="http://schemas.openxmlformats.org/officeDocument/2006/relationships" xmlns:p="http://schemas.openxmlformats.org/presentationml/2006/main">
   <p:sldMasterIdLst>
-    <p:sldMasterId id="2147483648" r:id="rId2"/>
-    <p:sldMasterId id="2147483650" r:id="rId3"/>
+    <p:sldMasterId id="2147483648" r:id="rId1"/>
+    <p:sldMasterId id="2147483650" r:id="rId2"/>
   </p:sldMasterIdLst>
+  <p:notesMasterIdLst>
+    <p:notesMasterId r:id="rId15"/>
+  </p:notesMasterIdLst>
   <p:sldIdLst>
-    <p:sldId id="256" r:id="rId4"/>
-    <p:sldId id="257" r:id="rId5"/>
-    <p:sldId id="258" r:id="rId6"/>
+    <p:sldId id="256" r:id="rId3"/>
+    <p:sldId id="257" r:id="rId4"/>
+    <p:sldId id="258" r:id="rId5"/>
+    <p:sldId id="259" r:id="rId6"/>
+    <p:sldId id="260" r:id="rId7"/>
+    <p:sldId id="261" r:id="rId8"/>
+    <p:sldId id="262" r:id="rId9"/>
+    <p:sldId id="263" r:id="rId10"/>
+    <p:sldId id="264" r:id="rId11"/>
+    <p:sldId id="265" r:id="rId12"/>
+    <p:sldId id="266" r:id="rId13"/>
+    <p:sldId id="267" r:id="rId14"/>
   </p:sldIdLst>
   <p:sldSz cx="10077450" cy="5668963"/>
   <p:notesSz cx="7772400" cy="10058400"/>
+  <p:defaultTextStyle>
+    <a:defPPr>
+      <a:defRPr lang="en-US"/>
+    </a:defPPr>
+    <a:lvl1pPr marL="0" algn="l" defTabSz="914400" rtl="0" eaLnBrk="1" latinLnBrk="0" hangingPunct="1">
+      <a:defRPr sz="1800" kern="1200">
+        <a:solidFill>
+          <a:schemeClr val="tx1"/>
+        </a:solidFill>
+        <a:latin typeface="+mn-lt"/>
+        <a:ea typeface="+mn-ea"/>
+        <a:cs typeface="+mn-cs"/>
+      </a:defRPr>
+    </a:lvl1pPr>
+    <a:lvl2pPr marL="457200" algn="l" defTabSz="914400" rtl="0" eaLnBrk="1" latinLnBrk="0" hangingPunct="1">
+      <a:defRPr sz="1800" kern="1200">
+        <a:solidFill>
+          <a:schemeClr val="tx1"/>
+        </a:solidFill>
+        <a:latin typeface="+mn-lt"/>
+        <a:ea typeface="+mn-ea"/>
+        <a:cs typeface="+mn-cs"/>
+      </a:defRPr>
+    </a:lvl2pPr>
+    <a:lvl3pPr marL="914400" algn="l" defTabSz="914400" rtl="0" eaLnBrk="1" latinLnBrk="0" hangingPunct="1">
+      <a:defRPr sz="1800" kern="1200">
+        <a:solidFill>
+          <a:schemeClr val="tx1"/>
+        </a:solidFill>
+        <a:latin typeface="+mn-lt"/>
+        <a:ea typeface="+mn-ea"/>
+        <a:cs typeface="+mn-cs"/>
+      </a:defRPr>
+    </a:lvl3pPr>
+    <a:lvl4pPr marL="1371600" algn="l" defTabSz="914400" rtl="0" eaLnBrk="1" latinLnBrk="0" hangingPunct="1">
+      <a:defRPr sz="1800" kern="1200">
+        <a:solidFill>
+          <a:schemeClr val="tx1"/>
+        </a:solidFill>
+        <a:latin typeface="+mn-lt"/>
+        <a:ea typeface="+mn-ea"/>
+        <a:cs typeface="+mn-cs"/>
+      </a:defRPr>
+    </a:lvl4pPr>
+    <a:lvl5pPr marL="1828800" algn="l" defTabSz="914400" rtl="0" eaLnBrk="1" latinLnBrk="0" hangingPunct="1">
+      <a:defRPr sz="1800" kern="1200">
+        <a:solidFill>
+          <a:schemeClr val="tx1"/>
+        </a:solidFill>
+        <a:latin typeface="+mn-lt"/>
+        <a:ea typeface="+mn-ea"/>
+        <a:cs typeface="+mn-cs"/>
+      </a:defRPr>
+    </a:lvl5pPr>
+    <a:lvl6pPr marL="2286000" algn="l" defTabSz="914400" rtl="0" eaLnBrk="1" latinLnBrk="0" hangingPunct="1">
+      <a:defRPr sz="1800" kern="1200">
+        <a:solidFill>
+          <a:schemeClr val="tx1"/>
+        </a:solidFill>
+        <a:latin typeface="+mn-lt"/>
+        <a:ea typeface="+mn-ea"/>
+        <a:cs typeface="+mn-cs"/>
+      </a:defRPr>
+    </a:lvl6pPr>
+    <a:lvl7pPr marL="2743200" algn="l" defTabSz="914400" rtl="0" eaLnBrk="1" latinLnBrk="0" hangingPunct="1">
+      <a:defRPr sz="1800" kern="1200">
+        <a:solidFill>
+          <a:schemeClr val="tx1"/>
+        </a:solidFill>
+        <a:latin typeface="+mn-lt"/>
+        <a:ea typeface="+mn-ea"/>
+        <a:cs typeface="+mn-cs"/>
+      </a:defRPr>
+    </a:lvl7pPr>
+    <a:lvl8pPr marL="3200400" algn="l" defTabSz="914400" rtl="0" eaLnBrk="1" latinLnBrk="0" hangingPunct="1">
+      <a:defRPr sz="1800" kern="1200">
+        <a:solidFill>
+          <a:schemeClr val="tx1"/>
+        </a:solidFill>
+        <a:latin typeface="+mn-lt"/>
+        <a:ea typeface="+mn-ea"/>
+        <a:cs typeface="+mn-cs"/>
+      </a:defRPr>
+    </a:lvl8pPr>
+    <a:lvl9pPr marL="3657600" algn="l" defTabSz="914400" rtl="0" eaLnBrk="1" latinLnBrk="0" hangingPunct="1">
+      <a:defRPr sz="1800" kern="1200">
+        <a:solidFill>
+          <a:schemeClr val="tx1"/>
+        </a:solidFill>
+        <a:latin typeface="+mn-lt"/>
+        <a:ea typeface="+mn-ea"/>
+        <a:cs typeface="+mn-cs"/>
+      </a:defRPr>
+    </a:lvl9pPr>
+  </p:defaultTextStyle>
 </p:presentation>
 </file>
 
+<file path=ppt/notesMasters/notesMaster1.xml><?xml version="1.0" encoding="utf-8"?>
+<p:notesMaster xmlns:a="http://schemas.openxmlformats.org/drawingml/2006/main" xmlns:r="http://schemas.openxmlformats.org/officeDocument/2006/relationships" xmlns:p="http://schemas.openxmlformats.org/presentationml/2006/main">
+  <p:cSld>
+    <p:bg>
+      <p:bgRef idx="1001">
+        <a:schemeClr val="bg1"/>
+      </p:bgRef>
+    </p:bg>
+    <p:spTree>
+      <p:nvGrpSpPr>
+        <p:cNvPr id="1" name=""/>
+        <p:cNvGrpSpPr/>
+        <p:nvPr/>
+      </p:nvGrpSpPr>
+      <p:grpSpPr>
+        <a:xfrm>
+          <a:off x="0" y="0"/>
+          <a:ext cx="0" cy="0"/>
+          <a:chOff x="0" y="0"/>
+          <a:chExt cx="0" cy="0"/>
+        </a:xfrm>
+      </p:grpSpPr>
+      <p:sp>
+        <p:nvSpPr>
+          <p:cNvPr id="2" name="Header Placeholder 1"/>
+          <p:cNvSpPr>
+            <a:spLocks noGrp="1"/>
+          </p:cNvSpPr>
+          <p:nvPr>
+            <p:ph type="hdr" sz="quarter"/>
+          </p:nvPr>
+        </p:nvSpPr>
+        <p:spPr>
+          <a:xfrm>
+            <a:off x="0" y="0"/>
+            <a:ext cx="3368675" cy="503238"/>
+          </a:xfrm>
+          <a:prstGeom prst="rect">
+            <a:avLst/>
+          </a:prstGeom>
+        </p:spPr>
+        <p:txBody>
+          <a:bodyPr vert="horz" lIns="91440" tIns="45720" rIns="91440" bIns="45720" rtlCol="0"/>
+          <a:lstStyle>
+            <a:lvl1pPr algn="l">
+              <a:defRPr sz="1200"/>
+            </a:lvl1pPr>
+          </a:lstStyle>
+          <a:p>
+            <a:endParaRPr lang="en-US"/>
+          </a:p>
+        </p:txBody>
+      </p:sp>
+      <p:sp>
+        <p:nvSpPr>
+          <p:cNvPr id="3" name="Date Placeholder 2"/>
+          <p:cNvSpPr>
+            <a:spLocks noGrp="1"/>
+          </p:cNvSpPr>
+          <p:nvPr>
+            <p:ph type="dt" idx="1"/>
+          </p:nvPr>
+        </p:nvSpPr>
+        <p:spPr>
+          <a:xfrm>
+            <a:off x="4402138" y="0"/>
+            <a:ext cx="3368675" cy="503238"/>
+          </a:xfrm>
+          <a:prstGeom prst="rect">
+            <a:avLst/>
+          </a:prstGeom>
+        </p:spPr>
+        <p:txBody>
+          <a:bodyPr vert="horz" lIns="91440" tIns="45720" rIns="91440" bIns="45720" rtlCol="0"/>
+          <a:lstStyle>
+            <a:lvl1pPr algn="r">
+              <a:defRPr sz="1200"/>
+            </a:lvl1pPr>
+          </a:lstStyle>
+          <a:p>
+            <a:fld id="{064F07F9-20F0-45A7-B210-23127791DF74}" type="datetimeFigureOut">
+              <a:rPr lang="en-US" smtClean="0"/>
+              <a:t>8/16/2025</a:t>
+            </a:fld>
+            <a:endParaRPr lang="en-US"/>
+          </a:p>
+        </p:txBody>
+      </p:sp>
+      <p:sp>
+        <p:nvSpPr>
+          <p:cNvPr id="4" name="Slide Image Placeholder 3"/>
+          <p:cNvSpPr>
+            <a:spLocks noGrp="1" noRot="1" noChangeAspect="1"/>
+          </p:cNvSpPr>
+          <p:nvPr>
+            <p:ph type="sldImg" idx="2"/>
+          </p:nvPr>
+        </p:nvSpPr>
+        <p:spPr>
+          <a:xfrm>
+            <a:off x="534988" y="754063"/>
+            <a:ext cx="6702425" cy="3771900"/>
+          </a:xfrm>
+          <a:prstGeom prst="rect">
+            <a:avLst/>
+          </a:prstGeom>
+          <a:noFill/>
+          <a:ln w="12700">
+            <a:solidFill>
+              <a:prstClr val="black"/>
+            </a:solidFill>
+          </a:ln>
+        </p:spPr>
+        <p:txBody>
+          <a:bodyPr vert="horz" lIns="91440" tIns="45720" rIns="91440" bIns="45720" rtlCol="0" anchor="ctr"/>
+          <a:lstStyle/>
+          <a:p>
+            <a:endParaRPr lang="en-US"/>
+          </a:p>
+        </p:txBody>
+      </p:sp>
+      <p:sp>
+        <p:nvSpPr>
+          <p:cNvPr id="5" name="Notes Placeholder 4"/>
+          <p:cNvSpPr>
+            <a:spLocks noGrp="1"/>
+          </p:cNvSpPr>
+          <p:nvPr>
+            <p:ph type="body" sz="quarter" idx="3"/>
+          </p:nvPr>
+        </p:nvSpPr>
+        <p:spPr>
+          <a:xfrm>
+            <a:off x="777875" y="4778375"/>
+            <a:ext cx="6216650" cy="4525963"/>
+          </a:xfrm>
+          <a:prstGeom prst="rect">
+            <a:avLst/>
+          </a:prstGeom>
+        </p:spPr>
+        <p:txBody>
+          <a:bodyPr vert="horz" lIns="91440" tIns="45720" rIns="91440" bIns="45720" rtlCol="0"/>
+          <a:lstStyle/>
+          <a:p>
+            <a:pPr lvl="0"/>
+            <a:r>
+              <a:rPr lang="en-US" smtClean="0"/>
+              <a:t>Click to edit Master text styles</a:t>
+            </a:r>
+          </a:p>
+          <a:p>
+            <a:pPr lvl="1"/>
+            <a:r>
+              <a:rPr lang="en-US" smtClean="0"/>
+              <a:t>Second level</a:t>
+            </a:r>
+          </a:p>
+          <a:p>
+            <a:pPr lvl="2"/>
+            <a:r>
+              <a:rPr lang="en-US" smtClean="0"/>
+              <a:t>Third level</a:t>
+            </a:r>
+          </a:p>
+          <a:p>
+            <a:pPr lvl="3"/>
+            <a:r>
+              <a:rPr lang="en-US" smtClean="0"/>
+              <a:t>Fourth level</a:t>
+            </a:r>
+          </a:p>
+          <a:p>
+            <a:pPr lvl="4"/>
+            <a:r>
+              <a:rPr lang="en-US" smtClean="0"/>
+              <a:t>Fifth level</a:t>
+            </a:r>
+            <a:endParaRPr lang="en-US"/>
+          </a:p>
+        </p:txBody>
+      </p:sp>
+      <p:sp>
+        <p:nvSpPr>
+          <p:cNvPr id="6" name="Footer Placeholder 5"/>
+          <p:cNvSpPr>
+            <a:spLocks noGrp="1"/>
+          </p:cNvSpPr>
+          <p:nvPr>
+            <p:ph type="ftr" sz="quarter" idx="4"/>
+          </p:nvPr>
+        </p:nvSpPr>
+        <p:spPr>
+          <a:xfrm>
+            <a:off x="0" y="9553575"/>
+            <a:ext cx="3368675" cy="503238"/>
+          </a:xfrm>
+          <a:prstGeom prst="rect">
+            <a:avLst/>
+          </a:prstGeom>
+        </p:spPr>
+        <p:txBody>
+          <a:bodyPr vert="horz" lIns="91440" tIns="45720" rIns="91440" bIns="45720" rtlCol="0" anchor="b"/>
+          <a:lstStyle>
+            <a:lvl1pPr algn="l">
+              <a:defRPr sz="1200"/>
+            </a:lvl1pPr>
+          </a:lstStyle>
+          <a:p>
+            <a:endParaRPr lang="en-US"/>
+          </a:p>
+        </p:txBody>
+      </p:sp>
+      <p:sp>
+        <p:nvSpPr>
+          <p:cNvPr id="7" name="Slide Number Placeholder 6"/>
+          <p:cNvSpPr>
+            <a:spLocks noGrp="1"/>
+          </p:cNvSpPr>
+          <p:nvPr>
+            <p:ph type="sldNum" sz="quarter" idx="5"/>
+          </p:nvPr>
+        </p:nvSpPr>
+        <p:spPr>
+          <a:xfrm>
+            <a:off x="4402138" y="9553575"/>
+            <a:ext cx="3368675" cy="503238"/>
+          </a:xfrm>
+          <a:prstGeom prst="rect">
+            <a:avLst/>
+          </a:prstGeom>
+        </p:spPr>
+        <p:txBody>
+          <a:bodyPr vert="horz" lIns="91440" tIns="45720" rIns="91440" bIns="45720" rtlCol="0" anchor="b"/>
+          <a:lstStyle>
+            <a:lvl1pPr algn="r">
+              <a:defRPr sz="1200"/>
+            </a:lvl1pPr>
+          </a:lstStyle>
+          <a:p>
+            <a:fld id="{60146512-7F88-4690-88AF-231BA19E63AB}" type="slidenum">
+              <a:rPr lang="en-US" smtClean="0"/>
+              <a:t>‹#›</a:t>
+            </a:fld>
+            <a:endParaRPr lang="en-US"/>
+          </a:p>
+        </p:txBody>
+      </p:sp>
+    </p:spTree>
+    <p:extLst>
+      <p:ext uri="{BB962C8B-B14F-4D97-AF65-F5344CB8AC3E}">
+        <p14:creationId xmlns:p14="http://schemas.microsoft.com/office/powerpoint/2010/main" val="1047285760"/>
+      </p:ext>
+    </p:extLst>
+  </p:cSld>
+  <p:clrMap bg1="lt1" tx1="dk1" bg2="lt2" tx2="dk2" accent1="accent1" accent2="accent2" accent3="accent3" accent4="accent4" accent5="accent5" accent6="accent6" hlink="hlink" folHlink="folHlink"/>
+  <p:notesStyle>
+    <a:lvl1pPr marL="0" algn="l" defTabSz="914400" rtl="0" eaLnBrk="1" latinLnBrk="0" hangingPunct="1">
+      <a:defRPr sz="1200" kern="1200">
+        <a:solidFill>
+          <a:schemeClr val="tx1"/>
+        </a:solidFill>
+        <a:latin typeface="+mn-lt"/>
+        <a:ea typeface="+mn-ea"/>
+        <a:cs typeface="+mn-cs"/>
+      </a:defRPr>
+    </a:lvl1pPr>
+    <a:lvl2pPr marL="457200" algn="l" defTabSz="914400" rtl="0" eaLnBrk="1" latinLnBrk="0" hangingPunct="1">
+      <a:defRPr sz="1200" kern="1200">
+        <a:solidFill>
+          <a:schemeClr val="tx1"/>
+        </a:solidFill>
+        <a:latin typeface="+mn-lt"/>
+        <a:ea typeface="+mn-ea"/>
+        <a:cs typeface="+mn-cs"/>
+      </a:defRPr>
+    </a:lvl2pPr>
+    <a:lvl3pPr marL="914400" algn="l" defTabSz="914400" rtl="0" eaLnBrk="1" latinLnBrk="0" hangingPunct="1">
+      <a:defRPr sz="1200" kern="1200">
+        <a:solidFill>
+          <a:schemeClr val="tx1"/>
+        </a:solidFill>
+        <a:latin typeface="+mn-lt"/>
+        <a:ea typeface="+mn-ea"/>
+        <a:cs typeface="+mn-cs"/>
+      </a:defRPr>
+    </a:lvl3pPr>
+    <a:lvl4pPr marL="1371600" algn="l" defTabSz="914400" rtl="0" eaLnBrk="1" latinLnBrk="0" hangingPunct="1">
+      <a:defRPr sz="1200" kern="1200">
+        <a:solidFill>
+          <a:schemeClr val="tx1"/>
+        </a:solidFill>
+        <a:latin typeface="+mn-lt"/>
+        <a:ea typeface="+mn-ea"/>
+        <a:cs typeface="+mn-cs"/>
+      </a:defRPr>
+    </a:lvl4pPr>
+    <a:lvl5pPr marL="1828800" algn="l" defTabSz="914400" rtl="0" eaLnBrk="1" latinLnBrk="0" hangingPunct="1">
+      <a:defRPr sz="1200" kern="1200">
+        <a:solidFill>
+          <a:schemeClr val="tx1"/>
+        </a:solidFill>
+        <a:latin typeface="+mn-lt"/>
+        <a:ea typeface="+mn-ea"/>
+        <a:cs typeface="+mn-cs"/>
+      </a:defRPr>
+    </a:lvl5pPr>
+    <a:lvl6pPr marL="2286000" algn="l" defTabSz="914400" rtl="0" eaLnBrk="1" latinLnBrk="0" hangingPunct="1">
+      <a:defRPr sz="1200" kern="1200">
+        <a:solidFill>
+          <a:schemeClr val="tx1"/>
+        </a:solidFill>
+        <a:latin typeface="+mn-lt"/>
+        <a:ea typeface="+mn-ea"/>
+        <a:cs typeface="+mn-cs"/>
+      </a:defRPr>
+    </a:lvl6pPr>
+    <a:lvl7pPr marL="2743200" algn="l" defTabSz="914400" rtl="0" eaLnBrk="1" latinLnBrk="0" hangingPunct="1">
+      <a:defRPr sz="1200" kern="1200">
+        <a:solidFill>
+          <a:schemeClr val="tx1"/>
+        </a:solidFill>
+        <a:latin typeface="+mn-lt"/>
+        <a:ea typeface="+mn-ea"/>
+        <a:cs typeface="+mn-cs"/>
+      </a:defRPr>
+    </a:lvl7pPr>
+    <a:lvl8pPr marL="3200400" algn="l" defTabSz="914400" rtl="0" eaLnBrk="1" latinLnBrk="0" hangingPunct="1">
+      <a:defRPr sz="1200" kern="1200">
+        <a:solidFill>
+          <a:schemeClr val="tx1"/>
+        </a:solidFill>
+        <a:latin typeface="+mn-lt"/>
+        <a:ea typeface="+mn-ea"/>
+        <a:cs typeface="+mn-cs"/>
+      </a:defRPr>
+    </a:lvl8pPr>
+    <a:lvl9pPr marL="3657600" algn="l" defTabSz="914400" rtl="0" eaLnBrk="1" latinLnBrk="0" hangingPunct="1">
+      <a:defRPr sz="1200" kern="1200">
+        <a:solidFill>
+          <a:schemeClr val="tx1"/>
+        </a:solidFill>
+        <a:latin typeface="+mn-lt"/>
+        <a:ea typeface="+mn-ea"/>
+        <a:cs typeface="+mn-cs"/>
+      </a:defRPr>
+    </a:lvl9pPr>
+  </p:notesStyle>
+</p:notesMaster>
+</file>
+
+<file path=ppt/notesSlides/notesSlide1.xml><?xml version="1.0" encoding="utf-8"?>
+<p:notes xmlns:a="http://schemas.openxmlformats.org/drawingml/2006/main" xmlns:r="http://schemas.openxmlformats.org/officeDocument/2006/relationships" xmlns:p="http://schemas.openxmlformats.org/presentationml/2006/main">
+  <p:cSld>
+    <p:spTree>
+      <p:nvGrpSpPr>
+        <p:cNvPr id="1" name=""/>
+        <p:cNvGrpSpPr/>
+        <p:nvPr/>
+      </p:nvGrpSpPr>
+      <p:grpSpPr>
+        <a:xfrm>
+          <a:off x="0" y="0"/>
+          <a:ext cx="0" cy="0"/>
+          <a:chOff x="0" y="0"/>
+          <a:chExt cx="0" cy="0"/>
+        </a:xfrm>
+      </p:grpSpPr>
+      <p:sp>
+        <p:nvSpPr>
+          <p:cNvPr id="2" name="Slide Image Placeholder 1"/>
+          <p:cNvSpPr>
+            <a:spLocks noGrp="1" noRot="1" noChangeAspect="1"/>
+          </p:cNvSpPr>
+          <p:nvPr>
+            <p:ph type="sldImg"/>
+          </p:nvPr>
+        </p:nvSpPr>
+        <p:spPr/>
+      </p:sp>
+      <p:sp>
+        <p:nvSpPr>
+          <p:cNvPr id="3" name="Notes Placeholder 2"/>
+          <p:cNvSpPr>
+            <a:spLocks noGrp="1"/>
+          </p:cNvSpPr>
+          <p:nvPr>
+            <p:ph type="body" idx="1"/>
+          </p:nvPr>
+        </p:nvSpPr>
+        <p:spPr/>
+        <p:txBody>
+          <a:bodyPr/>
+          <a:lstStyle/>
+          <a:p>
+            <a:r>
+              <a:rPr lang="en-US" dirty="0" smtClean="0"/>
+              <a:t>Hello, I’m Ahmed Nasser. This is my Google Summer of Code project: </a:t>
+            </a:r>
+            <a:r>
+              <a:rPr lang="en-US" b="1" dirty="0" smtClean="0"/>
+              <a:t>“Convert Rocket.Chat Endpoints to New Pattern.”</a:t>
+            </a:r>
+            <a:r>
+              <a:rPr lang="en-US" dirty="0" smtClean="0"/>
+              <a:t/>
+            </a:r>
+            <a:br>
+              <a:rPr lang="en-US" dirty="0" smtClean="0"/>
+            </a:br>
+            <a:r>
+              <a:rPr lang="en-US" dirty="0" smtClean="0"/>
+              <a:t>Today I will show what I changed, why it helps, and a short demo of the new API docs.</a:t>
+            </a:r>
+          </a:p>
+          <a:p>
+            <a:r>
+              <a:rPr lang="en-US" b="1" dirty="0" smtClean="0"/>
+              <a:t>Transition:</a:t>
+            </a:r>
+            <a:r>
+              <a:rPr lang="en-US" dirty="0" smtClean="0"/>
+              <a:t/>
+            </a:r>
+            <a:br>
+              <a:rPr lang="en-US" dirty="0" smtClean="0"/>
+            </a:br>
+            <a:r>
+              <a:rPr lang="en-US" dirty="0" smtClean="0"/>
+              <a:t>First a short overview of the project and the team.</a:t>
+            </a:r>
+          </a:p>
+          <a:p>
+            <a:endParaRPr lang="en-US" dirty="0"/>
+          </a:p>
+        </p:txBody>
+      </p:sp>
+      <p:sp>
+        <p:nvSpPr>
+          <p:cNvPr id="4" name="Slide Number Placeholder 3"/>
+          <p:cNvSpPr>
+            <a:spLocks noGrp="1"/>
+          </p:cNvSpPr>
+          <p:nvPr>
+            <p:ph type="sldNum" sz="quarter" idx="10"/>
+          </p:nvPr>
+        </p:nvSpPr>
+        <p:spPr/>
+        <p:txBody>
+          <a:bodyPr/>
+          <a:lstStyle/>
+          <a:p>
+            <a:fld id="{60146512-7F88-4690-88AF-231BA19E63AB}" type="slidenum">
+              <a:rPr lang="en-US" smtClean="0"/>
+              <a:t>1</a:t>
+            </a:fld>
+            <a:endParaRPr lang="en-US"/>
+          </a:p>
+        </p:txBody>
+      </p:sp>
+    </p:spTree>
+    <p:extLst>
+      <p:ext uri="{BB962C8B-B14F-4D97-AF65-F5344CB8AC3E}">
+        <p14:creationId xmlns:p14="http://schemas.microsoft.com/office/powerpoint/2010/main" val="3777430637"/>
+      </p:ext>
+    </p:extLst>
+  </p:cSld>
+  <p:clrMapOvr>
+    <a:masterClrMapping/>
+  </p:clrMapOvr>
+</p:notes>
+</file>
+
+<file path=ppt/notesSlides/notesSlide10.xml><?xml version="1.0" encoding="utf-8"?>
+<p:notes xmlns:a="http://schemas.openxmlformats.org/drawingml/2006/main" xmlns:r="http://schemas.openxmlformats.org/officeDocument/2006/relationships" xmlns:p="http://schemas.openxmlformats.org/presentationml/2006/main">
+  <p:cSld>
+    <p:spTree>
+      <p:nvGrpSpPr>
+        <p:cNvPr id="1" name=""/>
+        <p:cNvGrpSpPr/>
+        <p:nvPr/>
+      </p:nvGrpSpPr>
+      <p:grpSpPr>
+        <a:xfrm>
+          <a:off x="0" y="0"/>
+          <a:ext cx="0" cy="0"/>
+          <a:chOff x="0" y="0"/>
+          <a:chExt cx="0" cy="0"/>
+        </a:xfrm>
+      </p:grpSpPr>
+      <p:sp>
+        <p:nvSpPr>
+          <p:cNvPr id="2" name="Slide Image Placeholder 1"/>
+          <p:cNvSpPr>
+            <a:spLocks noGrp="1" noRot="1" noChangeAspect="1"/>
+          </p:cNvSpPr>
+          <p:nvPr>
+            <p:ph type="sldImg"/>
+          </p:nvPr>
+        </p:nvSpPr>
+        <p:spPr/>
+      </p:sp>
+      <p:sp>
+        <p:nvSpPr>
+          <p:cNvPr id="3" name="Notes Placeholder 2"/>
+          <p:cNvSpPr>
+            <a:spLocks noGrp="1"/>
+          </p:cNvSpPr>
+          <p:nvPr>
+            <p:ph type="body" idx="1"/>
+          </p:nvPr>
+        </p:nvSpPr>
+        <p:spPr/>
+        <p:txBody>
+          <a:bodyPr/>
+          <a:lstStyle/>
+          <a:p>
+            <a:r>
+              <a:rPr lang="en-US" dirty="0" smtClean="0"/>
+              <a:t>Before: manual typings lived in rest-typings. They could be wrong or old.</a:t>
+            </a:r>
+            <a:br>
+              <a:rPr lang="en-US" dirty="0" smtClean="0"/>
+            </a:br>
+            <a:r>
+              <a:rPr lang="en-US" dirty="0" smtClean="0"/>
+              <a:t>Now: endpoint types are generated from route definitions and schemas. That means:</a:t>
+            </a:r>
+          </a:p>
+          <a:p>
+            <a:pPr marL="228600" indent="-228600">
+              <a:buFont typeface="+mj-lt"/>
+              <a:buAutoNum type="arabicPeriod"/>
+            </a:pPr>
+            <a:r>
+              <a:rPr lang="en-US" dirty="0" smtClean="0"/>
+              <a:t>Frontend developers using </a:t>
+            </a:r>
+            <a:r>
+              <a:rPr lang="en-US" dirty="0" err="1" smtClean="0"/>
+              <a:t>useEndpoint</a:t>
+            </a:r>
+            <a:r>
+              <a:rPr lang="en-US" dirty="0" smtClean="0"/>
+              <a:t> get accurate </a:t>
+            </a:r>
+            <a:r>
+              <a:rPr lang="en-US" dirty="0" err="1" smtClean="0"/>
+              <a:t>TypeScript</a:t>
+            </a:r>
+            <a:r>
+              <a:rPr lang="en-US" dirty="0" smtClean="0"/>
+              <a:t> types.</a:t>
+            </a:r>
+          </a:p>
+          <a:p>
+            <a:pPr marL="228600" indent="-228600">
+              <a:buFont typeface="+mj-lt"/>
+              <a:buAutoNum type="arabicPeriod"/>
+            </a:pPr>
+            <a:r>
+              <a:rPr lang="en-US" dirty="0" smtClean="0"/>
+              <a:t>Request and response shapes are validated by AJV at runtime and matched by types at compile time.</a:t>
+            </a:r>
+          </a:p>
+          <a:p>
+            <a:pPr marL="228600" indent="-228600">
+              <a:buFont typeface="+mj-lt"/>
+              <a:buAutoNum type="arabicPeriod"/>
+            </a:pPr>
+            <a:r>
+              <a:rPr lang="en-US" dirty="0" smtClean="0"/>
+              <a:t>Fewer runtime errors and faster front-end development.</a:t>
+            </a:r>
+          </a:p>
+          <a:p>
+            <a:r>
+              <a:rPr lang="en-US" b="1" dirty="0" smtClean="0"/>
+              <a:t>Short demo note:</a:t>
+            </a:r>
+            <a:r>
+              <a:rPr lang="en-US" dirty="0" smtClean="0"/>
+              <a:t/>
+            </a:r>
+            <a:br>
+              <a:rPr lang="en-US" dirty="0" smtClean="0"/>
+            </a:br>
+            <a:r>
+              <a:rPr lang="en-US" dirty="0" smtClean="0"/>
+              <a:t>In the demo, I’ll show how a Swagger example and types match the frontend usage.</a:t>
+            </a:r>
+          </a:p>
+          <a:p>
+            <a:r>
+              <a:rPr lang="en-US" b="1" dirty="0" smtClean="0"/>
+              <a:t>Transition:</a:t>
+            </a:r>
+            <a:r>
+              <a:rPr lang="en-US" dirty="0" smtClean="0"/>
+              <a:t/>
+            </a:r>
+            <a:br>
+              <a:rPr lang="en-US" dirty="0" smtClean="0"/>
+            </a:br>
+            <a:r>
+              <a:rPr lang="en-US" dirty="0" smtClean="0"/>
+              <a:t>One more cool result: AI use cases.</a:t>
+            </a:r>
+          </a:p>
+        </p:txBody>
+      </p:sp>
+      <p:sp>
+        <p:nvSpPr>
+          <p:cNvPr id="4" name="Slide Number Placeholder 3"/>
+          <p:cNvSpPr>
+            <a:spLocks noGrp="1"/>
+          </p:cNvSpPr>
+          <p:nvPr>
+            <p:ph type="sldNum" sz="quarter" idx="10"/>
+          </p:nvPr>
+        </p:nvSpPr>
+        <p:spPr/>
+        <p:txBody>
+          <a:bodyPr/>
+          <a:lstStyle/>
+          <a:p>
+            <a:fld id="{60146512-7F88-4690-88AF-231BA19E63AB}" type="slidenum">
+              <a:rPr lang="en-US" smtClean="0"/>
+              <a:t>10</a:t>
+            </a:fld>
+            <a:endParaRPr lang="en-US"/>
+          </a:p>
+        </p:txBody>
+      </p:sp>
+    </p:spTree>
+    <p:extLst>
+      <p:ext uri="{BB962C8B-B14F-4D97-AF65-F5344CB8AC3E}">
+        <p14:creationId xmlns:p14="http://schemas.microsoft.com/office/powerpoint/2010/main" val="284934717"/>
+      </p:ext>
+    </p:extLst>
+  </p:cSld>
+  <p:clrMapOvr>
+    <a:masterClrMapping/>
+  </p:clrMapOvr>
+</p:notes>
+</file>
+
+<file path=ppt/notesSlides/notesSlide11.xml><?xml version="1.0" encoding="utf-8"?>
+<p:notes xmlns:a="http://schemas.openxmlformats.org/drawingml/2006/main" xmlns:r="http://schemas.openxmlformats.org/officeDocument/2006/relationships" xmlns:p="http://schemas.openxmlformats.org/presentationml/2006/main">
+  <p:cSld>
+    <p:spTree>
+      <p:nvGrpSpPr>
+        <p:cNvPr id="1" name=""/>
+        <p:cNvGrpSpPr/>
+        <p:nvPr/>
+      </p:nvGrpSpPr>
+      <p:grpSpPr>
+        <a:xfrm>
+          <a:off x="0" y="0"/>
+          <a:ext cx="0" cy="0"/>
+          <a:chOff x="0" y="0"/>
+          <a:chExt cx="0" cy="0"/>
+        </a:xfrm>
+      </p:grpSpPr>
+      <p:sp>
+        <p:nvSpPr>
+          <p:cNvPr id="2" name="Slide Image Placeholder 1"/>
+          <p:cNvSpPr>
+            <a:spLocks noGrp="1" noRot="1" noChangeAspect="1"/>
+          </p:cNvSpPr>
+          <p:nvPr>
+            <p:ph type="sldImg"/>
+          </p:nvPr>
+        </p:nvSpPr>
+        <p:spPr/>
+      </p:sp>
+      <p:sp>
+        <p:nvSpPr>
+          <p:cNvPr id="3" name="Notes Placeholder 2"/>
+          <p:cNvSpPr>
+            <a:spLocks noGrp="1"/>
+          </p:cNvSpPr>
+          <p:nvPr>
+            <p:ph type="body" idx="1"/>
+          </p:nvPr>
+        </p:nvSpPr>
+        <p:spPr/>
+        <p:txBody>
+          <a:bodyPr/>
+          <a:lstStyle/>
+          <a:p>
+            <a:r>
+              <a:rPr lang="en-US" dirty="0" smtClean="0"/>
+              <a:t>OpenAPI helps AI tools too:</a:t>
+            </a:r>
+          </a:p>
+          <a:p>
+            <a:pPr marL="228600" indent="-228600">
+              <a:buFont typeface="+mj-lt"/>
+              <a:buAutoNum type="arabicPeriod"/>
+            </a:pPr>
+            <a:r>
+              <a:rPr lang="en-US" dirty="0" smtClean="0"/>
+              <a:t>A structured API spec reduces the chance that an AI will invent endpoints that do not exist.</a:t>
+            </a:r>
+          </a:p>
+          <a:p>
+            <a:pPr marL="228600" indent="-228600">
+              <a:buFont typeface="+mj-lt"/>
+              <a:buAutoNum type="arabicPeriod"/>
+            </a:pPr>
+            <a:r>
+              <a:rPr lang="en-US" dirty="0" smtClean="0"/>
+              <a:t>The spec can be used by AI agents through Model Context Protocol (MCP) so agents call APIs reliably.</a:t>
+            </a:r>
+          </a:p>
+          <a:p>
+            <a:pPr marL="228600" indent="-228600">
+              <a:buFont typeface="+mj-lt"/>
+              <a:buAutoNum type="arabicPeriod"/>
+            </a:pPr>
+            <a:r>
+              <a:rPr lang="en-US" dirty="0" smtClean="0"/>
+              <a:t>This opens possibilities for safe automation, smart bots, and integrations that use Rocket.Chat APIs.</a:t>
+            </a:r>
+          </a:p>
+          <a:p>
+            <a:r>
+              <a:rPr lang="en-US" b="1" dirty="0" smtClean="0"/>
+              <a:t>Short simple line:</a:t>
+            </a:r>
+            <a:r>
+              <a:rPr lang="en-US" dirty="0" smtClean="0"/>
+              <a:t/>
+            </a:r>
+            <a:br>
+              <a:rPr lang="en-US" dirty="0" smtClean="0"/>
+            </a:br>
+            <a:r>
+              <a:rPr lang="en-US" dirty="0" smtClean="0"/>
+              <a:t>Structured data helps both people and AI use the API correctly.</a:t>
+            </a:r>
+          </a:p>
+          <a:p>
+            <a:r>
+              <a:rPr lang="en-US" b="1" dirty="0" smtClean="0"/>
+              <a:t>Transition:</a:t>
+            </a:r>
+            <a:r>
+              <a:rPr lang="en-US" dirty="0" smtClean="0"/>
+              <a:t/>
+            </a:r>
+            <a:br>
+              <a:rPr lang="en-US" dirty="0" smtClean="0"/>
+            </a:br>
+            <a:r>
+              <a:rPr lang="en-US" dirty="0" smtClean="0"/>
+              <a:t>Now I’ll run the recorded demo.</a:t>
+            </a:r>
+          </a:p>
+          <a:p>
+            <a:endParaRPr lang="en-US" dirty="0"/>
+          </a:p>
+        </p:txBody>
+      </p:sp>
+      <p:sp>
+        <p:nvSpPr>
+          <p:cNvPr id="4" name="Slide Number Placeholder 3"/>
+          <p:cNvSpPr>
+            <a:spLocks noGrp="1"/>
+          </p:cNvSpPr>
+          <p:nvPr>
+            <p:ph type="sldNum" sz="quarter" idx="10"/>
+          </p:nvPr>
+        </p:nvSpPr>
+        <p:spPr/>
+        <p:txBody>
+          <a:bodyPr/>
+          <a:lstStyle/>
+          <a:p>
+            <a:fld id="{60146512-7F88-4690-88AF-231BA19E63AB}" type="slidenum">
+              <a:rPr lang="en-US" smtClean="0"/>
+              <a:t>11</a:t>
+            </a:fld>
+            <a:endParaRPr lang="en-US"/>
+          </a:p>
+        </p:txBody>
+      </p:sp>
+    </p:spTree>
+    <p:extLst>
+      <p:ext uri="{BB962C8B-B14F-4D97-AF65-F5344CB8AC3E}">
+        <p14:creationId xmlns:p14="http://schemas.microsoft.com/office/powerpoint/2010/main" val="2297477518"/>
+      </p:ext>
+    </p:extLst>
+  </p:cSld>
+  <p:clrMapOvr>
+    <a:masterClrMapping/>
+  </p:clrMapOvr>
+</p:notes>
+</file>
+
+<file path=ppt/notesSlides/notesSlide12.xml><?xml version="1.0" encoding="utf-8"?>
+<p:notes xmlns:a="http://schemas.openxmlformats.org/drawingml/2006/main" xmlns:r="http://schemas.openxmlformats.org/officeDocument/2006/relationships" xmlns:p="http://schemas.openxmlformats.org/presentationml/2006/main">
+  <p:cSld>
+    <p:spTree>
+      <p:nvGrpSpPr>
+        <p:cNvPr id="1" name=""/>
+        <p:cNvGrpSpPr/>
+        <p:nvPr/>
+      </p:nvGrpSpPr>
+      <p:grpSpPr>
+        <a:xfrm>
+          <a:off x="0" y="0"/>
+          <a:ext cx="0" cy="0"/>
+          <a:chOff x="0" y="0"/>
+          <a:chExt cx="0" cy="0"/>
+        </a:xfrm>
+      </p:grpSpPr>
+      <p:sp>
+        <p:nvSpPr>
+          <p:cNvPr id="2" name="Slide Image Placeholder 1"/>
+          <p:cNvSpPr>
+            <a:spLocks noGrp="1" noRot="1" noChangeAspect="1"/>
+          </p:cNvSpPr>
+          <p:nvPr>
+            <p:ph type="sldImg"/>
+          </p:nvPr>
+        </p:nvSpPr>
+        <p:spPr/>
+      </p:sp>
+      <p:sp>
+        <p:nvSpPr>
+          <p:cNvPr id="3" name="Notes Placeholder 2"/>
+          <p:cNvSpPr>
+            <a:spLocks noGrp="1"/>
+          </p:cNvSpPr>
+          <p:nvPr>
+            <p:ph type="body" idx="1"/>
+          </p:nvPr>
+        </p:nvSpPr>
+        <p:spPr/>
+        <p:txBody>
+          <a:bodyPr/>
+          <a:lstStyle/>
+          <a:p>
+            <a:r>
+              <a:rPr lang="en-US" b="1" dirty="0" smtClean="0"/>
+              <a:t>Say before playing video:</a:t>
+            </a:r>
+            <a:r>
+              <a:rPr lang="en-US" dirty="0" smtClean="0"/>
+              <a:t/>
+            </a:r>
+            <a:br>
+              <a:rPr lang="en-US" dirty="0" smtClean="0"/>
+            </a:br>
+            <a:r>
+              <a:rPr lang="en-US" dirty="0" smtClean="0"/>
+              <a:t>I will play a short recorded demo now. The demo shows:</a:t>
+            </a:r>
+          </a:p>
+          <a:p>
+            <a:pPr marL="228600" indent="-228600">
+              <a:buFont typeface="+mj-lt"/>
+              <a:buAutoNum type="arabicPeriod"/>
+            </a:pPr>
+            <a:r>
+              <a:rPr lang="en-US" dirty="0" smtClean="0"/>
+              <a:t>Swagger UI with some migrated endpoints.</a:t>
+            </a:r>
+          </a:p>
+          <a:p>
+            <a:pPr marL="228600" indent="-228600">
+              <a:buFont typeface="+mj-lt"/>
+              <a:buAutoNum type="arabicPeriod"/>
+            </a:pPr>
+            <a:r>
+              <a:rPr lang="en-US" dirty="0" smtClean="0"/>
+              <a:t>An example request that uses the new validation and returns a typed response.</a:t>
+            </a:r>
+          </a:p>
+          <a:p>
+            <a:pPr marL="228600" indent="-228600">
+              <a:buFont typeface="+mj-lt"/>
+              <a:buAutoNum type="arabicPeriod"/>
+            </a:pPr>
+            <a:r>
+              <a:rPr lang="en-US" dirty="0" smtClean="0"/>
+              <a:t>How documentation and response examples are generated from the same schemas.</a:t>
+            </a:r>
+          </a:p>
+          <a:p>
+            <a:r>
+              <a:rPr lang="en-US" b="1" dirty="0" smtClean="0"/>
+              <a:t>Play the video.</a:t>
+            </a:r>
+            <a:r>
+              <a:rPr lang="en-US" dirty="0" smtClean="0"/>
+              <a:t/>
+            </a:r>
+            <a:br>
+              <a:rPr lang="en-US" dirty="0" smtClean="0"/>
+            </a:br>
+            <a:r>
+              <a:rPr lang="en-US" dirty="0" smtClean="0"/>
+              <a:t>(Click Play on the embedded video.)</a:t>
+            </a:r>
+          </a:p>
+          <a:p>
+            <a:r>
+              <a:rPr lang="en-US" b="1" dirty="0" smtClean="0"/>
+              <a:t>While the video plays (if needed, short commentary):</a:t>
+            </a:r>
+            <a:r>
+              <a:rPr lang="en-US" dirty="0" smtClean="0"/>
+              <a:t/>
+            </a:r>
+            <a:br>
+              <a:rPr lang="en-US" dirty="0" smtClean="0"/>
+            </a:br>
+            <a:r>
+              <a:rPr lang="en-US" dirty="0" smtClean="0"/>
+              <a:t>Notice the interactive docs and the response matching the schema. This is the same schema that generates </a:t>
+            </a:r>
+            <a:r>
+              <a:rPr lang="en-US" dirty="0" err="1" smtClean="0"/>
+              <a:t>TypeScript</a:t>
+            </a:r>
+            <a:r>
+              <a:rPr lang="en-US" dirty="0" smtClean="0"/>
+              <a:t> types for the frontend.</a:t>
+            </a:r>
+          </a:p>
+          <a:p>
+            <a:r>
+              <a:rPr lang="en-US" b="1" dirty="0" smtClean="0"/>
+              <a:t>After video ends (short wrap):</a:t>
+            </a:r>
+            <a:r>
+              <a:rPr lang="en-US" dirty="0" smtClean="0"/>
+              <a:t/>
+            </a:r>
+            <a:br>
+              <a:rPr lang="en-US" dirty="0" smtClean="0"/>
+            </a:br>
+            <a:r>
+              <a:rPr lang="en-US" dirty="0" smtClean="0"/>
+              <a:t>That demo shows the main user-facing benefits: validated requests, clear docs, and matching types.</a:t>
+            </a:r>
+          </a:p>
+          <a:p>
+            <a:r>
+              <a:rPr lang="en-US" b="1" dirty="0" smtClean="0"/>
+              <a:t>Closing &amp; Call to Action:</a:t>
+            </a:r>
+          </a:p>
+          <a:p>
+            <a:r>
+              <a:rPr lang="en-US" dirty="0" smtClean="0"/>
+              <a:t>Thank you! That’s all</a:t>
+            </a:r>
+            <a:endParaRPr lang="en-US" b="1" dirty="0"/>
+          </a:p>
+        </p:txBody>
+      </p:sp>
+      <p:sp>
+        <p:nvSpPr>
+          <p:cNvPr id="4" name="Slide Number Placeholder 3"/>
+          <p:cNvSpPr>
+            <a:spLocks noGrp="1"/>
+          </p:cNvSpPr>
+          <p:nvPr>
+            <p:ph type="sldNum" sz="quarter" idx="10"/>
+          </p:nvPr>
+        </p:nvSpPr>
+        <p:spPr/>
+        <p:txBody>
+          <a:bodyPr/>
+          <a:lstStyle/>
+          <a:p>
+            <a:fld id="{60146512-7F88-4690-88AF-231BA19E63AB}" type="slidenum">
+              <a:rPr lang="en-US" smtClean="0"/>
+              <a:t>12</a:t>
+            </a:fld>
+            <a:endParaRPr lang="en-US"/>
+          </a:p>
+        </p:txBody>
+      </p:sp>
+    </p:spTree>
+    <p:extLst>
+      <p:ext uri="{BB962C8B-B14F-4D97-AF65-F5344CB8AC3E}">
+        <p14:creationId xmlns:p14="http://schemas.microsoft.com/office/powerpoint/2010/main" val="3875211731"/>
+      </p:ext>
+    </p:extLst>
+  </p:cSld>
+  <p:clrMapOvr>
+    <a:masterClrMapping/>
+  </p:clrMapOvr>
+</p:notes>
+</file>
+
+<file path=ppt/notesSlides/notesSlide2.xml><?xml version="1.0" encoding="utf-8"?>
+<p:notes xmlns:a="http://schemas.openxmlformats.org/drawingml/2006/main" xmlns:r="http://schemas.openxmlformats.org/officeDocument/2006/relationships" xmlns:p="http://schemas.openxmlformats.org/presentationml/2006/main">
+  <p:cSld>
+    <p:spTree>
+      <p:nvGrpSpPr>
+        <p:cNvPr id="1" name=""/>
+        <p:cNvGrpSpPr/>
+        <p:nvPr/>
+      </p:nvGrpSpPr>
+      <p:grpSpPr>
+        <a:xfrm>
+          <a:off x="0" y="0"/>
+          <a:ext cx="0" cy="0"/>
+          <a:chOff x="0" y="0"/>
+          <a:chExt cx="0" cy="0"/>
+        </a:xfrm>
+      </p:grpSpPr>
+      <p:sp>
+        <p:nvSpPr>
+          <p:cNvPr id="2" name="Slide Image Placeholder 1"/>
+          <p:cNvSpPr>
+            <a:spLocks noGrp="1" noRot="1" noChangeAspect="1"/>
+          </p:cNvSpPr>
+          <p:nvPr>
+            <p:ph type="sldImg"/>
+          </p:nvPr>
+        </p:nvSpPr>
+        <p:spPr/>
+      </p:sp>
+      <p:sp>
+        <p:nvSpPr>
+          <p:cNvPr id="3" name="Notes Placeholder 2"/>
+          <p:cNvSpPr>
+            <a:spLocks noGrp="1"/>
+          </p:cNvSpPr>
+          <p:nvPr>
+            <p:ph type="body" idx="1"/>
+          </p:nvPr>
+        </p:nvSpPr>
+        <p:spPr/>
+        <p:txBody>
+          <a:bodyPr/>
+          <a:lstStyle/>
+          <a:p>
+            <a:r>
+              <a:rPr lang="en-US" dirty="0" smtClean="0"/>
+              <a:t>Goal: move Rocket.Chat API endpoints to a modern pattern based on </a:t>
+            </a:r>
+            <a:r>
+              <a:rPr lang="en-US" b="1" dirty="0" smtClean="0"/>
+              <a:t>OpenAPI</a:t>
+            </a:r>
+            <a:r>
+              <a:rPr lang="en-US" dirty="0" smtClean="0"/>
+              <a:t> and </a:t>
+            </a:r>
+            <a:r>
+              <a:rPr lang="en-US" b="1" dirty="0" smtClean="0"/>
+              <a:t>AJV</a:t>
+            </a:r>
+            <a:r>
+              <a:rPr lang="en-US" dirty="0" smtClean="0"/>
+              <a:t>.</a:t>
+            </a:r>
+            <a:br>
+              <a:rPr lang="en-US" dirty="0" smtClean="0"/>
+            </a:br>
+            <a:r>
+              <a:rPr lang="en-US" dirty="0" smtClean="0"/>
+              <a:t>We use </a:t>
+            </a:r>
+            <a:r>
+              <a:rPr lang="en-US" b="1" dirty="0" smtClean="0"/>
+              <a:t>Typia</a:t>
+            </a:r>
+            <a:r>
+              <a:rPr lang="en-US" dirty="0" smtClean="0"/>
+              <a:t> for shared schemas. The aim is to make APIs easier to use and keep them correct.</a:t>
+            </a:r>
+            <a:br>
+              <a:rPr lang="en-US" dirty="0" smtClean="0"/>
+            </a:br>
+            <a:r>
+              <a:rPr lang="en-US" dirty="0" smtClean="0"/>
+              <a:t>So far we migrated a set of endpoints focused on core features and the work is making the API more consistent for everyone.</a:t>
+            </a:r>
+          </a:p>
+          <a:p>
+            <a:r>
+              <a:rPr lang="en-US" b="1" dirty="0" smtClean="0"/>
+              <a:t>One-liner for non-technical people:</a:t>
+            </a:r>
+            <a:r>
+              <a:rPr lang="en-US" dirty="0" smtClean="0"/>
+              <a:t/>
+            </a:r>
+            <a:br>
+              <a:rPr lang="en-US" dirty="0" smtClean="0"/>
+            </a:br>
+            <a:r>
+              <a:rPr lang="en-US" dirty="0" smtClean="0"/>
+              <a:t>We reorganized the API so it is easier to read, safer to use, and cheaper to maintain.</a:t>
+            </a:r>
+          </a:p>
+          <a:p>
+            <a:r>
+              <a:rPr lang="en-US" b="1" dirty="0" smtClean="0"/>
+              <a:t>Transition:</a:t>
+            </a:r>
+            <a:r>
+              <a:rPr lang="en-US" dirty="0" smtClean="0"/>
+              <a:t/>
+            </a:r>
+            <a:br>
+              <a:rPr lang="en-US" dirty="0" smtClean="0"/>
+            </a:br>
+            <a:r>
+              <a:rPr lang="en-US" dirty="0" smtClean="0"/>
+              <a:t>Next slide: the team who worked on this.</a:t>
+            </a:r>
+          </a:p>
+          <a:p>
+            <a:endParaRPr lang="en-US" dirty="0"/>
+          </a:p>
+        </p:txBody>
+      </p:sp>
+      <p:sp>
+        <p:nvSpPr>
+          <p:cNvPr id="4" name="Slide Number Placeholder 3"/>
+          <p:cNvSpPr>
+            <a:spLocks noGrp="1"/>
+          </p:cNvSpPr>
+          <p:nvPr>
+            <p:ph type="sldNum" sz="quarter" idx="10"/>
+          </p:nvPr>
+        </p:nvSpPr>
+        <p:spPr/>
+        <p:txBody>
+          <a:bodyPr/>
+          <a:lstStyle/>
+          <a:p>
+            <a:fld id="{60146512-7F88-4690-88AF-231BA19E63AB}" type="slidenum">
+              <a:rPr lang="en-US" smtClean="0"/>
+              <a:t>2</a:t>
+            </a:fld>
+            <a:endParaRPr lang="en-US"/>
+          </a:p>
+        </p:txBody>
+      </p:sp>
+    </p:spTree>
+    <p:extLst>
+      <p:ext uri="{BB962C8B-B14F-4D97-AF65-F5344CB8AC3E}">
+        <p14:creationId xmlns:p14="http://schemas.microsoft.com/office/powerpoint/2010/main" val="1583147586"/>
+      </p:ext>
+    </p:extLst>
+  </p:cSld>
+  <p:clrMapOvr>
+    <a:masterClrMapping/>
+  </p:clrMapOvr>
+</p:notes>
+</file>
+
+<file path=ppt/notesSlides/notesSlide3.xml><?xml version="1.0" encoding="utf-8"?>
+<p:notes xmlns:a="http://schemas.openxmlformats.org/drawingml/2006/main" xmlns:r="http://schemas.openxmlformats.org/officeDocument/2006/relationships" xmlns:p="http://schemas.openxmlformats.org/presentationml/2006/main">
+  <p:cSld>
+    <p:spTree>
+      <p:nvGrpSpPr>
+        <p:cNvPr id="1" name=""/>
+        <p:cNvGrpSpPr/>
+        <p:nvPr/>
+      </p:nvGrpSpPr>
+      <p:grpSpPr>
+        <a:xfrm>
+          <a:off x="0" y="0"/>
+          <a:ext cx="0" cy="0"/>
+          <a:chOff x="0" y="0"/>
+          <a:chExt cx="0" cy="0"/>
+        </a:xfrm>
+      </p:grpSpPr>
+      <p:sp>
+        <p:nvSpPr>
+          <p:cNvPr id="2" name="Slide Image Placeholder 1"/>
+          <p:cNvSpPr>
+            <a:spLocks noGrp="1" noRot="1" noChangeAspect="1"/>
+          </p:cNvSpPr>
+          <p:nvPr>
+            <p:ph type="sldImg"/>
+          </p:nvPr>
+        </p:nvSpPr>
+        <p:spPr/>
+      </p:sp>
+      <p:sp>
+        <p:nvSpPr>
+          <p:cNvPr id="3" name="Notes Placeholder 2"/>
+          <p:cNvSpPr>
+            <a:spLocks noGrp="1"/>
+          </p:cNvSpPr>
+          <p:nvPr>
+            <p:ph type="body" idx="1"/>
+          </p:nvPr>
+        </p:nvSpPr>
+        <p:spPr/>
+        <p:txBody>
+          <a:bodyPr/>
+          <a:lstStyle/>
+          <a:p>
+            <a:r>
+              <a:rPr lang="en-US" dirty="0" smtClean="0"/>
+              <a:t>I worked with two mentors: </a:t>
+            </a:r>
+            <a:r>
+              <a:rPr lang="en-US" b="1" dirty="0" smtClean="0"/>
+              <a:t>Matheus Cardoso</a:t>
+            </a:r>
+            <a:r>
+              <a:rPr lang="en-US" dirty="0" smtClean="0"/>
+              <a:t> and </a:t>
+            </a:r>
+            <a:r>
+              <a:rPr lang="en-US" b="1" dirty="0" smtClean="0"/>
+              <a:t>Guilherme Gazzo</a:t>
+            </a:r>
+            <a:r>
+              <a:rPr lang="en-US" dirty="0" smtClean="0"/>
+              <a:t>.</a:t>
+            </a:r>
+            <a:br>
+              <a:rPr lang="en-US" dirty="0" smtClean="0"/>
+            </a:br>
+            <a:r>
+              <a:rPr lang="en-US" dirty="0" smtClean="0"/>
+              <a:t>Thanks to them for the guidance.</a:t>
+            </a:r>
+          </a:p>
+          <a:p>
+            <a:r>
+              <a:rPr lang="en-US" b="1" dirty="0" smtClean="0"/>
+              <a:t>Transition:</a:t>
+            </a:r>
+            <a:r>
+              <a:rPr lang="en-US" dirty="0" smtClean="0"/>
+              <a:t/>
+            </a:r>
+            <a:br>
+              <a:rPr lang="en-US" dirty="0" smtClean="0"/>
+            </a:br>
+            <a:r>
+              <a:rPr lang="en-US" dirty="0" smtClean="0"/>
+              <a:t>Now: a quick question to frame the problem.</a:t>
+            </a:r>
+          </a:p>
+        </p:txBody>
+      </p:sp>
+      <p:sp>
+        <p:nvSpPr>
+          <p:cNvPr id="4" name="Slide Number Placeholder 3"/>
+          <p:cNvSpPr>
+            <a:spLocks noGrp="1"/>
+          </p:cNvSpPr>
+          <p:nvPr>
+            <p:ph type="sldNum" sz="quarter" idx="10"/>
+          </p:nvPr>
+        </p:nvSpPr>
+        <p:spPr/>
+        <p:txBody>
+          <a:bodyPr/>
+          <a:lstStyle/>
+          <a:p>
+            <a:fld id="{60146512-7F88-4690-88AF-231BA19E63AB}" type="slidenum">
+              <a:rPr lang="en-US" smtClean="0"/>
+              <a:t>3</a:t>
+            </a:fld>
+            <a:endParaRPr lang="en-US"/>
+          </a:p>
+        </p:txBody>
+      </p:sp>
+    </p:spTree>
+    <p:extLst>
+      <p:ext uri="{BB962C8B-B14F-4D97-AF65-F5344CB8AC3E}">
+        <p14:creationId xmlns:p14="http://schemas.microsoft.com/office/powerpoint/2010/main" val="2140081099"/>
+      </p:ext>
+    </p:extLst>
+  </p:cSld>
+  <p:clrMapOvr>
+    <a:masterClrMapping/>
+  </p:clrMapOvr>
+</p:notes>
+</file>
+
+<file path=ppt/notesSlides/notesSlide4.xml><?xml version="1.0" encoding="utf-8"?>
+<p:notes xmlns:a="http://schemas.openxmlformats.org/drawingml/2006/main" xmlns:r="http://schemas.openxmlformats.org/officeDocument/2006/relationships" xmlns:p="http://schemas.openxmlformats.org/presentationml/2006/main">
+  <p:cSld>
+    <p:spTree>
+      <p:nvGrpSpPr>
+        <p:cNvPr id="1" name=""/>
+        <p:cNvGrpSpPr/>
+        <p:nvPr/>
+      </p:nvGrpSpPr>
+      <p:grpSpPr>
+        <a:xfrm>
+          <a:off x="0" y="0"/>
+          <a:ext cx="0" cy="0"/>
+          <a:chOff x="0" y="0"/>
+          <a:chExt cx="0" cy="0"/>
+        </a:xfrm>
+      </p:grpSpPr>
+      <p:sp>
+        <p:nvSpPr>
+          <p:cNvPr id="2" name="Slide Image Placeholder 1"/>
+          <p:cNvSpPr>
+            <a:spLocks noGrp="1" noRot="1" noChangeAspect="1"/>
+          </p:cNvSpPr>
+          <p:nvPr>
+            <p:ph type="sldImg"/>
+          </p:nvPr>
+        </p:nvSpPr>
+        <p:spPr/>
+      </p:sp>
+      <p:sp>
+        <p:nvSpPr>
+          <p:cNvPr id="3" name="Notes Placeholder 2"/>
+          <p:cNvSpPr>
+            <a:spLocks noGrp="1"/>
+          </p:cNvSpPr>
+          <p:nvPr>
+            <p:ph type="body" idx="1"/>
+          </p:nvPr>
+        </p:nvSpPr>
+        <p:spPr/>
+        <p:txBody>
+          <a:bodyPr/>
+          <a:lstStyle/>
+          <a:p>
+            <a:r>
+              <a:rPr lang="en-US" dirty="0" smtClean="0"/>
+              <a:t>OpenAPI is a standard way to describe REST APIs. It lists endpoints, the data they accept, and the data they return.</a:t>
+            </a:r>
+            <a:br>
+              <a:rPr lang="en-US" dirty="0" smtClean="0"/>
+            </a:br>
+            <a:r>
+              <a:rPr lang="en-US" dirty="0" smtClean="0"/>
+              <a:t>Why use it? Because tools can read OpenAPI and make useful things automatically:</a:t>
+            </a:r>
+          </a:p>
+          <a:p>
+            <a:pPr marL="228600" indent="-228600">
+              <a:buFont typeface="+mj-lt"/>
+              <a:buAutoNum type="arabicPeriod"/>
+            </a:pPr>
+            <a:r>
+              <a:rPr lang="en-US" dirty="0" smtClean="0"/>
+              <a:t>Interactive docs (Swagger UI) so people can try endpoints in a browser.</a:t>
+            </a:r>
+          </a:p>
+          <a:p>
+            <a:pPr marL="228600" indent="-228600">
+              <a:buFont typeface="+mj-lt"/>
+              <a:buAutoNum type="arabicPeriod"/>
+            </a:pPr>
+            <a:r>
+              <a:rPr lang="en-US" dirty="0" smtClean="0"/>
+              <a:t>Client libraries and </a:t>
+            </a:r>
+            <a:r>
+              <a:rPr lang="en-US" dirty="0" err="1" smtClean="0"/>
+              <a:t>TypeScript</a:t>
+            </a:r>
+            <a:r>
+              <a:rPr lang="en-US" dirty="0" smtClean="0"/>
+              <a:t> types can be generated from the same spec.</a:t>
+            </a:r>
+          </a:p>
+          <a:p>
+            <a:r>
+              <a:rPr lang="en-US" b="1" dirty="0" smtClean="0"/>
+              <a:t>Short example (non-technical):</a:t>
+            </a:r>
+            <a:r>
+              <a:rPr lang="en-US" dirty="0" smtClean="0"/>
+              <a:t/>
+            </a:r>
+            <a:br>
+              <a:rPr lang="en-US" dirty="0" smtClean="0"/>
+            </a:br>
+            <a:r>
+              <a:rPr lang="en-US" dirty="0" smtClean="0"/>
+              <a:t>Think of OpenAPI as a clear instruction book for your API. Tools can read this book and help developers work faster.</a:t>
+            </a:r>
+          </a:p>
+          <a:p>
+            <a:r>
+              <a:rPr lang="en-US" b="1" dirty="0" smtClean="0"/>
+              <a:t>Transition:</a:t>
+            </a:r>
+            <a:r>
+              <a:rPr lang="en-US" dirty="0" smtClean="0"/>
+              <a:t/>
+            </a:r>
+            <a:br>
+              <a:rPr lang="en-US" dirty="0" smtClean="0"/>
+            </a:br>
+            <a:r>
+              <a:rPr lang="en-US" dirty="0" smtClean="0"/>
+              <a:t>Next: why we added AJV validation on top of OpenAPI.</a:t>
+            </a:r>
+          </a:p>
+          <a:p>
+            <a:endParaRPr lang="en-US" dirty="0"/>
+          </a:p>
+        </p:txBody>
+      </p:sp>
+      <p:sp>
+        <p:nvSpPr>
+          <p:cNvPr id="4" name="Slide Number Placeholder 3"/>
+          <p:cNvSpPr>
+            <a:spLocks noGrp="1"/>
+          </p:cNvSpPr>
+          <p:nvPr>
+            <p:ph type="sldNum" sz="quarter" idx="10"/>
+          </p:nvPr>
+        </p:nvSpPr>
+        <p:spPr/>
+        <p:txBody>
+          <a:bodyPr/>
+          <a:lstStyle/>
+          <a:p>
+            <a:fld id="{60146512-7F88-4690-88AF-231BA19E63AB}" type="slidenum">
+              <a:rPr lang="en-US" smtClean="0"/>
+              <a:t>4</a:t>
+            </a:fld>
+            <a:endParaRPr lang="en-US"/>
+          </a:p>
+        </p:txBody>
+      </p:sp>
+    </p:spTree>
+    <p:extLst>
+      <p:ext uri="{BB962C8B-B14F-4D97-AF65-F5344CB8AC3E}">
+        <p14:creationId xmlns:p14="http://schemas.microsoft.com/office/powerpoint/2010/main" val="3491841855"/>
+      </p:ext>
+    </p:extLst>
+  </p:cSld>
+  <p:clrMapOvr>
+    <a:masterClrMapping/>
+  </p:clrMapOvr>
+</p:notes>
+</file>
+
+<file path=ppt/notesSlides/notesSlide5.xml><?xml version="1.0" encoding="utf-8"?>
+<p:notes xmlns:a="http://schemas.openxmlformats.org/drawingml/2006/main" xmlns:r="http://schemas.openxmlformats.org/officeDocument/2006/relationships" xmlns:p="http://schemas.openxmlformats.org/presentationml/2006/main">
+  <p:cSld>
+    <p:spTree>
+      <p:nvGrpSpPr>
+        <p:cNvPr id="1" name=""/>
+        <p:cNvGrpSpPr/>
+        <p:nvPr/>
+      </p:nvGrpSpPr>
+      <p:grpSpPr>
+        <a:xfrm>
+          <a:off x="0" y="0"/>
+          <a:ext cx="0" cy="0"/>
+          <a:chOff x="0" y="0"/>
+          <a:chExt cx="0" cy="0"/>
+        </a:xfrm>
+      </p:grpSpPr>
+      <p:sp>
+        <p:nvSpPr>
+          <p:cNvPr id="2" name="Slide Image Placeholder 1"/>
+          <p:cNvSpPr>
+            <a:spLocks noGrp="1" noRot="1" noChangeAspect="1"/>
+          </p:cNvSpPr>
+          <p:nvPr>
+            <p:ph type="sldImg"/>
+          </p:nvPr>
+        </p:nvSpPr>
+        <p:spPr/>
+      </p:sp>
+      <p:sp>
+        <p:nvSpPr>
+          <p:cNvPr id="3" name="Notes Placeholder 2"/>
+          <p:cNvSpPr>
+            <a:spLocks noGrp="1"/>
+          </p:cNvSpPr>
+          <p:nvPr>
+            <p:ph type="body" idx="1"/>
+          </p:nvPr>
+        </p:nvSpPr>
+        <p:spPr/>
+        <p:txBody>
+          <a:bodyPr/>
+          <a:lstStyle/>
+          <a:p>
+            <a:r>
+              <a:rPr lang="en-US" dirty="0" smtClean="0"/>
+              <a:t>We moved to OpenAPI plus </a:t>
+            </a:r>
+            <a:r>
+              <a:rPr lang="en-US" b="1" dirty="0" smtClean="0"/>
+              <a:t>AJV</a:t>
+            </a:r>
+            <a:r>
+              <a:rPr lang="en-US" dirty="0" smtClean="0"/>
+              <a:t> for these reasons:</a:t>
+            </a:r>
+          </a:p>
+          <a:p>
+            <a:r>
+              <a:rPr lang="en-US" b="1" dirty="0" smtClean="0"/>
+              <a:t>Validation:</a:t>
+            </a:r>
+            <a:r>
+              <a:rPr lang="en-US" dirty="0" smtClean="0"/>
+              <a:t> AJV checks request and response data automatically. Bad inputs are rejected early.</a:t>
+            </a:r>
+          </a:p>
+          <a:p>
+            <a:r>
+              <a:rPr lang="en-US" b="1" dirty="0" smtClean="0"/>
+              <a:t>Type Safety:</a:t>
+            </a:r>
+            <a:r>
+              <a:rPr lang="en-US" dirty="0" smtClean="0"/>
+              <a:t> Frontend and backend share the same schema, so types match.</a:t>
+            </a:r>
+          </a:p>
+          <a:p>
+            <a:r>
+              <a:rPr lang="en-US" b="1" dirty="0" smtClean="0"/>
+              <a:t>Consistency:</a:t>
+            </a:r>
+            <a:r>
+              <a:rPr lang="en-US" dirty="0" smtClean="0"/>
+              <a:t> Docs and code come from the same source — no drift.</a:t>
+            </a:r>
+          </a:p>
+          <a:p>
+            <a:r>
+              <a:rPr lang="en-US" b="1" dirty="0" smtClean="0"/>
+              <a:t>Automation:</a:t>
+            </a:r>
+            <a:r>
+              <a:rPr lang="en-US" dirty="0" smtClean="0"/>
+              <a:t> We can generate SDKs, tests, and docs from the spec.</a:t>
+            </a:r>
+          </a:p>
+          <a:p>
+            <a:r>
+              <a:rPr lang="en-US" b="1" dirty="0" smtClean="0"/>
+              <a:t>One-liner:</a:t>
+            </a:r>
+            <a:r>
+              <a:rPr lang="en-US" dirty="0" smtClean="0"/>
+              <a:t/>
+            </a:r>
+            <a:br>
+              <a:rPr lang="en-US" dirty="0" smtClean="0"/>
+            </a:br>
+            <a:r>
+              <a:rPr lang="en-US" dirty="0" smtClean="0"/>
+              <a:t>This reduces bugs, saves developer time, and makes the API easier to adopt.</a:t>
+            </a:r>
+          </a:p>
+          <a:p>
+            <a:r>
+              <a:rPr lang="en-US" b="1" dirty="0" smtClean="0"/>
+              <a:t>Transition:</a:t>
+            </a:r>
+            <a:r>
+              <a:rPr lang="en-US" dirty="0" smtClean="0"/>
+              <a:t/>
+            </a:r>
+            <a:br>
+              <a:rPr lang="en-US" dirty="0" smtClean="0"/>
+            </a:br>
+            <a:r>
+              <a:rPr lang="en-US" dirty="0" smtClean="0"/>
+              <a:t>Now I’ll show what changed in our route definitions.</a:t>
+            </a:r>
+          </a:p>
+          <a:p>
+            <a:endParaRPr lang="en-US" dirty="0"/>
+          </a:p>
+        </p:txBody>
+      </p:sp>
+      <p:sp>
+        <p:nvSpPr>
+          <p:cNvPr id="4" name="Slide Number Placeholder 3"/>
+          <p:cNvSpPr>
+            <a:spLocks noGrp="1"/>
+          </p:cNvSpPr>
+          <p:nvPr>
+            <p:ph type="sldNum" sz="quarter" idx="10"/>
+          </p:nvPr>
+        </p:nvSpPr>
+        <p:spPr/>
+        <p:txBody>
+          <a:bodyPr/>
+          <a:lstStyle/>
+          <a:p>
+            <a:fld id="{60146512-7F88-4690-88AF-231BA19E63AB}" type="slidenum">
+              <a:rPr lang="en-US" smtClean="0"/>
+              <a:t>5</a:t>
+            </a:fld>
+            <a:endParaRPr lang="en-US"/>
+          </a:p>
+        </p:txBody>
+      </p:sp>
+    </p:spTree>
+    <p:extLst>
+      <p:ext uri="{BB962C8B-B14F-4D97-AF65-F5344CB8AC3E}">
+        <p14:creationId xmlns:p14="http://schemas.microsoft.com/office/powerpoint/2010/main" val="3349698702"/>
+      </p:ext>
+    </p:extLst>
+  </p:cSld>
+  <p:clrMapOvr>
+    <a:masterClrMapping/>
+  </p:clrMapOvr>
+</p:notes>
+</file>
+
+<file path=ppt/notesSlides/notesSlide6.xml><?xml version="1.0" encoding="utf-8"?>
+<p:notes xmlns:a="http://schemas.openxmlformats.org/drawingml/2006/main" xmlns:r="http://schemas.openxmlformats.org/officeDocument/2006/relationships" xmlns:p="http://schemas.openxmlformats.org/presentationml/2006/main">
+  <p:cSld>
+    <p:spTree>
+      <p:nvGrpSpPr>
+        <p:cNvPr id="1" name=""/>
+        <p:cNvGrpSpPr/>
+        <p:nvPr/>
+      </p:nvGrpSpPr>
+      <p:grpSpPr>
+        <a:xfrm>
+          <a:off x="0" y="0"/>
+          <a:ext cx="0" cy="0"/>
+          <a:chOff x="0" y="0"/>
+          <a:chExt cx="0" cy="0"/>
+        </a:xfrm>
+      </p:grpSpPr>
+      <p:sp>
+        <p:nvSpPr>
+          <p:cNvPr id="2" name="Slide Image Placeholder 1"/>
+          <p:cNvSpPr>
+            <a:spLocks noGrp="1" noRot="1" noChangeAspect="1"/>
+          </p:cNvSpPr>
+          <p:nvPr>
+            <p:ph type="sldImg"/>
+          </p:nvPr>
+        </p:nvSpPr>
+        <p:spPr/>
+      </p:sp>
+      <p:sp>
+        <p:nvSpPr>
+          <p:cNvPr id="3" name="Notes Placeholder 2"/>
+          <p:cNvSpPr>
+            <a:spLocks noGrp="1"/>
+          </p:cNvSpPr>
+          <p:nvPr>
+            <p:ph type="body" idx="1"/>
+          </p:nvPr>
+        </p:nvSpPr>
+        <p:spPr/>
+        <p:txBody>
+          <a:bodyPr/>
+          <a:lstStyle/>
+          <a:p>
+            <a:r>
+              <a:rPr lang="en-US" dirty="0" smtClean="0"/>
+              <a:t>Key changes:</a:t>
+            </a:r>
+          </a:p>
+          <a:p>
+            <a:r>
+              <a:rPr lang="en-US" dirty="0" smtClean="0"/>
+              <a:t>We use chained .post() / .get() route definitions on API.v1.</a:t>
+            </a:r>
+          </a:p>
+          <a:p>
+            <a:r>
+              <a:rPr lang="en-US" dirty="0" smtClean="0"/>
+              <a:t>Each route includes inline JSON schemas for body, query, and response using AJV.</a:t>
+            </a:r>
+          </a:p>
+          <a:p>
+            <a:r>
+              <a:rPr lang="en-US" dirty="0" smtClean="0"/>
+              <a:t>Shared models use </a:t>
+            </a:r>
+            <a:r>
+              <a:rPr lang="en-US" b="1" dirty="0" smtClean="0"/>
+              <a:t>Typia</a:t>
+            </a:r>
+            <a:r>
+              <a:rPr lang="en-US" dirty="0" smtClean="0"/>
+              <a:t> $ref so we reuse schemas across endpoints.</a:t>
+            </a:r>
+          </a:p>
+          <a:p>
+            <a:r>
+              <a:rPr lang="en-US" dirty="0" smtClean="0"/>
+              <a:t>We generate </a:t>
+            </a:r>
+            <a:r>
+              <a:rPr lang="en-US" dirty="0" err="1" smtClean="0"/>
+              <a:t>TypeScript</a:t>
+            </a:r>
+            <a:r>
+              <a:rPr lang="en-US" dirty="0" smtClean="0"/>
+              <a:t> types automatically with </a:t>
+            </a:r>
+            <a:r>
+              <a:rPr lang="en-US" dirty="0" err="1" smtClean="0"/>
+              <a:t>ExtractRoutesFromAPI</a:t>
+            </a:r>
+            <a:r>
+              <a:rPr lang="en-US" dirty="0" smtClean="0"/>
+              <a:t>.</a:t>
+            </a:r>
+          </a:p>
+          <a:p>
+            <a:r>
+              <a:rPr lang="en-US" dirty="0" smtClean="0"/>
+              <a:t>We use shared error validators so error responses are consistent.</a:t>
+            </a:r>
+          </a:p>
+          <a:p>
+            <a:r>
+              <a:rPr lang="en-US" b="1" dirty="0" smtClean="0"/>
+              <a:t>Practical benefit:</a:t>
+            </a:r>
+            <a:r>
+              <a:rPr lang="en-US" dirty="0" smtClean="0"/>
+              <a:t/>
+            </a:r>
+            <a:br>
+              <a:rPr lang="en-US" dirty="0" smtClean="0"/>
+            </a:br>
+            <a:r>
+              <a:rPr lang="en-US" dirty="0" smtClean="0"/>
+              <a:t>Everything for an endpoint lives in one place: path, validation, docs, and types.</a:t>
+            </a:r>
+          </a:p>
+          <a:p>
+            <a:r>
+              <a:rPr lang="en-US" b="1" dirty="0" smtClean="0"/>
+              <a:t>Transition:</a:t>
+            </a:r>
+            <a:r>
+              <a:rPr lang="en-US" dirty="0" smtClean="0"/>
+              <a:t/>
+            </a:r>
+            <a:br>
+              <a:rPr lang="en-US" dirty="0" smtClean="0"/>
+            </a:br>
+            <a:r>
+              <a:rPr lang="en-US" dirty="0" smtClean="0"/>
+              <a:t>Why this matters for teams and users.</a:t>
+            </a:r>
+          </a:p>
+          <a:p>
+            <a:endParaRPr lang="en-US" dirty="0" smtClean="0"/>
+          </a:p>
+          <a:p>
+            <a:endParaRPr lang="en-US" dirty="0"/>
+          </a:p>
+        </p:txBody>
+      </p:sp>
+      <p:sp>
+        <p:nvSpPr>
+          <p:cNvPr id="4" name="Slide Number Placeholder 3"/>
+          <p:cNvSpPr>
+            <a:spLocks noGrp="1"/>
+          </p:cNvSpPr>
+          <p:nvPr>
+            <p:ph type="sldNum" sz="quarter" idx="10"/>
+          </p:nvPr>
+        </p:nvSpPr>
+        <p:spPr/>
+        <p:txBody>
+          <a:bodyPr/>
+          <a:lstStyle/>
+          <a:p>
+            <a:fld id="{60146512-7F88-4690-88AF-231BA19E63AB}" type="slidenum">
+              <a:rPr lang="en-US" smtClean="0"/>
+              <a:t>6</a:t>
+            </a:fld>
+            <a:endParaRPr lang="en-US"/>
+          </a:p>
+        </p:txBody>
+      </p:sp>
+    </p:spTree>
+    <p:extLst>
+      <p:ext uri="{BB962C8B-B14F-4D97-AF65-F5344CB8AC3E}">
+        <p14:creationId xmlns:p14="http://schemas.microsoft.com/office/powerpoint/2010/main" val="3415222195"/>
+      </p:ext>
+    </p:extLst>
+  </p:cSld>
+  <p:clrMapOvr>
+    <a:masterClrMapping/>
+  </p:clrMapOvr>
+</p:notes>
+</file>
+
+<file path=ppt/notesSlides/notesSlide7.xml><?xml version="1.0" encoding="utf-8"?>
+<p:notes xmlns:a="http://schemas.openxmlformats.org/drawingml/2006/main" xmlns:r="http://schemas.openxmlformats.org/officeDocument/2006/relationships" xmlns:p="http://schemas.openxmlformats.org/presentationml/2006/main">
+  <p:cSld>
+    <p:spTree>
+      <p:nvGrpSpPr>
+        <p:cNvPr id="1" name=""/>
+        <p:cNvGrpSpPr/>
+        <p:nvPr/>
+      </p:nvGrpSpPr>
+      <p:grpSpPr>
+        <a:xfrm>
+          <a:off x="0" y="0"/>
+          <a:ext cx="0" cy="0"/>
+          <a:chOff x="0" y="0"/>
+          <a:chExt cx="0" cy="0"/>
+        </a:xfrm>
+      </p:grpSpPr>
+      <p:sp>
+        <p:nvSpPr>
+          <p:cNvPr id="2" name="Slide Image Placeholder 1"/>
+          <p:cNvSpPr>
+            <a:spLocks noGrp="1" noRot="1" noChangeAspect="1"/>
+          </p:cNvSpPr>
+          <p:nvPr>
+            <p:ph type="sldImg"/>
+          </p:nvPr>
+        </p:nvSpPr>
+        <p:spPr/>
+      </p:sp>
+      <p:sp>
+        <p:nvSpPr>
+          <p:cNvPr id="3" name="Notes Placeholder 2"/>
+          <p:cNvSpPr>
+            <a:spLocks noGrp="1"/>
+          </p:cNvSpPr>
+          <p:nvPr>
+            <p:ph type="body" idx="1"/>
+          </p:nvPr>
+        </p:nvSpPr>
+        <p:spPr/>
+        <p:txBody>
+          <a:bodyPr/>
+          <a:lstStyle/>
+          <a:p>
+            <a:r>
+              <a:rPr lang="en-US" dirty="0" smtClean="0"/>
+              <a:t>This new pattern gives:</a:t>
+            </a:r>
+          </a:p>
+          <a:p>
+            <a:r>
+              <a:rPr lang="en-US" b="1" dirty="0" smtClean="0"/>
+              <a:t>Single source of truth</a:t>
+            </a:r>
+            <a:r>
+              <a:rPr lang="en-US" dirty="0" smtClean="0"/>
+              <a:t> for each endpoint.</a:t>
+            </a:r>
+          </a:p>
+          <a:p>
+            <a:r>
+              <a:rPr lang="en-US" b="1" dirty="0" smtClean="0"/>
+              <a:t>Reliable APIs</a:t>
+            </a:r>
+            <a:r>
+              <a:rPr lang="en-US" dirty="0" smtClean="0"/>
+              <a:t>: responses and errors match the docs.</a:t>
+            </a:r>
+          </a:p>
+          <a:p>
+            <a:r>
+              <a:rPr lang="en-US" b="1" dirty="0" smtClean="0"/>
+              <a:t>Faster onboarding</a:t>
+            </a:r>
+            <a:r>
+              <a:rPr lang="en-US" dirty="0" smtClean="0"/>
+              <a:t>: new developers find accurate docs and types.</a:t>
+            </a:r>
+          </a:p>
+          <a:p>
+            <a:r>
+              <a:rPr lang="en-US" b="1" dirty="0" smtClean="0"/>
+              <a:t>Better frontends</a:t>
+            </a:r>
+            <a:r>
+              <a:rPr lang="en-US" dirty="0" smtClean="0"/>
+              <a:t>: they get correct </a:t>
+            </a:r>
+            <a:r>
+              <a:rPr lang="en-US" dirty="0" err="1" smtClean="0"/>
+              <a:t>TypeScript</a:t>
+            </a:r>
+            <a:r>
+              <a:rPr lang="en-US" dirty="0" smtClean="0"/>
+              <a:t> types, fewer runtime bugs.</a:t>
+            </a:r>
+          </a:p>
+          <a:p>
+            <a:r>
+              <a:rPr lang="en-US" b="1" dirty="0" smtClean="0"/>
+              <a:t>Short impact statement:</a:t>
+            </a:r>
+            <a:r>
+              <a:rPr lang="en-US" dirty="0" smtClean="0"/>
+              <a:t/>
+            </a:r>
+            <a:br>
+              <a:rPr lang="en-US" dirty="0" smtClean="0"/>
+            </a:br>
+            <a:r>
+              <a:rPr lang="en-US" dirty="0" smtClean="0"/>
+              <a:t>Teams spend less time keeping docs and code in sync. Users get a better, more stable API.</a:t>
+            </a:r>
+          </a:p>
+          <a:p>
+            <a:r>
+              <a:rPr lang="en-US" b="1" dirty="0" smtClean="0"/>
+              <a:t>Transition:</a:t>
+            </a:r>
+            <a:r>
+              <a:rPr lang="en-US" dirty="0" smtClean="0"/>
+              <a:t/>
+            </a:r>
+            <a:br>
+              <a:rPr lang="en-US" dirty="0" smtClean="0"/>
+            </a:br>
+            <a:r>
+              <a:rPr lang="en-US" dirty="0" smtClean="0"/>
+              <a:t>Now a direct comparison: old </a:t>
+            </a:r>
+            <a:r>
+              <a:rPr lang="en-US" dirty="0" err="1" smtClean="0"/>
+              <a:t>vs</a:t>
+            </a:r>
+            <a:r>
+              <a:rPr lang="en-US" dirty="0" smtClean="0"/>
+              <a:t> new.</a:t>
+            </a:r>
+          </a:p>
+          <a:p>
+            <a:endParaRPr lang="en-US" dirty="0"/>
+          </a:p>
+        </p:txBody>
+      </p:sp>
+      <p:sp>
+        <p:nvSpPr>
+          <p:cNvPr id="4" name="Slide Number Placeholder 3"/>
+          <p:cNvSpPr>
+            <a:spLocks noGrp="1"/>
+          </p:cNvSpPr>
+          <p:nvPr>
+            <p:ph type="sldNum" sz="quarter" idx="10"/>
+          </p:nvPr>
+        </p:nvSpPr>
+        <p:spPr/>
+        <p:txBody>
+          <a:bodyPr/>
+          <a:lstStyle/>
+          <a:p>
+            <a:fld id="{60146512-7F88-4690-88AF-231BA19E63AB}" type="slidenum">
+              <a:rPr lang="en-US" smtClean="0"/>
+              <a:t>7</a:t>
+            </a:fld>
+            <a:endParaRPr lang="en-US"/>
+          </a:p>
+        </p:txBody>
+      </p:sp>
+    </p:spTree>
+    <p:extLst>
+      <p:ext uri="{BB962C8B-B14F-4D97-AF65-F5344CB8AC3E}">
+        <p14:creationId xmlns:p14="http://schemas.microsoft.com/office/powerpoint/2010/main" val="1416576025"/>
+      </p:ext>
+    </p:extLst>
+  </p:cSld>
+  <p:clrMapOvr>
+    <a:masterClrMapping/>
+  </p:clrMapOvr>
+</p:notes>
+</file>
+
+<file path=ppt/notesSlides/notesSlide8.xml><?xml version="1.0" encoding="utf-8"?>
+<p:notes xmlns:a="http://schemas.openxmlformats.org/drawingml/2006/main" xmlns:r="http://schemas.openxmlformats.org/officeDocument/2006/relationships" xmlns:p="http://schemas.openxmlformats.org/presentationml/2006/main">
+  <p:cSld>
+    <p:spTree>
+      <p:nvGrpSpPr>
+        <p:cNvPr id="1" name=""/>
+        <p:cNvGrpSpPr/>
+        <p:nvPr/>
+      </p:nvGrpSpPr>
+      <p:grpSpPr>
+        <a:xfrm>
+          <a:off x="0" y="0"/>
+          <a:ext cx="0" cy="0"/>
+          <a:chOff x="0" y="0"/>
+          <a:chExt cx="0" cy="0"/>
+        </a:xfrm>
+      </p:grpSpPr>
+      <p:sp>
+        <p:nvSpPr>
+          <p:cNvPr id="2" name="Slide Image Placeholder 1"/>
+          <p:cNvSpPr>
+            <a:spLocks noGrp="1" noRot="1" noChangeAspect="1"/>
+          </p:cNvSpPr>
+          <p:nvPr>
+            <p:ph type="sldImg"/>
+          </p:nvPr>
+        </p:nvSpPr>
+        <p:spPr/>
+      </p:sp>
+      <p:sp>
+        <p:nvSpPr>
+          <p:cNvPr id="3" name="Notes Placeholder 2"/>
+          <p:cNvSpPr>
+            <a:spLocks noGrp="1"/>
+          </p:cNvSpPr>
+          <p:nvPr>
+            <p:ph type="body" idx="1"/>
+          </p:nvPr>
+        </p:nvSpPr>
+        <p:spPr/>
+        <p:txBody>
+          <a:bodyPr/>
+          <a:lstStyle/>
+          <a:p>
+            <a:r>
+              <a:rPr lang="en-US" dirty="0" smtClean="0"/>
+              <a:t>On the left is the old pattern. We used API.v1.addRoute(...), with validation split and manual rest-typings. That meant:</a:t>
+            </a:r>
+          </a:p>
+          <a:p>
+            <a:r>
+              <a:rPr lang="en-US" dirty="0" smtClean="0"/>
+              <a:t>Typings were in separate files and could get out of date.</a:t>
+            </a:r>
+          </a:p>
+          <a:p>
+            <a:r>
+              <a:rPr lang="en-US" dirty="0" smtClean="0"/>
+              <a:t>Docs were not automatically generated.</a:t>
+            </a:r>
+          </a:p>
+          <a:p>
+            <a:r>
+              <a:rPr lang="en-US" dirty="0" smtClean="0"/>
+              <a:t>On the right is the new pattern. We write API.v1.post('path', { body: </a:t>
+            </a:r>
+            <a:r>
+              <a:rPr lang="en-US" dirty="0" err="1" smtClean="0"/>
+              <a:t>ajv.compile</a:t>
+            </a:r>
+            <a:r>
+              <a:rPr lang="en-US" dirty="0" smtClean="0"/>
+              <a:t>(schema), response: { 200: </a:t>
+            </a:r>
+            <a:r>
+              <a:rPr lang="en-US" dirty="0" err="1" smtClean="0"/>
+              <a:t>ajv.compile</a:t>
+            </a:r>
+            <a:r>
+              <a:rPr lang="en-US" dirty="0" smtClean="0"/>
+              <a:t>(schema) } }, handler).</a:t>
+            </a:r>
+            <a:br>
+              <a:rPr lang="en-US" dirty="0" smtClean="0"/>
+            </a:br>
+            <a:r>
+              <a:rPr lang="en-US" dirty="0" smtClean="0"/>
+              <a:t>This gives:</a:t>
+            </a:r>
+          </a:p>
+          <a:p>
+            <a:r>
+              <a:rPr lang="en-US" dirty="0" smtClean="0"/>
+              <a:t>Inline validation and docs.</a:t>
+            </a:r>
+          </a:p>
+          <a:p>
+            <a:r>
+              <a:rPr lang="en-US" dirty="0" smtClean="0"/>
+              <a:t>Typings generated automatically with </a:t>
+            </a:r>
+            <a:r>
+              <a:rPr lang="en-US" dirty="0" err="1" smtClean="0"/>
+              <a:t>ExtractRoutesFromAPI</a:t>
+            </a:r>
+            <a:r>
+              <a:rPr lang="en-US" dirty="0" smtClean="0"/>
+              <a:t>.</a:t>
+            </a:r>
+          </a:p>
+          <a:p>
+            <a:r>
+              <a:rPr lang="en-US" dirty="0" smtClean="0"/>
+              <a:t>Reuse of Typia $ref models.</a:t>
+            </a:r>
+          </a:p>
+          <a:p>
+            <a:r>
+              <a:rPr lang="en-US" b="1" dirty="0" smtClean="0"/>
+              <a:t>Pointer to frontend </a:t>
+            </a:r>
+            <a:r>
+              <a:rPr lang="en-US" b="1" dirty="0" err="1" smtClean="0"/>
+              <a:t>devs</a:t>
+            </a:r>
+            <a:r>
+              <a:rPr lang="en-US" b="1" dirty="0" smtClean="0"/>
+              <a:t>:</a:t>
+            </a:r>
+            <a:r>
+              <a:rPr lang="en-US" dirty="0" smtClean="0"/>
+              <a:t/>
+            </a:r>
+            <a:br>
+              <a:rPr lang="en-US" dirty="0" smtClean="0"/>
+            </a:br>
+            <a:r>
+              <a:rPr lang="en-US" dirty="0" smtClean="0"/>
+              <a:t>Because the backend defines schemas, frontend can use </a:t>
+            </a:r>
+            <a:r>
+              <a:rPr lang="en-US" dirty="0" err="1" smtClean="0"/>
+              <a:t>useEndpoint</a:t>
+            </a:r>
+            <a:r>
+              <a:rPr lang="en-US" dirty="0" smtClean="0"/>
+              <a:t> with confidence — types match and validation runs on both sides.</a:t>
+            </a:r>
+          </a:p>
+          <a:p>
+            <a:r>
+              <a:rPr lang="en-US" b="1" dirty="0" smtClean="0"/>
+              <a:t>Transition:</a:t>
+            </a:r>
+            <a:r>
+              <a:rPr lang="en-US" dirty="0" smtClean="0"/>
+              <a:t/>
+            </a:r>
+            <a:br>
+              <a:rPr lang="en-US" dirty="0" smtClean="0"/>
+            </a:br>
+            <a:r>
+              <a:rPr lang="en-US" dirty="0" smtClean="0"/>
+              <a:t>Next slide shows the tools we used.</a:t>
+            </a:r>
+          </a:p>
+          <a:p>
+            <a:endParaRPr lang="en-US" dirty="0"/>
+          </a:p>
+        </p:txBody>
+      </p:sp>
+      <p:sp>
+        <p:nvSpPr>
+          <p:cNvPr id="4" name="Slide Number Placeholder 3"/>
+          <p:cNvSpPr>
+            <a:spLocks noGrp="1"/>
+          </p:cNvSpPr>
+          <p:nvPr>
+            <p:ph type="sldNum" sz="quarter" idx="10"/>
+          </p:nvPr>
+        </p:nvSpPr>
+        <p:spPr/>
+        <p:txBody>
+          <a:bodyPr/>
+          <a:lstStyle/>
+          <a:p>
+            <a:fld id="{60146512-7F88-4690-88AF-231BA19E63AB}" type="slidenum">
+              <a:rPr lang="en-US" smtClean="0"/>
+              <a:t>8</a:t>
+            </a:fld>
+            <a:endParaRPr lang="en-US"/>
+          </a:p>
+        </p:txBody>
+      </p:sp>
+    </p:spTree>
+    <p:extLst>
+      <p:ext uri="{BB962C8B-B14F-4D97-AF65-F5344CB8AC3E}">
+        <p14:creationId xmlns:p14="http://schemas.microsoft.com/office/powerpoint/2010/main" val="1359937267"/>
+      </p:ext>
+    </p:extLst>
+  </p:cSld>
+  <p:clrMapOvr>
+    <a:masterClrMapping/>
+  </p:clrMapOvr>
+</p:notes>
+</file>
+
+<file path=ppt/notesSlides/notesSlide9.xml><?xml version="1.0" encoding="utf-8"?>
+<p:notes xmlns:a="http://schemas.openxmlformats.org/drawingml/2006/main" xmlns:r="http://schemas.openxmlformats.org/officeDocument/2006/relationships" xmlns:p="http://schemas.openxmlformats.org/presentationml/2006/main">
+  <p:cSld>
+    <p:spTree>
+      <p:nvGrpSpPr>
+        <p:cNvPr id="1" name=""/>
+        <p:cNvGrpSpPr/>
+        <p:nvPr/>
+      </p:nvGrpSpPr>
+      <p:grpSpPr>
+        <a:xfrm>
+          <a:off x="0" y="0"/>
+          <a:ext cx="0" cy="0"/>
+          <a:chOff x="0" y="0"/>
+          <a:chExt cx="0" cy="0"/>
+        </a:xfrm>
+      </p:grpSpPr>
+      <p:sp>
+        <p:nvSpPr>
+          <p:cNvPr id="2" name="Slide Image Placeholder 1"/>
+          <p:cNvSpPr>
+            <a:spLocks noGrp="1" noRot="1" noChangeAspect="1"/>
+          </p:cNvSpPr>
+          <p:nvPr>
+            <p:ph type="sldImg"/>
+          </p:nvPr>
+        </p:nvSpPr>
+        <p:spPr/>
+      </p:sp>
+      <p:sp>
+        <p:nvSpPr>
+          <p:cNvPr id="3" name="Notes Placeholder 2"/>
+          <p:cNvSpPr>
+            <a:spLocks noGrp="1"/>
+          </p:cNvSpPr>
+          <p:nvPr>
+            <p:ph type="body" idx="1"/>
+          </p:nvPr>
+        </p:nvSpPr>
+        <p:spPr/>
+        <p:txBody>
+          <a:bodyPr/>
+          <a:lstStyle/>
+          <a:p>
+            <a:r>
+              <a:rPr lang="en-US" dirty="0" smtClean="0"/>
+              <a:t>Because we have an OpenAPI spec, we can </a:t>
+            </a:r>
+            <a:r>
+              <a:rPr lang="en-US" b="1" dirty="0" smtClean="0"/>
+              <a:t>auto-generate SDKs</a:t>
+            </a:r>
+            <a:r>
+              <a:rPr lang="en-US" dirty="0" smtClean="0"/>
+              <a:t> for many languages. That means:</a:t>
+            </a:r>
+          </a:p>
+          <a:p>
+            <a:pPr marL="228600" indent="-228600">
+              <a:buFont typeface="+mj-lt"/>
+              <a:buAutoNum type="arabicPeriod"/>
+            </a:pPr>
+            <a:r>
+              <a:rPr lang="en-US" dirty="0" smtClean="0"/>
+              <a:t>Teams or external developers can use a generated SDK instead of writing integration code manually.</a:t>
+            </a:r>
+          </a:p>
+          <a:p>
+            <a:pPr marL="228600" indent="-228600">
+              <a:buFont typeface="+mj-lt"/>
+              <a:buAutoNum type="arabicPeriod"/>
+            </a:pPr>
+            <a:r>
+              <a:rPr lang="en-US" dirty="0" smtClean="0"/>
+              <a:t>SDKs stay consistent with the server API because they are generated from the same spec.</a:t>
+            </a:r>
+          </a:p>
+          <a:p>
+            <a:pPr marL="228600" indent="-228600">
+              <a:buFont typeface="+mj-lt"/>
+              <a:buAutoNum type="arabicPeriod"/>
+            </a:pPr>
+            <a:r>
+              <a:rPr lang="en-US" dirty="0" smtClean="0"/>
+              <a:t>This saves time and reduces bugs when integrating Rocket.Chat with other systems.</a:t>
+            </a:r>
+          </a:p>
+          <a:p>
+            <a:r>
+              <a:rPr lang="en-US" b="1" dirty="0" smtClean="0"/>
+              <a:t>How to say it simply:</a:t>
+            </a:r>
+            <a:r>
+              <a:rPr lang="en-US" dirty="0" smtClean="0"/>
+              <a:t/>
+            </a:r>
+            <a:br>
+              <a:rPr lang="en-US" dirty="0" smtClean="0"/>
+            </a:br>
+            <a:r>
+              <a:rPr lang="en-US" dirty="0" smtClean="0"/>
+              <a:t>From the same API description, we can create ready-to-use libraries for clients.</a:t>
+            </a:r>
+          </a:p>
+          <a:p>
+            <a:r>
+              <a:rPr lang="en-US" b="1" dirty="0" smtClean="0"/>
+              <a:t>Transition:</a:t>
+            </a:r>
+            <a:r>
+              <a:rPr lang="en-US" dirty="0" smtClean="0"/>
+              <a:t/>
+            </a:r>
+            <a:br>
+              <a:rPr lang="en-US" dirty="0" smtClean="0"/>
+            </a:br>
+            <a:r>
+              <a:rPr lang="en-US" dirty="0" smtClean="0"/>
+              <a:t>Next: the strong type-safety benefits.</a:t>
+            </a:r>
+          </a:p>
+          <a:p>
+            <a:endParaRPr lang="en-US" dirty="0"/>
+          </a:p>
+        </p:txBody>
+      </p:sp>
+      <p:sp>
+        <p:nvSpPr>
+          <p:cNvPr id="4" name="Slide Number Placeholder 3"/>
+          <p:cNvSpPr>
+            <a:spLocks noGrp="1"/>
+          </p:cNvSpPr>
+          <p:nvPr>
+            <p:ph type="sldNum" sz="quarter" idx="10"/>
+          </p:nvPr>
+        </p:nvSpPr>
+        <p:spPr/>
+        <p:txBody>
+          <a:bodyPr/>
+          <a:lstStyle/>
+          <a:p>
+            <a:fld id="{60146512-7F88-4690-88AF-231BA19E63AB}" type="slidenum">
+              <a:rPr lang="en-US" smtClean="0"/>
+              <a:t>9</a:t>
+            </a:fld>
+            <a:endParaRPr lang="en-US"/>
+          </a:p>
+        </p:txBody>
+      </p:sp>
+    </p:spTree>
+    <p:extLst>
+      <p:ext uri="{BB962C8B-B14F-4D97-AF65-F5344CB8AC3E}">
+        <p14:creationId xmlns:p14="http://schemas.microsoft.com/office/powerpoint/2010/main" val="4157508584"/>
+      </p:ext>
+    </p:extLst>
+  </p:cSld>
+  <p:clrMapOvr>
+    <a:masterClrMapping/>
+  </p:clrMapOvr>
+</p:notes>
+</file>
+
 <file path=ppt/slideLayouts/slideLayout1.xml><?xml version="1.0" encoding="utf-8"?>
-<p:sldLayout xmlns:a="http://schemas.openxmlformats.org/drawingml/2006/main" xmlns:p="http://schemas.openxmlformats.org/presentationml/2006/main" xmlns:r="http://schemas.openxmlformats.org/officeDocument/2006/relationships" xmlns:p14="http://schemas.microsoft.com/office/powerpoint/2010/main" xmlns:p15="http://schemas.microsoft.com/office/powerpoint/2012/main" xmlns:mc="http://schemas.openxmlformats.org/markup-compatibility/2006" type="tx" preserve="1">
+<p:sldLayout xmlns:a="http://schemas.openxmlformats.org/drawingml/2006/main" xmlns:r="http://schemas.openxmlformats.org/officeDocument/2006/relationships" xmlns:p="http://schemas.openxmlformats.org/presentationml/2006/main" type="tx" preserve="1">
   <p:cSld name="Default">
     <p:spTree>
       <p:nvGrpSpPr>
@@ -56,16 +2513,17 @@
           </a:ln>
         </p:spPr>
         <p:txBody>
-          <a:bodyPr lIns="0" rIns="0" tIns="0" bIns="0" anchor="ctr">
+          <a:bodyPr lIns="0" tIns="0" rIns="0" bIns="0" anchor="ctr">
             <a:spAutoFit/>
           </a:bodyPr>
+          <a:lstStyle/>
           <a:p>
             <a:pPr indent="0">
               <a:buNone/>
             </a:pPr>
-            <a:endParaRPr b="1" lang="en-US" sz="4000" strike="noStrike" u="none">
+            <a:endParaRPr lang="en-US" sz="4000" b="1" u="none" strike="noStrike">
               <a:solidFill>
-                <a:srgbClr val="ee575b"/>
+                <a:srgbClr val="EE575B"/>
               </a:solidFill>
               <a:effectLst/>
               <a:uFillTx/>
@@ -98,9 +2556,10 @@
           </a:ln>
         </p:spPr>
         <p:txBody>
-          <a:bodyPr lIns="0" rIns="0" tIns="0" bIns="0" anchor="t">
+          <a:bodyPr lIns="0" tIns="0" rIns="0" bIns="0" anchor="t">
             <a:normAutofit/>
           </a:bodyPr>
+          <a:lstStyle/>
           <a:p>
             <a:pPr indent="0">
               <a:spcBef>
@@ -108,9 +2567,9 @@
               </a:spcBef>
               <a:buNone/>
             </a:pPr>
-            <a:endParaRPr b="0" lang="en-US" sz="3200" strike="noStrike" u="none">
+            <a:endParaRPr lang="en-US" sz="3200" b="0" u="none" strike="noStrike">
               <a:solidFill>
-                <a:srgbClr val="ee575b"/>
+                <a:srgbClr val="EE575B"/>
               </a:solidFill>
               <a:effectLst/>
               <a:uFillTx/>
@@ -132,8 +2591,10 @@
         <p:spPr/>
         <p:txBody>
           <a:bodyPr/>
-          <a:p>
-            <a:r>
+          <a:lstStyle/>
+          <a:p>
+            <a:r>
+              <a:rPr dirty="0"/>
               <a:t>Footer</a:t>
             </a:r>
           </a:p>
@@ -152,10 +2613,12 @@
         <p:spPr/>
         <p:txBody>
           <a:bodyPr/>
+          <a:lstStyle/>
           <a:p>
             <a:fld id="{ADAD48E2-6CDC-4C76-9604-C122CBD60A8E}" type="slidenum">
-              <a:t>&lt;#&gt;</a:t>
+              <a:t>‹#›</a:t>
             </a:fld>
+            <a:endParaRPr dirty="0"/>
           </a:p>
         </p:txBody>
       </p:sp>
@@ -172,21 +2635,22 @@
         <p:spPr/>
         <p:txBody>
           <a:bodyPr/>
-          <a:p>
-            <a:r>
-              <a:rPr lang="en-US"/>
-              <a:t/>
-            </a:r>
+          <a:lstStyle/>
+          <a:p>
+            <a:endParaRPr dirty="0"/>
           </a:p>
         </p:txBody>
       </p:sp>
     </p:spTree>
   </p:cSld>
+  <p:clrMapOvr>
+    <a:masterClrMapping/>
+  </p:clrMapOvr>
 </p:sldLayout>
 </file>
 
 <file path=ppt/slideLayouts/slideLayout2.xml><?xml version="1.0" encoding="utf-8"?>
-<p:sldLayout xmlns:a="http://schemas.openxmlformats.org/drawingml/2006/main" xmlns:p="http://schemas.openxmlformats.org/presentationml/2006/main" xmlns:r="http://schemas.openxmlformats.org/officeDocument/2006/relationships" xmlns:p14="http://schemas.microsoft.com/office/powerpoint/2010/main" xmlns:p15="http://schemas.microsoft.com/office/powerpoint/2012/main" xmlns:mc="http://schemas.openxmlformats.org/markup-compatibility/2006" type="title" preserve="1">
+<p:sldLayout xmlns:a="http://schemas.openxmlformats.org/drawingml/2006/main" xmlns:r="http://schemas.openxmlformats.org/officeDocument/2006/relationships" xmlns:p="http://schemas.openxmlformats.org/presentationml/2006/main" type="title" preserve="1">
   <p:cSld name="first-slide">
     <p:spTree>
       <p:nvGrpSpPr>
@@ -226,16 +2690,17 @@
           </a:ln>
         </p:spPr>
         <p:txBody>
-          <a:bodyPr lIns="0" rIns="0" tIns="0" bIns="0" anchor="ctr">
+          <a:bodyPr lIns="0" tIns="0" rIns="0" bIns="0" anchor="ctr">
             <a:spAutoFit/>
           </a:bodyPr>
+          <a:lstStyle/>
           <a:p>
             <a:pPr indent="0">
               <a:buNone/>
             </a:pPr>
-            <a:endParaRPr b="1" lang="en-US" sz="4000" strike="noStrike" u="none">
+            <a:endParaRPr lang="en-US" sz="4000" b="1" u="none" strike="noStrike">
               <a:solidFill>
-                <a:srgbClr val="ee575b"/>
+                <a:srgbClr val="EE575B"/>
               </a:solidFill>
               <a:effectLst/>
               <a:uFillTx/>
@@ -268,14 +2733,15 @@
           </a:ln>
         </p:spPr>
         <p:txBody>
-          <a:bodyPr lIns="0" rIns="0" tIns="0" bIns="0" anchor="ctr">
+          <a:bodyPr lIns="0" tIns="0" rIns="0" bIns="0" anchor="ctr">
             <a:spAutoFit/>
           </a:bodyPr>
+          <a:lstStyle/>
           <a:p>
             <a:pPr indent="0" algn="ctr">
               <a:buNone/>
             </a:pPr>
-            <a:endParaRPr b="0" lang="en-US" sz="3200" strike="noStrike" u="none">
+            <a:endParaRPr lang="en-US" sz="3200" b="0" u="none" strike="noStrike">
               <a:solidFill>
                 <a:srgbClr val="000000"/>
               </a:solidFill>
@@ -299,8 +2765,10 @@
         <p:spPr/>
         <p:txBody>
           <a:bodyPr/>
-          <a:p>
-            <a:r>
+          <a:lstStyle/>
+          <a:p>
+            <a:r>
+              <a:rPr dirty="0"/>
               <a:t>Footer</a:t>
             </a:r>
           </a:p>
@@ -319,10 +2787,12 @@
         <p:spPr/>
         <p:txBody>
           <a:bodyPr/>
+          <a:lstStyle/>
           <a:p>
             <a:fld id="{499800C6-1221-485F-8175-59C7E6DF1A8F}" type="slidenum">
-              <a:t>&lt;#&gt;</a:t>
+              <a:t>‹#›</a:t>
             </a:fld>
+            <a:endParaRPr dirty="0"/>
           </a:p>
         </p:txBody>
       </p:sp>
@@ -339,22 +2809,28 @@
         <p:spPr/>
         <p:txBody>
           <a:bodyPr/>
-          <a:p>
-            <a:r>
-              <a:rPr lang="en-US"/>
-              <a:t/>
-            </a:r>
+          <a:lstStyle/>
+          <a:p>
+            <a:endParaRPr dirty="0"/>
           </a:p>
         </p:txBody>
       </p:sp>
     </p:spTree>
   </p:cSld>
+  <p:clrMapOvr>
+    <a:masterClrMapping/>
+  </p:clrMapOvr>
 </p:sldLayout>
 </file>
 
 <file path=ppt/slideMasters/slideMaster1.xml><?xml version="1.0" encoding="utf-8"?>
-<p:sldMaster xmlns:a="http://schemas.openxmlformats.org/drawingml/2006/main" xmlns:p="http://schemas.openxmlformats.org/presentationml/2006/main" xmlns:r="http://schemas.openxmlformats.org/officeDocument/2006/relationships" xmlns:p14="http://schemas.microsoft.com/office/powerpoint/2010/main" xmlns:p15="http://schemas.microsoft.com/office/powerpoint/2012/main" xmlns:mc="http://schemas.openxmlformats.org/markup-compatibility/2006">
+<p:sldMaster xmlns:a="http://schemas.openxmlformats.org/drawingml/2006/main" xmlns:r="http://schemas.openxmlformats.org/officeDocument/2006/relationships" xmlns:p="http://schemas.openxmlformats.org/presentationml/2006/main">
   <p:cSld>
+    <p:bg>
+      <p:bgRef idx="1001">
+        <a:schemeClr val="bg1"/>
+      </p:bgRef>
+    </p:bg>
     <p:spTree>
       <p:nvGrpSpPr>
         <p:cNvPr id="1" name=""/>
@@ -371,7 +2847,7 @@
       </p:grpSpPr>
       <p:sp>
         <p:nvSpPr>
-          <p:cNvPr id="2" name=""/>
+          <p:cNvPr id="2" name="Rectangle 1"/>
           <p:cNvSpPr/>
           <p:nvPr/>
         </p:nvSpPr>
@@ -384,26 +2860,33 @@
             <a:avLst/>
           </a:prstGeom>
           <a:solidFill>
-            <a:srgbClr val="ffffff"/>
+            <a:srgbClr val="FFFFFF"/>
           </a:solidFill>
           <a:ln w="0">
             <a:solidFill>
-              <a:srgbClr val="3465a4"/>
+              <a:srgbClr val="3465A4"/>
             </a:solidFill>
           </a:ln>
         </p:spPr>
         <p:style>
-          <a:lnRef idx="0"/>
-          <a:fillRef idx="0"/>
-          <a:effectRef idx="0"/>
+          <a:lnRef idx="0">
+            <a:scrgbClr r="0" g="0" b="0"/>
+          </a:lnRef>
+          <a:fillRef idx="0">
+            <a:scrgbClr r="0" g="0" b="0"/>
+          </a:fillRef>
+          <a:effectRef idx="0">
+            <a:scrgbClr r="0" g="0" b="0"/>
+          </a:effectRef>
           <a:fontRef idx="minor"/>
         </p:style>
         <p:txBody>
-          <a:bodyPr wrap="none" lIns="0" rIns="0" tIns="0" bIns="0" anchor="ctr">
+          <a:bodyPr wrap="none" lIns="0" tIns="0" rIns="0" bIns="0" anchor="ctr">
             <a:noAutofit/>
           </a:bodyPr>
-          <a:p>
-            <a:endParaRPr b="0" lang="en-US" sz="2400" strike="noStrike" u="none">
+          <a:lstStyle/>
+          <a:p>
+            <a:endParaRPr lang="en-US" sz="2400" b="0" u="none" strike="noStrike" dirty="0">
               <a:solidFill>
                 <a:srgbClr val="000000"/>
               </a:solidFill>
@@ -416,7 +2899,7 @@
       </p:sp>
       <p:sp>
         <p:nvSpPr>
-          <p:cNvPr id="3" name=""/>
+          <p:cNvPr id="3" name="Oval 2"/>
           <p:cNvSpPr/>
           <p:nvPr/>
         </p:nvSpPr>
@@ -429,24 +2912,31 @@
             <a:avLst/>
           </a:prstGeom>
           <a:solidFill>
-            <a:srgbClr val="fdf4f6"/>
+            <a:srgbClr val="FDF4F6"/>
           </a:solidFill>
           <a:ln w="0">
             <a:noFill/>
           </a:ln>
         </p:spPr>
         <p:style>
-          <a:lnRef idx="0"/>
-          <a:fillRef idx="0"/>
-          <a:effectRef idx="0"/>
+          <a:lnRef idx="0">
+            <a:scrgbClr r="0" g="0" b="0"/>
+          </a:lnRef>
+          <a:fillRef idx="0">
+            <a:scrgbClr r="0" g="0" b="0"/>
+          </a:fillRef>
+          <a:effectRef idx="0">
+            <a:scrgbClr r="0" g="0" b="0"/>
+          </a:effectRef>
           <a:fontRef idx="minor"/>
         </p:style>
         <p:txBody>
-          <a:bodyPr wrap="none" lIns="0" rIns="0" tIns="0" bIns="0" anchor="ctr">
+          <a:bodyPr wrap="none" lIns="0" tIns="0" rIns="0" bIns="0" anchor="ctr">
             <a:noAutofit/>
           </a:bodyPr>
-          <a:p>
-            <a:endParaRPr b="0" lang="en-US" sz="2400" strike="noStrike" u="none">
+          <a:lstStyle/>
+          <a:p>
+            <a:endParaRPr lang="en-US" sz="2400" b="0" u="none" strike="noStrike" dirty="0">
               <a:solidFill>
                 <a:srgbClr val="000000"/>
               </a:solidFill>
@@ -459,7 +2949,7 @@
       </p:sp>
       <p:sp>
         <p:nvSpPr>
-          <p:cNvPr id="4" name=""/>
+          <p:cNvPr id="4" name="Rectangle 3"/>
           <p:cNvSpPr/>
           <p:nvPr/>
         </p:nvSpPr>
@@ -472,28 +2962,35 @@
             <a:avLst/>
           </a:prstGeom>
           <a:solidFill>
-            <a:srgbClr val="ee575b"/>
+            <a:srgbClr val="EE575B"/>
           </a:solidFill>
           <a:ln w="0">
             <a:solidFill>
-              <a:srgbClr val="3465a4"/>
+              <a:srgbClr val="3465A4"/>
             </a:solidFill>
           </a:ln>
         </p:spPr>
         <p:style>
-          <a:lnRef idx="0"/>
-          <a:fillRef idx="0"/>
-          <a:effectRef idx="0"/>
+          <a:lnRef idx="0">
+            <a:scrgbClr r="0" g="0" b="0"/>
+          </a:lnRef>
+          <a:fillRef idx="0">
+            <a:scrgbClr r="0" g="0" b="0"/>
+          </a:fillRef>
+          <a:effectRef idx="0">
+            <a:scrgbClr r="0" g="0" b="0"/>
+          </a:effectRef>
           <a:fontRef idx="minor"/>
         </p:style>
         <p:txBody>
-          <a:bodyPr wrap="none" lIns="0" rIns="0" tIns="0" bIns="0" anchor="ctr">
+          <a:bodyPr wrap="none" lIns="0" tIns="0" rIns="0" bIns="0" anchor="ctr">
             <a:noAutofit/>
           </a:bodyPr>
-          <a:p>
-            <a:endParaRPr b="0" lang="en-US" sz="2400" strike="noStrike" u="none">
+          <a:lstStyle/>
+          <a:p>
+            <a:endParaRPr lang="en-US" sz="2400" b="0" u="none" strike="noStrike" dirty="0">
               <a:solidFill>
-                <a:srgbClr val="ffffff"/>
+                <a:srgbClr val="FFFFFF"/>
               </a:solidFill>
               <a:effectLst/>
               <a:uFillTx/>
@@ -504,7 +3001,7 @@
       </p:sp>
       <p:sp>
         <p:nvSpPr>
-          <p:cNvPr id="5" name=""/>
+          <p:cNvPr id="5" name="Oval 4"/>
           <p:cNvSpPr/>
           <p:nvPr/>
         </p:nvSpPr>
@@ -517,24 +3014,31 @@
             <a:avLst/>
           </a:prstGeom>
           <a:solidFill>
-            <a:srgbClr val="fdf4f6"/>
+            <a:srgbClr val="FDF4F6"/>
           </a:solidFill>
           <a:ln w="0">
             <a:noFill/>
           </a:ln>
         </p:spPr>
         <p:style>
-          <a:lnRef idx="0"/>
-          <a:fillRef idx="0"/>
-          <a:effectRef idx="0"/>
+          <a:lnRef idx="0">
+            <a:scrgbClr r="0" g="0" b="0"/>
+          </a:lnRef>
+          <a:fillRef idx="0">
+            <a:scrgbClr r="0" g="0" b="0"/>
+          </a:fillRef>
+          <a:effectRef idx="0">
+            <a:scrgbClr r="0" g="0" b="0"/>
+          </a:effectRef>
           <a:fontRef idx="minor"/>
         </p:style>
         <p:txBody>
-          <a:bodyPr wrap="none" lIns="0" rIns="0" tIns="0" bIns="0" anchor="ctr">
+          <a:bodyPr wrap="none" lIns="0" tIns="0" rIns="0" bIns="0" anchor="ctr">
             <a:noAutofit/>
           </a:bodyPr>
-          <a:p>
-            <a:endParaRPr b="0" lang="en-US" sz="2400" strike="noStrike" u="none">
+          <a:lstStyle/>
+          <a:p>
+            <a:endParaRPr lang="en-US" sz="2400" b="0" u="none" strike="noStrike" dirty="0">
               <a:solidFill>
                 <a:srgbClr val="000000"/>
               </a:solidFill>
@@ -569,17 +3073,18 @@
           </a:ln>
         </p:spPr>
         <p:txBody>
-          <a:bodyPr lIns="0" rIns="0" tIns="0" bIns="0" anchor="ctr">
+          <a:bodyPr lIns="0" tIns="0" rIns="0" bIns="0" anchor="ctr">
             <a:noAutofit/>
           </a:bodyPr>
+          <a:lstStyle/>
           <a:p>
             <a:pPr indent="0">
               <a:buNone/>
             </a:pPr>
             <a:r>
-              <a:rPr b="1" lang="en-US" sz="4000" strike="noStrike" u="none">
+              <a:rPr lang="en-US" sz="4000" b="1" u="none" strike="noStrike">
                 <a:solidFill>
-                  <a:srgbClr val="ee575b"/>
+                  <a:srgbClr val="EE575B"/>
                 </a:solidFill>
                 <a:effectLst/>
                 <a:uFillTx/>
@@ -587,14 +3092,6 @@
               </a:rPr>
               <a:t>Click to edit the title text format</a:t>
             </a:r>
-            <a:endParaRPr b="1" lang="en-US" sz="4000" strike="noStrike" u="none">
-              <a:solidFill>
-                <a:srgbClr val="ee575b"/>
-              </a:solidFill>
-              <a:effectLst/>
-              <a:uFillTx/>
-              <a:latin typeface="Source Sans Pro"/>
-            </a:endParaRPr>
           </a:p>
         </p:txBody>
       </p:sp>
@@ -622,9 +3119,10 @@
           </a:ln>
         </p:spPr>
         <p:txBody>
-          <a:bodyPr lIns="0" rIns="0" tIns="0" bIns="0" anchor="t">
+          <a:bodyPr lIns="0" tIns="0" rIns="0" bIns="0" anchor="t">
             <a:normAutofit/>
           </a:bodyPr>
+          <a:lstStyle/>
           <a:p>
             <a:pPr marL="432000" indent="-324000">
               <a:spcBef>
@@ -638,9 +3136,9 @@
               <a:buChar char=""/>
             </a:pPr>
             <a:r>
-              <a:rPr b="0" lang="en-US" sz="3200" strike="noStrike" u="none">
+              <a:rPr lang="en-US" sz="3200" b="0" u="none" strike="noStrike">
                 <a:solidFill>
-                  <a:srgbClr val="ee575b"/>
+                  <a:srgbClr val="EE575B"/>
                 </a:solidFill>
                 <a:effectLst/>
                 <a:uFillTx/>
@@ -648,17 +3146,9 @@
               </a:rPr>
               <a:t>Click to edit the outline text format</a:t>
             </a:r>
-            <a:endParaRPr b="0" lang="en-US" sz="3200" strike="noStrike" u="none">
-              <a:solidFill>
-                <a:srgbClr val="ee575b"/>
-              </a:solidFill>
-              <a:effectLst/>
-              <a:uFillTx/>
-              <a:latin typeface="Arial"/>
-            </a:endParaRPr>
-          </a:p>
-          <a:p>
-            <a:pPr lvl="1" marL="864000" indent="-324000">
+          </a:p>
+          <a:p>
+            <a:pPr marL="864000" lvl="1" indent="-324000">
               <a:spcBef>
                 <a:spcPts val="1131"/>
               </a:spcBef>
@@ -670,9 +3160,9 @@
               <a:buChar char=""/>
             </a:pPr>
             <a:r>
-              <a:rPr b="0" lang="en-US" sz="2800" strike="noStrike" u="none">
+              <a:rPr lang="en-US" sz="2800" b="0" u="none" strike="noStrike">
                 <a:solidFill>
-                  <a:srgbClr val="ee575b"/>
+                  <a:srgbClr val="EE575B"/>
                 </a:solidFill>
                 <a:effectLst/>
                 <a:uFillTx/>
@@ -680,17 +3170,9 @@
               </a:rPr>
               <a:t>Second Outline Level</a:t>
             </a:r>
-            <a:endParaRPr b="0" lang="en-US" sz="2800" strike="noStrike" u="none">
-              <a:solidFill>
-                <a:srgbClr val="ee575b"/>
-              </a:solidFill>
-              <a:effectLst/>
-              <a:uFillTx/>
-              <a:latin typeface="Arial"/>
-            </a:endParaRPr>
-          </a:p>
-          <a:p>
-            <a:pPr lvl="2" marL="1296000" indent="-288000">
+          </a:p>
+          <a:p>
+            <a:pPr marL="1296000" lvl="2" indent="-288000">
               <a:spcBef>
                 <a:spcPts val="848"/>
               </a:spcBef>
@@ -702,9 +3184,9 @@
               <a:buChar char=""/>
             </a:pPr>
             <a:r>
-              <a:rPr b="0" lang="en-US" sz="2400" strike="noStrike" u="none">
+              <a:rPr lang="en-US" sz="2400" b="0" u="none" strike="noStrike">
                 <a:solidFill>
-                  <a:srgbClr val="ee575b"/>
+                  <a:srgbClr val="EE575B"/>
                 </a:solidFill>
                 <a:effectLst/>
                 <a:uFillTx/>
@@ -712,17 +3194,9 @@
               </a:rPr>
               <a:t>Third Outline Level</a:t>
             </a:r>
-            <a:endParaRPr b="0" lang="en-US" sz="2400" strike="noStrike" u="none">
-              <a:solidFill>
-                <a:srgbClr val="ee575b"/>
-              </a:solidFill>
-              <a:effectLst/>
-              <a:uFillTx/>
-              <a:latin typeface="Arial"/>
-            </a:endParaRPr>
-          </a:p>
-          <a:p>
-            <a:pPr lvl="3" marL="1728000" indent="-216000">
+          </a:p>
+          <a:p>
+            <a:pPr marL="1728000" lvl="3" indent="-216000">
               <a:spcBef>
                 <a:spcPts val="564"/>
               </a:spcBef>
@@ -734,9 +3208,9 @@
               <a:buChar char=""/>
             </a:pPr>
             <a:r>
-              <a:rPr b="0" lang="en-US" sz="2000" strike="noStrike" u="none">
+              <a:rPr lang="en-US" sz="2000" b="0" u="none" strike="noStrike">
                 <a:solidFill>
-                  <a:srgbClr val="ee575b"/>
+                  <a:srgbClr val="EE575B"/>
                 </a:solidFill>
                 <a:effectLst/>
                 <a:uFillTx/>
@@ -744,17 +3218,9 @@
               </a:rPr>
               <a:t>Fourth Outline Level</a:t>
             </a:r>
-            <a:endParaRPr b="0" lang="en-US" sz="2000" strike="noStrike" u="none">
-              <a:solidFill>
-                <a:srgbClr val="ee575b"/>
-              </a:solidFill>
-              <a:effectLst/>
-              <a:uFillTx/>
-              <a:latin typeface="Arial"/>
-            </a:endParaRPr>
-          </a:p>
-          <a:p>
-            <a:pPr lvl="4" marL="2160000" indent="-216000">
+          </a:p>
+          <a:p>
+            <a:pPr marL="2160000" lvl="4" indent="-216000">
               <a:spcBef>
                 <a:spcPts val="281"/>
               </a:spcBef>
@@ -766,9 +3232,9 @@
               <a:buChar char=""/>
             </a:pPr>
             <a:r>
-              <a:rPr b="0" lang="en-US" sz="2000" strike="noStrike" u="none">
+              <a:rPr lang="en-US" sz="2000" b="0" u="none" strike="noStrike">
                 <a:solidFill>
-                  <a:srgbClr val="ee575b"/>
+                  <a:srgbClr val="EE575B"/>
                 </a:solidFill>
                 <a:effectLst/>
                 <a:uFillTx/>
@@ -776,17 +3242,9 @@
               </a:rPr>
               <a:t>Fifth Outline Level</a:t>
             </a:r>
-            <a:endParaRPr b="0" lang="en-US" sz="2000" strike="noStrike" u="none">
-              <a:solidFill>
-                <a:srgbClr val="ee575b"/>
-              </a:solidFill>
-              <a:effectLst/>
-              <a:uFillTx/>
-              <a:latin typeface="Arial"/>
-            </a:endParaRPr>
-          </a:p>
-          <a:p>
-            <a:pPr lvl="5" marL="2592000" indent="-216000">
+          </a:p>
+          <a:p>
+            <a:pPr marL="2592000" lvl="5" indent="-216000">
               <a:spcBef>
                 <a:spcPts val="281"/>
               </a:spcBef>
@@ -798,9 +3256,9 @@
               <a:buChar char=""/>
             </a:pPr>
             <a:r>
-              <a:rPr b="0" lang="en-US" sz="2000" strike="noStrike" u="none">
+              <a:rPr lang="en-US" sz="2000" b="0" u="none" strike="noStrike">
                 <a:solidFill>
-                  <a:srgbClr val="ee575b"/>
+                  <a:srgbClr val="EE575B"/>
                 </a:solidFill>
                 <a:effectLst/>
                 <a:uFillTx/>
@@ -808,17 +3266,9 @@
               </a:rPr>
               <a:t>Sixth Outline Level</a:t>
             </a:r>
-            <a:endParaRPr b="0" lang="en-US" sz="2000" strike="noStrike" u="none">
-              <a:solidFill>
-                <a:srgbClr val="ee575b"/>
-              </a:solidFill>
-              <a:effectLst/>
-              <a:uFillTx/>
-              <a:latin typeface="Arial"/>
-            </a:endParaRPr>
-          </a:p>
-          <a:p>
-            <a:pPr lvl="6" marL="3024000" indent="-216000">
+          </a:p>
+          <a:p>
+            <a:pPr marL="3024000" lvl="6" indent="-216000">
               <a:spcBef>
                 <a:spcPts val="281"/>
               </a:spcBef>
@@ -830,9 +3280,9 @@
               <a:buChar char=""/>
             </a:pPr>
             <a:r>
-              <a:rPr b="0" lang="en-US" sz="2000" strike="noStrike" u="none">
+              <a:rPr lang="en-US" sz="2000" b="0" u="none" strike="noStrike">
                 <a:solidFill>
-                  <a:srgbClr val="ee575b"/>
+                  <a:srgbClr val="EE575B"/>
                 </a:solidFill>
                 <a:effectLst/>
                 <a:uFillTx/>
@@ -840,14 +3290,6 @@
               </a:rPr>
               <a:t>Seventh Outline Level</a:t>
             </a:r>
-            <a:endParaRPr b="0" lang="en-US" sz="2000" strike="noStrike" u="none">
-              <a:solidFill>
-                <a:srgbClr val="ee575b"/>
-              </a:solidFill>
-              <a:effectLst/>
-              <a:uFillTx/>
-              <a:latin typeface="Arial"/>
-            </a:endParaRPr>
           </a:p>
         </p:txBody>
       </p:sp>
@@ -875,13 +3317,13 @@
           </a:ln>
         </p:spPr>
         <p:txBody>
-          <a:bodyPr lIns="0" rIns="0" tIns="0" bIns="0" anchor="t">
+          <a:bodyPr lIns="0" tIns="0" rIns="0" bIns="0" anchor="t">
             <a:noAutofit/>
           </a:bodyPr>
           <a:lstStyle>
             <a:lvl1pPr indent="0">
               <a:buNone/>
-              <a:defRPr b="0" lang="en-US" sz="1400" strike="noStrike" u="none">
+              <a:defRPr lang="en-US" sz="1400" b="0" u="none" strike="noStrike">
                 <a:solidFill>
                   <a:srgbClr val="000000"/>
                 </a:solidFill>
@@ -896,7 +3338,7 @@
               <a:buNone/>
             </a:pPr>
             <a:r>
-              <a:rPr b="0" lang="en-US" sz="1400" strike="noStrike" u="none">
+              <a:rPr lang="en-US" sz="1400" b="0" u="none" strike="noStrike" dirty="0">
                 <a:solidFill>
                   <a:srgbClr val="000000"/>
                 </a:solidFill>
@@ -906,14 +3348,6 @@
               </a:rPr>
               <a:t>&lt;date/time&gt;</a:t>
             </a:r>
-            <a:endParaRPr b="0" lang="en-US" sz="1400" strike="noStrike" u="none">
-              <a:solidFill>
-                <a:srgbClr val="000000"/>
-              </a:solidFill>
-              <a:effectLst/>
-              <a:uFillTx/>
-              <a:latin typeface="Times New Roman"/>
-            </a:endParaRPr>
           </a:p>
         </p:txBody>
       </p:sp>
@@ -941,13 +3375,13 @@
           </a:ln>
         </p:spPr>
         <p:txBody>
-          <a:bodyPr lIns="0" rIns="0" tIns="0" bIns="0" anchor="t">
+          <a:bodyPr lIns="0" tIns="0" rIns="0" bIns="0" anchor="t">
             <a:noAutofit/>
           </a:bodyPr>
           <a:lstStyle>
             <a:lvl1pPr indent="0" algn="ctr">
               <a:buNone/>
-              <a:defRPr b="0" lang="en-US" sz="1400" strike="noStrike" u="none">
+              <a:defRPr lang="en-US" sz="1400" b="0" u="none" strike="noStrike">
                 <a:solidFill>
                   <a:srgbClr val="000000"/>
                 </a:solidFill>
@@ -962,7 +3396,7 @@
               <a:buNone/>
             </a:pPr>
             <a:r>
-              <a:rPr b="0" lang="en-US" sz="1400" strike="noStrike" u="none">
+              <a:rPr lang="en-US" sz="1400" b="0" u="none" strike="noStrike" dirty="0">
                 <a:solidFill>
                   <a:srgbClr val="000000"/>
                 </a:solidFill>
@@ -972,14 +3406,6 @@
               </a:rPr>
               <a:t>&lt;footer&gt;</a:t>
             </a:r>
-            <a:endParaRPr b="0" lang="en-US" sz="1400" strike="noStrike" u="none">
-              <a:solidFill>
-                <a:srgbClr val="000000"/>
-              </a:solidFill>
-              <a:effectLst/>
-              <a:uFillTx/>
-              <a:latin typeface="Times New Roman"/>
-            </a:endParaRPr>
           </a:p>
         </p:txBody>
       </p:sp>
@@ -1007,13 +3433,13 @@
           </a:ln>
         </p:spPr>
         <p:txBody>
-          <a:bodyPr lIns="0" rIns="0" tIns="0" bIns="0" anchor="t">
+          <a:bodyPr lIns="0" tIns="0" rIns="0" bIns="0" anchor="t">
             <a:noAutofit/>
           </a:bodyPr>
           <a:lstStyle>
             <a:lvl1pPr indent="0" algn="r">
               <a:buNone/>
-              <a:defRPr b="0" lang="en-US" sz="1400" strike="noStrike" u="none">
+              <a:defRPr lang="en-US" sz="1400" b="0" u="none" strike="noStrike">
                 <a:solidFill>
                   <a:srgbClr val="000000"/>
                 </a:solidFill>
@@ -1028,7 +3454,7 @@
               <a:buNone/>
             </a:pPr>
             <a:fld id="{4ECF4B13-5073-4D21-9A48-C082D6968F4E}" type="slidenum">
-              <a:rPr b="0" lang="en-US" sz="1400" strike="noStrike" u="none">
+              <a:rPr lang="en-US" sz="1400" b="0" u="none" strike="noStrike">
                 <a:solidFill>
                   <a:srgbClr val="000000"/>
                 </a:solidFill>
@@ -1036,9 +3462,9 @@
                 <a:uFillTx/>
                 <a:latin typeface="Times New Roman"/>
               </a:rPr>
-              <a:t>&lt;number&gt;</a:t>
+              <a:t>‹#›</a:t>
             </a:fld>
-            <a:endParaRPr b="0" lang="en-US" sz="1400" strike="noStrike" u="none">
+            <a:endParaRPr lang="en-US" sz="1400" b="0" u="none" strike="noStrike" dirty="0">
               <a:solidFill>
                 <a:srgbClr val="000000"/>
               </a:solidFill>
@@ -1056,7 +3482,7 @@
           <p:nvPr/>
         </p:nvPicPr>
         <p:blipFill>
-          <a:blip r:embed="rId2"/>
+          <a:blip r:embed="rId3"/>
           <a:stretch/>
         </p:blipFill>
         <p:spPr>
@@ -1077,14 +3503,24 @@
   </p:cSld>
   <p:clrMap bg1="lt1" tx1="dk1" bg2="lt2" tx2="dk2" accent1="accent1" accent2="accent2" accent3="accent3" accent4="accent4" accent5="accent5" accent6="accent6" hlink="hlink" folHlink="folHlink"/>
   <p:sldLayoutIdLst>
-    <p:sldLayoutId id="2147483649" r:id="rId3"/>
+    <p:sldLayoutId id="2147483649" r:id="rId1"/>
   </p:sldLayoutIdLst>
+  <p:txStyles>
+    <p:titleStyle/>
+    <p:bodyStyle/>
+    <p:otherStyle/>
+  </p:txStyles>
 </p:sldMaster>
 </file>
 
 <file path=ppt/slideMasters/slideMaster2.xml><?xml version="1.0" encoding="utf-8"?>
-<p:sldMaster xmlns:a="http://schemas.openxmlformats.org/drawingml/2006/main" xmlns:p="http://schemas.openxmlformats.org/presentationml/2006/main" xmlns:r="http://schemas.openxmlformats.org/officeDocument/2006/relationships" xmlns:p14="http://schemas.microsoft.com/office/powerpoint/2010/main" xmlns:p15="http://schemas.microsoft.com/office/powerpoint/2012/main" xmlns:mc="http://schemas.openxmlformats.org/markup-compatibility/2006">
+<p:sldMaster xmlns:a="http://schemas.openxmlformats.org/drawingml/2006/main" xmlns:r="http://schemas.openxmlformats.org/officeDocument/2006/relationships" xmlns:p="http://schemas.openxmlformats.org/presentationml/2006/main">
   <p:cSld>
+    <p:bg>
+      <p:bgRef idx="1001">
+        <a:schemeClr val="bg1"/>
+      </p:bgRef>
+    </p:bg>
     <p:spTree>
       <p:nvGrpSpPr>
         <p:cNvPr id="1" name=""/>
@@ -1101,7 +3537,7 @@
       </p:grpSpPr>
       <p:sp>
         <p:nvSpPr>
-          <p:cNvPr id="14" name=""/>
+          <p:cNvPr id="14" name="Rectangle 13"/>
           <p:cNvSpPr/>
           <p:nvPr/>
         </p:nvSpPr>
@@ -1114,26 +3550,33 @@
             <a:avLst/>
           </a:prstGeom>
           <a:solidFill>
-            <a:srgbClr val="fcecf0"/>
+            <a:srgbClr val="FCECF0"/>
           </a:solidFill>
           <a:ln w="0">
             <a:solidFill>
-              <a:srgbClr val="3465a4"/>
+              <a:srgbClr val="3465A4"/>
             </a:solidFill>
           </a:ln>
         </p:spPr>
         <p:style>
-          <a:lnRef idx="0"/>
-          <a:fillRef idx="0"/>
-          <a:effectRef idx="0"/>
+          <a:lnRef idx="0">
+            <a:scrgbClr r="0" g="0" b="0"/>
+          </a:lnRef>
+          <a:fillRef idx="0">
+            <a:scrgbClr r="0" g="0" b="0"/>
+          </a:fillRef>
+          <a:effectRef idx="0">
+            <a:scrgbClr r="0" g="0" b="0"/>
+          </a:effectRef>
           <a:fontRef idx="minor"/>
         </p:style>
         <p:txBody>
-          <a:bodyPr wrap="none" lIns="0" rIns="0" tIns="0" bIns="0" anchor="ctr">
+          <a:bodyPr wrap="none" lIns="0" tIns="0" rIns="0" bIns="0" anchor="ctr">
             <a:noAutofit/>
           </a:bodyPr>
-          <a:p>
-            <a:endParaRPr b="0" lang="en-US" sz="2400" strike="noStrike" u="none">
+          <a:lstStyle/>
+          <a:p>
+            <a:endParaRPr lang="en-US" sz="2400" b="0" u="none" strike="noStrike" dirty="0">
               <a:solidFill>
                 <a:srgbClr val="000000"/>
               </a:solidFill>
@@ -1146,7 +3589,7 @@
       </p:sp>
       <p:sp>
         <p:nvSpPr>
-          <p:cNvPr id="15" name=""/>
+          <p:cNvPr id="15" name="Oval 14"/>
           <p:cNvSpPr/>
           <p:nvPr/>
         </p:nvSpPr>
@@ -1159,24 +3602,31 @@
             <a:avLst/>
           </a:prstGeom>
           <a:solidFill>
-            <a:srgbClr val="fdf4f6"/>
+            <a:srgbClr val="FDF4F6"/>
           </a:solidFill>
           <a:ln w="0">
             <a:noFill/>
           </a:ln>
         </p:spPr>
         <p:style>
-          <a:lnRef idx="0"/>
-          <a:fillRef idx="0"/>
-          <a:effectRef idx="0"/>
+          <a:lnRef idx="0">
+            <a:scrgbClr r="0" g="0" b="0"/>
+          </a:lnRef>
+          <a:fillRef idx="0">
+            <a:scrgbClr r="0" g="0" b="0"/>
+          </a:fillRef>
+          <a:effectRef idx="0">
+            <a:scrgbClr r="0" g="0" b="0"/>
+          </a:effectRef>
           <a:fontRef idx="minor"/>
         </p:style>
         <p:txBody>
-          <a:bodyPr wrap="none" lIns="0" rIns="0" tIns="0" bIns="0" anchor="ctr">
+          <a:bodyPr wrap="none" lIns="0" tIns="0" rIns="0" bIns="0" anchor="ctr">
             <a:noAutofit/>
           </a:bodyPr>
-          <a:p>
-            <a:endParaRPr b="0" lang="en-US" sz="2400" strike="noStrike" u="none">
+          <a:lstStyle/>
+          <a:p>
+            <a:endParaRPr lang="en-US" sz="2400" b="0" u="none" strike="noStrike" dirty="0">
               <a:solidFill>
                 <a:srgbClr val="000000"/>
               </a:solidFill>
@@ -1211,17 +3661,18 @@
           </a:ln>
         </p:spPr>
         <p:txBody>
-          <a:bodyPr lIns="0" rIns="0" tIns="0" bIns="0" anchor="ctr" anchorCtr="1">
+          <a:bodyPr lIns="0" tIns="0" rIns="0" bIns="0" anchor="ctr" anchorCtr="1">
             <a:noAutofit/>
           </a:bodyPr>
+          <a:lstStyle/>
           <a:p>
             <a:pPr indent="0" algn="ctr">
               <a:buNone/>
             </a:pPr>
             <a:r>
-              <a:rPr b="1" lang="en-US" sz="6000" strike="noStrike" u="none">
+              <a:rPr lang="en-US" sz="6000" b="1" u="none" strike="noStrike">
                 <a:solidFill>
-                  <a:srgbClr val="ee575b"/>
+                  <a:srgbClr val="EE575B"/>
                 </a:solidFill>
                 <a:effectLst/>
                 <a:uFillTx/>
@@ -1229,20 +3680,12 @@
               </a:rPr>
               <a:t>Click to edit the title text format</a:t>
             </a:r>
-            <a:endParaRPr b="1" lang="en-US" sz="6000" strike="noStrike" u="none">
-              <a:solidFill>
-                <a:srgbClr val="ee575b"/>
-              </a:solidFill>
-              <a:effectLst/>
-              <a:uFillTx/>
-              <a:latin typeface="Source Sans Pro"/>
-            </a:endParaRPr>
-          </a:p>
-        </p:txBody>
-      </p:sp>
-      <p:sp>
-        <p:nvSpPr>
-          <p:cNvPr id="17" name=""/>
+          </a:p>
+        </p:txBody>
+      </p:sp>
+      <p:sp>
+        <p:nvSpPr>
+          <p:cNvPr id="17" name="Oval 16"/>
           <p:cNvSpPr/>
           <p:nvPr/>
         </p:nvSpPr>
@@ -1255,24 +3698,31 @@
             <a:avLst/>
           </a:prstGeom>
           <a:solidFill>
-            <a:srgbClr val="fdf4f6"/>
+            <a:srgbClr val="FDF4F6"/>
           </a:solidFill>
           <a:ln w="0">
             <a:noFill/>
           </a:ln>
         </p:spPr>
         <p:style>
-          <a:lnRef idx="0"/>
-          <a:fillRef idx="0"/>
-          <a:effectRef idx="0"/>
+          <a:lnRef idx="0">
+            <a:scrgbClr r="0" g="0" b="0"/>
+          </a:lnRef>
+          <a:fillRef idx="0">
+            <a:scrgbClr r="0" g="0" b="0"/>
+          </a:fillRef>
+          <a:effectRef idx="0">
+            <a:scrgbClr r="0" g="0" b="0"/>
+          </a:effectRef>
           <a:fontRef idx="minor"/>
         </p:style>
         <p:txBody>
-          <a:bodyPr wrap="none" lIns="0" rIns="0" tIns="0" bIns="0" anchor="ctr">
+          <a:bodyPr wrap="none" lIns="0" tIns="0" rIns="0" bIns="0" anchor="ctr">
             <a:noAutofit/>
           </a:bodyPr>
-          <a:p>
-            <a:endParaRPr b="0" lang="en-US" sz="2400" strike="noStrike" u="none">
+          <a:lstStyle/>
+          <a:p>
+            <a:endParaRPr lang="en-US" sz="2400" b="0" u="none" strike="noStrike" dirty="0">
               <a:solidFill>
                 <a:srgbClr val="000000"/>
               </a:solidFill>
@@ -1307,9 +3757,10 @@
           </a:ln>
         </p:spPr>
         <p:txBody>
-          <a:bodyPr lIns="0" rIns="0" tIns="0" bIns="0" anchor="t">
+          <a:bodyPr lIns="0" tIns="0" rIns="0" bIns="0" anchor="t">
             <a:normAutofit fontScale="62500" lnSpcReduction="19999"/>
           </a:bodyPr>
+          <a:lstStyle/>
           <a:p>
             <a:pPr marL="432000" indent="-324000">
               <a:spcBef>
@@ -1323,7 +3774,7 @@
               <a:buChar char=""/>
             </a:pPr>
             <a:r>
-              <a:rPr b="0" lang="en-US" sz="3200" strike="noStrike" u="none">
+              <a:rPr lang="en-US" sz="3200" b="0" u="none" strike="noStrike">
                 <a:solidFill>
                   <a:srgbClr val="000000"/>
                 </a:solidFill>
@@ -1333,17 +3784,9 @@
               </a:rPr>
               <a:t>Click to edit the outline text format</a:t>
             </a:r>
-            <a:endParaRPr b="0" lang="en-US" sz="3200" strike="noStrike" u="none">
-              <a:solidFill>
-                <a:srgbClr val="000000"/>
-              </a:solidFill>
-              <a:effectLst/>
-              <a:uFillTx/>
-              <a:latin typeface="Source Sans Pro"/>
-            </a:endParaRPr>
-          </a:p>
-          <a:p>
-            <a:pPr lvl="1" marL="864000" indent="-324000">
+          </a:p>
+          <a:p>
+            <a:pPr marL="864000" lvl="1" indent="-324000">
               <a:spcBef>
                 <a:spcPts val="1134"/>
               </a:spcBef>
@@ -1355,7 +3798,7 @@
               <a:buChar char=""/>
             </a:pPr>
             <a:r>
-              <a:rPr b="0" lang="en-US" sz="2800" strike="noStrike" u="none">
+              <a:rPr lang="en-US" sz="2800" b="0" u="none" strike="noStrike">
                 <a:solidFill>
                   <a:srgbClr val="000000"/>
                 </a:solidFill>
@@ -1365,17 +3808,9 @@
               </a:rPr>
               <a:t>Second Outline Level</a:t>
             </a:r>
-            <a:endParaRPr b="0" lang="en-US" sz="2800" strike="noStrike" u="none">
-              <a:solidFill>
-                <a:srgbClr val="000000"/>
-              </a:solidFill>
-              <a:effectLst/>
-              <a:uFillTx/>
-              <a:latin typeface="Source Sans Pro"/>
-            </a:endParaRPr>
-          </a:p>
-          <a:p>
-            <a:pPr lvl="2" marL="1296000" indent="-288000">
+          </a:p>
+          <a:p>
+            <a:pPr marL="1296000" lvl="2" indent="-288000">
               <a:spcBef>
                 <a:spcPts val="850"/>
               </a:spcBef>
@@ -1387,7 +3822,7 @@
               <a:buChar char=""/>
             </a:pPr>
             <a:r>
-              <a:rPr b="0" lang="en-US" sz="2400" strike="noStrike" u="none">
+              <a:rPr lang="en-US" sz="2400" b="0" u="none" strike="noStrike">
                 <a:solidFill>
                   <a:srgbClr val="000000"/>
                 </a:solidFill>
@@ -1397,17 +3832,9 @@
               </a:rPr>
               <a:t>Third Outline Level</a:t>
             </a:r>
-            <a:endParaRPr b="0" lang="en-US" sz="2400" strike="noStrike" u="none">
-              <a:solidFill>
-                <a:srgbClr val="000000"/>
-              </a:solidFill>
-              <a:effectLst/>
-              <a:uFillTx/>
-              <a:latin typeface="Source Sans Pro"/>
-            </a:endParaRPr>
-          </a:p>
-          <a:p>
-            <a:pPr lvl="3" marL="1728000" indent="-216000">
+          </a:p>
+          <a:p>
+            <a:pPr marL="1728000" lvl="3" indent="-216000">
               <a:spcBef>
                 <a:spcPts val="567"/>
               </a:spcBef>
@@ -1419,7 +3846,7 @@
               <a:buChar char=""/>
             </a:pPr>
             <a:r>
-              <a:rPr b="0" lang="en-US" sz="2000" strike="noStrike" u="none">
+              <a:rPr lang="en-US" sz="2000" b="0" u="none" strike="noStrike">
                 <a:solidFill>
                   <a:srgbClr val="000000"/>
                 </a:solidFill>
@@ -1429,17 +3856,9 @@
               </a:rPr>
               <a:t>Fourth Outline Level</a:t>
             </a:r>
-            <a:endParaRPr b="0" lang="en-US" sz="2000" strike="noStrike" u="none">
-              <a:solidFill>
-                <a:srgbClr val="000000"/>
-              </a:solidFill>
-              <a:effectLst/>
-              <a:uFillTx/>
-              <a:latin typeface="Source Sans Pro"/>
-            </a:endParaRPr>
-          </a:p>
-          <a:p>
-            <a:pPr lvl="4" marL="2160000" indent="-216000">
+          </a:p>
+          <a:p>
+            <a:pPr marL="2160000" lvl="4" indent="-216000">
               <a:spcBef>
                 <a:spcPts val="283"/>
               </a:spcBef>
@@ -1451,7 +3870,7 @@
               <a:buChar char=""/>
             </a:pPr>
             <a:r>
-              <a:rPr b="0" lang="en-US" sz="2000" strike="noStrike" u="none">
+              <a:rPr lang="en-US" sz="2000" b="0" u="none" strike="noStrike">
                 <a:solidFill>
                   <a:srgbClr val="000000"/>
                 </a:solidFill>
@@ -1461,17 +3880,9 @@
               </a:rPr>
               <a:t>Fifth Outline Level</a:t>
             </a:r>
-            <a:endParaRPr b="0" lang="en-US" sz="2000" strike="noStrike" u="none">
-              <a:solidFill>
-                <a:srgbClr val="000000"/>
-              </a:solidFill>
-              <a:effectLst/>
-              <a:uFillTx/>
-              <a:latin typeface="Source Sans Pro"/>
-            </a:endParaRPr>
-          </a:p>
-          <a:p>
-            <a:pPr lvl="5" marL="2592000" indent="-216000">
+          </a:p>
+          <a:p>
+            <a:pPr marL="2592000" lvl="5" indent="-216000">
               <a:spcBef>
                 <a:spcPts val="283"/>
               </a:spcBef>
@@ -1483,7 +3894,7 @@
               <a:buChar char=""/>
             </a:pPr>
             <a:r>
-              <a:rPr b="0" lang="en-US" sz="2000" strike="noStrike" u="none">
+              <a:rPr lang="en-US" sz="2000" b="0" u="none" strike="noStrike">
                 <a:solidFill>
                   <a:srgbClr val="000000"/>
                 </a:solidFill>
@@ -1493,17 +3904,9 @@
               </a:rPr>
               <a:t>Sixth Outline Level</a:t>
             </a:r>
-            <a:endParaRPr b="0" lang="en-US" sz="2000" strike="noStrike" u="none">
-              <a:solidFill>
-                <a:srgbClr val="000000"/>
-              </a:solidFill>
-              <a:effectLst/>
-              <a:uFillTx/>
-              <a:latin typeface="Source Sans Pro"/>
-            </a:endParaRPr>
-          </a:p>
-          <a:p>
-            <a:pPr lvl="6" marL="3024000" indent="-216000">
+          </a:p>
+          <a:p>
+            <a:pPr marL="3024000" lvl="6" indent="-216000">
               <a:spcBef>
                 <a:spcPts val="283"/>
               </a:spcBef>
@@ -1515,7 +3918,7 @@
               <a:buChar char=""/>
             </a:pPr>
             <a:r>
-              <a:rPr b="0" lang="en-US" sz="2000" strike="noStrike" u="none">
+              <a:rPr lang="en-US" sz="2000" b="0" u="none" strike="noStrike">
                 <a:solidFill>
                   <a:srgbClr val="000000"/>
                 </a:solidFill>
@@ -1525,14 +3928,6 @@
               </a:rPr>
               <a:t>Seventh Outline Level</a:t>
             </a:r>
-            <a:endParaRPr b="0" lang="en-US" sz="2000" strike="noStrike" u="none">
-              <a:solidFill>
-                <a:srgbClr val="000000"/>
-              </a:solidFill>
-              <a:effectLst/>
-              <a:uFillTx/>
-              <a:latin typeface="Source Sans Pro"/>
-            </a:endParaRPr>
           </a:p>
         </p:txBody>
       </p:sp>
@@ -1560,13 +3955,13 @@
           </a:ln>
         </p:spPr>
         <p:txBody>
-          <a:bodyPr lIns="0" rIns="0" tIns="0" bIns="0" anchor="t">
+          <a:bodyPr lIns="0" tIns="0" rIns="0" bIns="0" anchor="t">
             <a:noAutofit/>
           </a:bodyPr>
           <a:lstStyle>
             <a:lvl1pPr indent="0">
               <a:buNone/>
-              <a:defRPr b="0" lang="en-US" sz="1400" strike="noStrike" u="none">
+              <a:defRPr lang="en-US" sz="1400" b="0" u="none" strike="noStrike">
                 <a:solidFill>
                   <a:srgbClr val="000000"/>
                 </a:solidFill>
@@ -1581,7 +3976,7 @@
               <a:buNone/>
             </a:pPr>
             <a:r>
-              <a:rPr b="0" lang="en-US" sz="1400" strike="noStrike" u="none">
+              <a:rPr lang="en-US" sz="1400" b="0" u="none" strike="noStrike" dirty="0">
                 <a:solidFill>
                   <a:srgbClr val="000000"/>
                 </a:solidFill>
@@ -1591,14 +3986,6 @@
               </a:rPr>
               <a:t>&lt;date/time&gt;</a:t>
             </a:r>
-            <a:endParaRPr b="0" lang="en-US" sz="1400" strike="noStrike" u="none">
-              <a:solidFill>
-                <a:srgbClr val="000000"/>
-              </a:solidFill>
-              <a:effectLst/>
-              <a:uFillTx/>
-              <a:latin typeface="Times New Roman"/>
-            </a:endParaRPr>
           </a:p>
         </p:txBody>
       </p:sp>
@@ -1626,13 +4013,13 @@
           </a:ln>
         </p:spPr>
         <p:txBody>
-          <a:bodyPr lIns="0" rIns="0" tIns="0" bIns="0" anchor="t">
+          <a:bodyPr lIns="0" tIns="0" rIns="0" bIns="0" anchor="t">
             <a:noAutofit/>
           </a:bodyPr>
           <a:lstStyle>
             <a:lvl1pPr indent="0" algn="ctr">
               <a:buNone/>
-              <a:defRPr b="0" lang="en-US" sz="1400" strike="noStrike" u="none">
+              <a:defRPr lang="en-US" sz="1400" b="0" u="none" strike="noStrike">
                 <a:solidFill>
                   <a:srgbClr val="000000"/>
                 </a:solidFill>
@@ -1647,7 +4034,7 @@
               <a:buNone/>
             </a:pPr>
             <a:r>
-              <a:rPr b="0" lang="en-US" sz="1400" strike="noStrike" u="none">
+              <a:rPr lang="en-US" sz="1400" b="0" u="none" strike="noStrike" dirty="0">
                 <a:solidFill>
                   <a:srgbClr val="000000"/>
                 </a:solidFill>
@@ -1657,7 +4044,7 @@
               </a:rPr>
               <a:t>&lt;footer&gt;</a:t>
             </a:r>
-            <a:endParaRPr b="0" lang="en-US" sz="1400" strike="noStrike" u="none">
+            <a:endParaRPr lang="en-US" sz="1400" b="0" u="none" strike="noStrike" dirty="0">
               <a:solidFill>
                 <a:srgbClr val="000000"/>
               </a:solidFill>
@@ -1692,13 +4079,13 @@
           </a:ln>
         </p:spPr>
         <p:txBody>
-          <a:bodyPr lIns="0" rIns="0" tIns="0" bIns="0" anchor="t">
+          <a:bodyPr lIns="0" tIns="0" rIns="0" bIns="0" anchor="t">
             <a:noAutofit/>
           </a:bodyPr>
           <a:lstStyle>
             <a:lvl1pPr indent="0" algn="r">
               <a:buNone/>
-              <a:defRPr b="0" lang="en-US" sz="1400" strike="noStrike" u="none">
+              <a:defRPr lang="en-US" sz="1400" b="0" u="none" strike="noStrike">
                 <a:solidFill>
                   <a:srgbClr val="000000"/>
                 </a:solidFill>
@@ -1713,7 +4100,7 @@
               <a:buNone/>
             </a:pPr>
             <a:fld id="{AA1CA81A-B25D-42F6-8CBC-233A7E5500AE}" type="slidenum">
-              <a:rPr b="0" lang="en-US" sz="1400" strike="noStrike" u="none">
+              <a:rPr lang="en-US" sz="1400" b="0" u="none" strike="noStrike">
                 <a:solidFill>
                   <a:srgbClr val="000000"/>
                 </a:solidFill>
@@ -1721,9 +4108,9 @@
                 <a:uFillTx/>
                 <a:latin typeface="Times New Roman"/>
               </a:rPr>
-              <a:t>&lt;number&gt;</a:t>
+              <a:t>‹#›</a:t>
             </a:fld>
-            <a:endParaRPr b="0" lang="en-US" sz="1400" strike="noStrike" u="none">
+            <a:endParaRPr lang="en-US" sz="1400" b="0" u="none" strike="noStrike" dirty="0">
               <a:solidFill>
                 <a:srgbClr val="000000"/>
               </a:solidFill>
@@ -1736,7 +4123,7 @@
       </p:sp>
       <p:sp>
         <p:nvSpPr>
-          <p:cNvPr id="22" name=""/>
+          <p:cNvPr id="22" name="Rectangle 21"/>
           <p:cNvSpPr/>
           <p:nvPr/>
         </p:nvSpPr>
@@ -1749,28 +4136,35 @@
             <a:avLst/>
           </a:prstGeom>
           <a:solidFill>
-            <a:srgbClr val="ee575b"/>
+            <a:srgbClr val="EE575B"/>
           </a:solidFill>
           <a:ln w="0">
             <a:solidFill>
-              <a:srgbClr val="3465a4"/>
+              <a:srgbClr val="3465A4"/>
             </a:solidFill>
           </a:ln>
         </p:spPr>
         <p:style>
-          <a:lnRef idx="0"/>
-          <a:fillRef idx="0"/>
-          <a:effectRef idx="0"/>
+          <a:lnRef idx="0">
+            <a:scrgbClr r="0" g="0" b="0"/>
+          </a:lnRef>
+          <a:fillRef idx="0">
+            <a:scrgbClr r="0" g="0" b="0"/>
+          </a:fillRef>
+          <a:effectRef idx="0">
+            <a:scrgbClr r="0" g="0" b="0"/>
+          </a:effectRef>
           <a:fontRef idx="minor"/>
         </p:style>
         <p:txBody>
-          <a:bodyPr wrap="none" lIns="0" rIns="0" tIns="0" bIns="0" anchor="ctr">
+          <a:bodyPr wrap="none" lIns="0" tIns="0" rIns="0" bIns="0" anchor="ctr">
             <a:noAutofit/>
           </a:bodyPr>
-          <a:p>
-            <a:endParaRPr b="0" lang="en-US" sz="2400" strike="noStrike" u="none">
+          <a:lstStyle/>
+          <a:p>
+            <a:endParaRPr lang="en-US" sz="2400" b="0" u="none" strike="noStrike" dirty="0">
               <a:solidFill>
-                <a:srgbClr val="ffffff"/>
+                <a:srgbClr val="FFFFFF"/>
               </a:solidFill>
               <a:effectLst/>
               <a:uFillTx/>
@@ -1786,7 +4180,7 @@
           <p:nvPr/>
         </p:nvPicPr>
         <p:blipFill>
-          <a:blip r:embed="rId2"/>
+          <a:blip r:embed="rId3"/>
           <a:stretch/>
         </p:blipFill>
         <p:spPr>
@@ -1805,15 +4199,15 @@
       </p:pic>
       <p:pic>
         <p:nvPicPr>
-          <p:cNvPr id="24" name="GSoC Logo" descr=""/>
+          <p:cNvPr id="24" name="GSoC Logo"/>
           <p:cNvPicPr/>
           <p:nvPr/>
         </p:nvPicPr>
         <p:blipFill>
-          <a:blip r:embed="rId3">
+          <a:blip r:embed="rId4">
             <a:extLst>
               <a:ext uri="{96DAC541-7B7A-43D3-8B79-37D633B846F1}">
-                <asvg:svgBlip xmlns:asvg="http://schemas.microsoft.com/office/drawing/2016/SVG/main" r:embed="rId4"/>
+                <asvg:svgBlip xmlns="" xmlns:p14="http://schemas.microsoft.com/office/powerpoint/2010/main" xmlns:p15="http://schemas.microsoft.com/office/powerpoint/2012/main" xmlns:mc="http://schemas.openxmlformats.org/markup-compatibility/2006" xmlns:asvg="http://schemas.microsoft.com/office/drawing/2016/SVG/main" r:embed="rId5"/>
               </a:ext>
             </a:extLst>
           </a:blip>
@@ -1837,27 +4231,33 @@
   </p:cSld>
   <p:clrMap bg1="lt1" tx1="dk1" bg2="lt2" tx2="dk2" accent1="accent1" accent2="accent2" accent3="accent3" accent4="accent4" accent5="accent5" accent6="accent6" hlink="hlink" folHlink="folHlink"/>
   <p:sldLayoutIdLst>
-    <p:sldLayoutId id="2147483651" r:id="rId5"/>
+    <p:sldLayoutId id="2147483651" r:id="rId1"/>
   </p:sldLayoutIdLst>
+  <p:txStyles>
+    <p:titleStyle/>
+    <p:bodyStyle/>
+    <p:otherStyle/>
+  </p:txStyles>
 </p:sldMaster>
 </file>
 
 <file path=ppt/slides/slide1.xml><?xml version="1.0" encoding="utf-8"?>
-<p:sld xmlns:a="http://schemas.openxmlformats.org/drawingml/2006/main" xmlns:p="http://schemas.openxmlformats.org/presentationml/2006/main" xmlns:r="http://schemas.openxmlformats.org/officeDocument/2006/relationships" xmlns:p14="http://schemas.microsoft.com/office/powerpoint/2010/main" xmlns:p15="http://schemas.microsoft.com/office/powerpoint/2012/main" xmlns:mc="http://schemas.openxmlformats.org/markup-compatibility/2006">
+<p:sld xmlns:a="http://schemas.openxmlformats.org/drawingml/2006/main" xmlns:r="http://schemas.openxmlformats.org/officeDocument/2006/relationships" xmlns:p="http://schemas.openxmlformats.org/presentationml/2006/main">
   <p:cSld>
     <p:bg>
       <p:bgPr>
         <a:gradFill rotWithShape="0">
           <a:gsLst>
             <a:gs pos="95000">
-              <a:srgbClr val="e3d9dc"/>
+              <a:srgbClr val="E3D9DC"/>
             </a:gs>
             <a:gs pos="100000">
-              <a:srgbClr val="f5455c"/>
+              <a:srgbClr val="F5455C"/>
             </a:gs>
           </a:gsLst>
           <a:lin ang="5400000"/>
         </a:gradFill>
+        <a:effectLst/>
       </p:bgPr>
     </p:bg>
     <p:spTree>
@@ -1876,7 +4276,7 @@
       </p:grpSpPr>
       <p:sp>
         <p:nvSpPr>
-          <p:cNvPr id="27" name=""/>
+          <p:cNvPr id="27" name="TextBox 26"/>
           <p:cNvSpPr txBox="1"/>
           <p:nvPr/>
         </p:nvSpPr>
@@ -1894,9 +4294,10 @@
           </a:ln>
         </p:spPr>
         <p:txBody>
-          <a:bodyPr lIns="90000" rIns="90000" tIns="45000" bIns="45000" anchor="t" anchorCtr="1">
+          <a:bodyPr lIns="90000" tIns="45000" rIns="90000" bIns="45000" anchor="t" anchorCtr="1">
             <a:spAutoFit/>
           </a:bodyPr>
+          <a:lstStyle/>
           <a:p>
             <a:pPr algn="ctr">
               <a:spcBef>
@@ -1907,7 +4308,7 @@
               </a:spcAft>
             </a:pPr>
             <a:r>
-              <a:rPr b="0" lang="en-US" sz="1600" strike="noStrike" u="none">
+              <a:rPr lang="en-US" sz="1600" b="0" u="none" strike="noStrike" dirty="0">
                 <a:solidFill>
                   <a:srgbClr val="555555"/>
                 </a:solidFill>
@@ -1917,7 +4318,7 @@
               </a:rPr>
               <a:t>Google Summer of Code Project Demo</a:t>
             </a:r>
-            <a:endParaRPr b="0" lang="en-US" sz="1600" strike="noStrike" u="none">
+            <a:endParaRPr lang="en-US" sz="1600" b="0" u="none" strike="noStrike" dirty="0">
               <a:solidFill>
                 <a:srgbClr val="000000"/>
               </a:solidFill>
@@ -1930,7 +4331,7 @@
       </p:sp>
       <p:sp>
         <p:nvSpPr>
-          <p:cNvPr id="28" name=""/>
+          <p:cNvPr id="28" name="TextBox 27"/>
           <p:cNvSpPr txBox="1"/>
           <p:nvPr/>
         </p:nvSpPr>
@@ -1948,9 +4349,10 @@
           </a:ln>
         </p:spPr>
         <p:txBody>
-          <a:bodyPr wrap="none" lIns="90000" rIns="90000" tIns="45000" bIns="45000" anchor="t" anchorCtr="1">
+          <a:bodyPr wrap="none" lIns="90000" tIns="45000" rIns="90000" bIns="45000" anchor="t" anchorCtr="1">
             <a:spAutoFit/>
           </a:bodyPr>
+          <a:lstStyle/>
           <a:p>
             <a:pPr algn="ctr">
               <a:lnSpc>
@@ -1964,9 +4366,9 @@
               </a:spcAft>
             </a:pPr>
             <a:r>
-              <a:rPr b="1" lang="en-US" sz="3000" strike="noStrike" u="none">
+              <a:rPr lang="en-US" sz="3000" b="1" u="none" strike="noStrike" dirty="0">
                 <a:solidFill>
-                  <a:srgbClr val="ee575b"/>
+                  <a:srgbClr val="EE575B"/>
                 </a:solidFill>
                 <a:effectLst/>
                 <a:uFillTx/>
@@ -1975,7 +4377,7 @@
               </a:rPr>
               <a:t>Convert Rocket.Chat Endpoints to New</a:t>
             </a:r>
-            <a:endParaRPr b="0" lang="en-US" sz="3000" strike="noStrike" u="none">
+            <a:endParaRPr lang="en-US" sz="3000" b="0" u="none" strike="noStrike" dirty="0">
               <a:solidFill>
                 <a:srgbClr val="000000"/>
               </a:solidFill>
@@ -1997,9 +4399,9 @@
               </a:spcAft>
             </a:pPr>
             <a:r>
-              <a:rPr b="1" lang="en-US" sz="3000" strike="noStrike" u="none">
+              <a:rPr lang="en-US" sz="3000" b="1" u="none" strike="noStrike" dirty="0">
                 <a:solidFill>
-                  <a:srgbClr val="ee575b"/>
+                  <a:srgbClr val="EE575B"/>
                 </a:solidFill>
                 <a:effectLst/>
                 <a:uFillTx/>
@@ -2008,7 +4410,7 @@
               </a:rPr>
               <a:t>Pattern</a:t>
             </a:r>
-            <a:endParaRPr b="0" lang="en-US" sz="3000" strike="noStrike" u="none">
+            <a:endParaRPr lang="en-US" sz="3000" b="0" u="none" strike="noStrike" dirty="0">
               <a:solidFill>
                 <a:srgbClr val="000000"/>
               </a:solidFill>
@@ -2032,8 +4434,10 @@
         <p:spPr/>
         <p:txBody>
           <a:bodyPr/>
-          <a:p>
-            <a:r>
+          <a:lstStyle/>
+          <a:p>
+            <a:r>
+              <a:rPr dirty="0"/>
               <a:t>Presented by Ahmed Nasser</a:t>
             </a:r>
           </a:p>
@@ -2041,19 +4445,29 @@
       </p:sp>
     </p:spTree>
   </p:cSld>
-  <mc:AlternateContent>
+  <p:clrMapOvr>
+    <a:masterClrMapping/>
+  </p:clrMapOvr>
+  <mc:AlternateContent xmlns:mc="http://schemas.openxmlformats.org/markup-compatibility/2006" xmlns:p14="http://schemas.microsoft.com/office/powerpoint/2010/main">
     <mc:Choice Requires="p14">
       <p:transition spd="slow" p14:dur="2000"/>
     </mc:Choice>
-    <mc:Fallback>
+    <mc:Fallback xmlns="" xmlns:p15="http://schemas.microsoft.com/office/powerpoint/2012/main">
       <p:transition spd="slow"/>
     </mc:Fallback>
   </mc:AlternateContent>
+  <p:timing>
+    <p:tnLst>
+      <p:par>
+        <p:cTn id="1" dur="indefinite" restart="never" nodeType="tmRoot"/>
+      </p:par>
+    </p:tnLst>
+  </p:timing>
 </p:sld>
 </file>
 
-<file path=ppt/slides/slide2.xml><?xml version="1.0" encoding="utf-8"?>
-<p:sld xmlns:a="http://schemas.openxmlformats.org/drawingml/2006/main" xmlns:p="http://schemas.openxmlformats.org/presentationml/2006/main" xmlns:r="http://schemas.openxmlformats.org/officeDocument/2006/relationships" xmlns:p14="http://schemas.microsoft.com/office/powerpoint/2010/main" xmlns:p15="http://schemas.microsoft.com/office/powerpoint/2012/main" xmlns:mc="http://schemas.openxmlformats.org/markup-compatibility/2006">
+<file path=ppt/slides/slide10.xml><?xml version="1.0" encoding="utf-8"?>
+<p:sld xmlns:a="http://schemas.openxmlformats.org/drawingml/2006/main" xmlns:r="http://schemas.openxmlformats.org/officeDocument/2006/relationships" xmlns:p="http://schemas.openxmlformats.org/presentationml/2006/main">
   <p:cSld>
     <p:spTree>
       <p:nvGrpSpPr>
@@ -2071,7 +4485,7 @@
       </p:grpSpPr>
       <p:sp>
         <p:nvSpPr>
-          <p:cNvPr id="29" name="PlaceHolder 1"/>
+          <p:cNvPr id="2" name="Title 1"/>
           <p:cNvSpPr>
             <a:spLocks noGrp="1"/>
           </p:cNvSpPr>
@@ -2081,50 +4495,35 @@
         </p:nvSpPr>
         <p:spPr>
           <a:xfrm>
-            <a:off x="457200" y="91440"/>
-            <a:ext cx="7736400" cy="946440"/>
+            <a:off x="457200" y="256883"/>
+            <a:ext cx="7736400" cy="615553"/>
           </a:xfrm>
-          <a:prstGeom prst="rect">
-            <a:avLst/>
-          </a:prstGeom>
-          <a:noFill/>
-          <a:ln w="0">
-            <a:noFill/>
-          </a:ln>
         </p:spPr>
         <p:txBody>
-          <a:bodyPr lIns="0" rIns="0" tIns="0" bIns="0" anchor="ctr">
-            <a:spAutoFit/>
-          </a:bodyPr>
-          <a:p>
-            <a:pPr indent="0">
-              <a:buNone/>
-            </a:pPr>
-            <a:r>
-              <a:rPr b="1" lang="en-US" sz="4000" strike="noStrike" u="none">
+          <a:bodyPr/>
+          <a:lstStyle/>
+          <a:p>
+            <a:r>
+              <a:rPr lang="en-US" sz="4000" b="1" dirty="0" smtClean="0">
                 <a:solidFill>
-                  <a:srgbClr val="ee575b"/>
+                  <a:srgbClr val="F5455C"/>
                 </a:solidFill>
-                <a:effectLst/>
-                <a:uFillTx/>
-                <a:latin typeface="Source Sans Pro"/>
+                <a:latin typeface="Source Sans Pro" pitchFamily="34" charset="0"/>
               </a:rPr>
-              <a:t>Project Overview</a:t>
-            </a:r>
-            <a:endParaRPr b="1" lang="en-US" sz="4000" strike="noStrike" u="none">
+              <a:t>Type Safety Benefits</a:t>
+            </a:r>
+            <a:endParaRPr lang="en-US" sz="4000" b="1" dirty="0">
               <a:solidFill>
-                <a:srgbClr val="ee575b"/>
+                <a:srgbClr val="F5455C"/>
               </a:solidFill>
-              <a:effectLst/>
-              <a:uFillTx/>
-              <a:latin typeface="Source Sans Pro"/>
+              <a:latin typeface="Source Sans Pro" pitchFamily="34" charset="0"/>
             </a:endParaRPr>
           </a:p>
         </p:txBody>
       </p:sp>
       <p:sp>
         <p:nvSpPr>
-          <p:cNvPr id="30" name="PlaceHolder 2"/>
+          <p:cNvPr id="3" name="Content Placeholder 2"/>
           <p:cNvSpPr>
             <a:spLocks noGrp="1"/>
           </p:cNvSpPr>
@@ -2132,266 +4531,30 @@
             <p:ph/>
           </p:nvPr>
         </p:nvSpPr>
-        <p:spPr>
-          <a:xfrm>
-            <a:off x="457200" y="1832040"/>
-            <a:ext cx="9068760" cy="2782080"/>
-          </a:xfrm>
-          <a:prstGeom prst="rect">
-            <a:avLst/>
-          </a:prstGeom>
-          <a:noFill/>
-          <a:ln w="0">
-            <a:noFill/>
-          </a:ln>
-        </p:spPr>
-        <p:txBody>
-          <a:bodyPr lIns="0" rIns="0" tIns="0" bIns="0" anchor="t">
-            <a:normAutofit/>
-          </a:bodyPr>
-          <a:p>
-            <a:pPr marL="432000" indent="0">
-              <a:lnSpc>
-                <a:spcPct val="100000"/>
-              </a:lnSpc>
-              <a:spcBef>
-                <a:spcPts val="3118"/>
-              </a:spcBef>
-              <a:spcAft>
-                <a:spcPts val="3118"/>
-              </a:spcAft>
-            </a:pPr>
-            <a:r>
-              <a:rPr b="0" lang="en-US" sz="1600" strike="noStrike" u="none">
-                <a:solidFill>
-                  <a:srgbClr val="ee575b"/>
-                </a:solidFill>
-                <a:effectLst/>
-                <a:uFillTx/>
-                <a:latin typeface="Source Sans Pro"/>
-                <a:ea typeface="Noto Sans CJK SC"/>
-              </a:rPr>
-              <a:t>Goal: </a:t>
-            </a:r>
-            <a:r>
-              <a:rPr b="0" lang="en-US" sz="1600" strike="noStrike" u="none">
-                <a:solidFill>
-                  <a:srgbClr val="000000"/>
-                </a:solidFill>
-                <a:effectLst/>
-                <a:uFillTx/>
-                <a:latin typeface="Source Sans Pro"/>
-                <a:ea typeface="Noto Sans CJK SC"/>
-              </a:rPr>
-              <a:t>Migrate Rocket.Chat API endpoints to a new OpenAPI + AJV pattern</a:t>
-            </a:r>
-            <a:endParaRPr b="0" lang="en-US" sz="1600" strike="noStrike" u="none">
-              <a:solidFill>
-                <a:srgbClr val="ee575b"/>
-              </a:solidFill>
-              <a:effectLst/>
-              <a:uFillTx/>
-              <a:latin typeface="Arial"/>
-            </a:endParaRPr>
-          </a:p>
-          <a:p>
-            <a:pPr marL="432000" indent="0">
-              <a:lnSpc>
-                <a:spcPct val="100000"/>
-              </a:lnSpc>
-              <a:spcBef>
-                <a:spcPts val="3118"/>
-              </a:spcBef>
-              <a:spcAft>
-                <a:spcPts val="3118"/>
-              </a:spcAft>
-            </a:pPr>
-            <a:r>
-              <a:rPr b="0" lang="en-US" sz="1600" strike="noStrike" u="none">
-                <a:solidFill>
-                  <a:srgbClr val="ee575b"/>
-                </a:solidFill>
-                <a:effectLst/>
-                <a:uFillTx/>
-                <a:latin typeface="Source Sans Pro"/>
-                <a:ea typeface="Noto Sans CJK SC"/>
-              </a:rPr>
-              <a:t>Focus:</a:t>
-            </a:r>
-            <a:r>
-              <a:rPr b="0" lang="en-US" sz="1600" strike="noStrike" u="none">
-                <a:solidFill>
-                  <a:srgbClr val="000000"/>
-                </a:solidFill>
-                <a:effectLst/>
-                <a:uFillTx/>
-                <a:latin typeface="Source Sans Pro"/>
-                <a:ea typeface="Noto Sans CJK SC"/>
-              </a:rPr>
-              <a:t> OpenAPI specs, AJV validation, Typia-generated schemas</a:t>
-            </a:r>
-            <a:endParaRPr b="0" lang="en-US" sz="1600" strike="noStrike" u="none">
-              <a:solidFill>
-                <a:srgbClr val="ee575b"/>
-              </a:solidFill>
-              <a:effectLst/>
-              <a:uFillTx/>
-              <a:latin typeface="Arial"/>
-            </a:endParaRPr>
-          </a:p>
-          <a:p>
-            <a:pPr marL="432000" indent="0">
-              <a:lnSpc>
-                <a:spcPct val="100000"/>
-              </a:lnSpc>
-              <a:spcBef>
-                <a:spcPts val="3118"/>
-              </a:spcBef>
-              <a:spcAft>
-                <a:spcPts val="3118"/>
-              </a:spcAft>
-            </a:pPr>
-            <a:r>
-              <a:rPr b="0" lang="en-US" sz="1600" strike="noStrike" u="none">
-                <a:solidFill>
-                  <a:srgbClr val="ee575b"/>
-                </a:solidFill>
-                <a:effectLst/>
-                <a:uFillTx/>
-                <a:latin typeface="Source Sans Pro"/>
-                <a:ea typeface="Noto Sans CJK SC"/>
-              </a:rPr>
-              <a:t>Impact:</a:t>
-            </a:r>
-            <a:r>
-              <a:rPr b="0" lang="en-US" sz="1600" strike="noStrike" u="none">
-                <a:solidFill>
-                  <a:srgbClr val="000000"/>
-                </a:solidFill>
-                <a:effectLst/>
-                <a:uFillTx/>
-                <a:latin typeface="Source Sans Pro"/>
-                <a:ea typeface="Noto Sans CJK SC"/>
-              </a:rPr>
-              <a:t> Stronger developer trust, maintainability, up-to-date documentation</a:t>
-            </a:r>
-            <a:endParaRPr b="0" lang="en-US" sz="1600" strike="noStrike" u="none">
-              <a:solidFill>
-                <a:srgbClr val="ee575b"/>
-              </a:solidFill>
-              <a:effectLst/>
-              <a:uFillTx/>
-              <a:latin typeface="Arial"/>
-            </a:endParaRPr>
-          </a:p>
-          <a:p>
-            <a:pPr marL="216000" indent="0">
-              <a:spcBef>
-                <a:spcPts val="4533"/>
-              </a:spcBef>
-              <a:spcAft>
-                <a:spcPts val="3118"/>
-              </a:spcAft>
-              <a:buNone/>
-            </a:pPr>
-            <a:endParaRPr b="0" lang="en-US" sz="1600" strike="noStrike" u="none">
-              <a:solidFill>
-                <a:srgbClr val="ee575b"/>
-              </a:solidFill>
-              <a:effectLst/>
-              <a:uFillTx/>
-              <a:latin typeface="Arial"/>
-            </a:endParaRPr>
-          </a:p>
-        </p:txBody>
-      </p:sp>
-      <p:pic>
-        <p:nvPicPr>
-          <p:cNvPr id="31" name="" descr=""/>
-          <p:cNvPicPr/>
-          <p:nvPr/>
-        </p:nvPicPr>
-        <p:blipFill>
-          <a:blip r:embed="rId1"/>
-          <a:stretch/>
-        </p:blipFill>
-        <p:spPr>
-          <a:xfrm>
-            <a:off x="457200" y="1832040"/>
-            <a:ext cx="274320" cy="274320"/>
-          </a:xfrm>
-          <a:prstGeom prst="rect">
-            <a:avLst/>
-          </a:prstGeom>
-          <a:noFill/>
-          <a:ln w="0">
-            <a:noFill/>
-          </a:ln>
-        </p:spPr>
-      </p:pic>
-      <p:pic>
-        <p:nvPicPr>
-          <p:cNvPr id="32" name="" descr=""/>
-          <p:cNvPicPr/>
-          <p:nvPr/>
-        </p:nvPicPr>
-        <p:blipFill>
-          <a:blip r:embed="rId2"/>
-          <a:stretch/>
-        </p:blipFill>
-        <p:spPr>
-          <a:xfrm>
-            <a:off x="457200" y="2484720"/>
-            <a:ext cx="274320" cy="274320"/>
-          </a:xfrm>
-          <a:prstGeom prst="rect">
-            <a:avLst/>
-          </a:prstGeom>
-          <a:noFill/>
-          <a:ln w="0">
-            <a:noFill/>
-          </a:ln>
-        </p:spPr>
-      </p:pic>
-      <p:pic>
-        <p:nvPicPr>
-          <p:cNvPr id="33" name="" descr=""/>
-          <p:cNvPicPr/>
-          <p:nvPr/>
-        </p:nvPicPr>
-        <p:blipFill>
-          <a:blip r:embed="rId3"/>
-          <a:stretch/>
-        </p:blipFill>
-        <p:spPr>
-          <a:xfrm>
-            <a:off x="457200" y="3092040"/>
-            <a:ext cx="274320" cy="274320"/>
-          </a:xfrm>
-          <a:prstGeom prst="rect">
-            <a:avLst/>
-          </a:prstGeom>
-          <a:noFill/>
-          <a:ln w="0">
-            <a:noFill/>
-          </a:ln>
-        </p:spPr>
-      </p:pic>
+        <p:spPr/>
+        <p:txBody>
+          <a:bodyPr/>
+          <a:lstStyle/>
+          <a:p>
+            <a:endParaRPr lang="en-US"/>
+          </a:p>
+        </p:txBody>
+      </p:sp>
     </p:spTree>
+    <p:extLst>
+      <p:ext uri="{BB962C8B-B14F-4D97-AF65-F5344CB8AC3E}">
+        <p14:creationId xmlns:p14="http://schemas.microsoft.com/office/powerpoint/2010/main" val="1632989655"/>
+      </p:ext>
+    </p:extLst>
   </p:cSld>
-  <mc:AlternateContent>
-    <mc:Choice Requires="p14">
-      <p:transition spd="slow" p14:dur="2000"/>
-    </mc:Choice>
-    <mc:Fallback>
-      <p:transition spd="slow"/>
-    </mc:Fallback>
-  </mc:AlternateContent>
+  <p:clrMapOvr>
+    <a:masterClrMapping/>
+  </p:clrMapOvr>
 </p:sld>
 </file>
 
-<file path=ppt/slides/slide3.xml><?xml version="1.0" encoding="utf-8"?>
-<p:sld xmlns:a="http://schemas.openxmlformats.org/drawingml/2006/main" xmlns:p="http://schemas.openxmlformats.org/presentationml/2006/main" xmlns:r="http://schemas.openxmlformats.org/officeDocument/2006/relationships" xmlns:p14="http://schemas.microsoft.com/office/powerpoint/2010/main" xmlns:p15="http://schemas.microsoft.com/office/powerpoint/2012/main" xmlns:mc="http://schemas.openxmlformats.org/markup-compatibility/2006">
+<file path=ppt/slides/slide11.xml><?xml version="1.0" encoding="utf-8"?>
+<p:sld xmlns:a="http://schemas.openxmlformats.org/drawingml/2006/main" xmlns:r="http://schemas.openxmlformats.org/officeDocument/2006/relationships" xmlns:p="http://schemas.openxmlformats.org/presentationml/2006/main">
   <p:cSld>
     <p:spTree>
       <p:nvGrpSpPr>
@@ -2409,7 +4572,181 @@
       </p:grpSpPr>
       <p:sp>
         <p:nvSpPr>
-          <p:cNvPr id="34" name="PlaceHolder 1"/>
+          <p:cNvPr id="2" name="Title 1"/>
+          <p:cNvSpPr>
+            <a:spLocks noGrp="1"/>
+          </p:cNvSpPr>
+          <p:nvPr>
+            <p:ph type="title"/>
+          </p:nvPr>
+        </p:nvSpPr>
+        <p:spPr>
+          <a:xfrm>
+            <a:off x="457200" y="256883"/>
+            <a:ext cx="7736400" cy="615553"/>
+          </a:xfrm>
+        </p:spPr>
+        <p:txBody>
+          <a:bodyPr/>
+          <a:lstStyle/>
+          <a:p>
+            <a:r>
+              <a:rPr lang="en-US" sz="4000" b="1" dirty="0" smtClean="0">
+                <a:solidFill>
+                  <a:srgbClr val="F5455C"/>
+                </a:solidFill>
+                <a:latin typeface="Source Sans Pro" pitchFamily="34" charset="0"/>
+              </a:rPr>
+              <a:t>AI Use Cases</a:t>
+            </a:r>
+            <a:endParaRPr lang="en-US" sz="4000" b="1" dirty="0">
+              <a:solidFill>
+                <a:srgbClr val="F5455C"/>
+              </a:solidFill>
+              <a:latin typeface="Source Sans Pro" pitchFamily="34" charset="0"/>
+            </a:endParaRPr>
+          </a:p>
+        </p:txBody>
+      </p:sp>
+      <p:sp>
+        <p:nvSpPr>
+          <p:cNvPr id="3" name="Content Placeholder 2"/>
+          <p:cNvSpPr>
+            <a:spLocks noGrp="1"/>
+          </p:cNvSpPr>
+          <p:nvPr>
+            <p:ph/>
+          </p:nvPr>
+        </p:nvSpPr>
+        <p:spPr/>
+        <p:txBody>
+          <a:bodyPr/>
+          <a:lstStyle/>
+          <a:p>
+            <a:endParaRPr lang="en-US"/>
+          </a:p>
+        </p:txBody>
+      </p:sp>
+    </p:spTree>
+    <p:extLst>
+      <p:ext uri="{BB962C8B-B14F-4D97-AF65-F5344CB8AC3E}">
+        <p14:creationId xmlns:p14="http://schemas.microsoft.com/office/powerpoint/2010/main" val="2568821100"/>
+      </p:ext>
+    </p:extLst>
+  </p:cSld>
+  <p:clrMapOvr>
+    <a:masterClrMapping/>
+  </p:clrMapOvr>
+</p:sld>
+</file>
+
+<file path=ppt/slides/slide12.xml><?xml version="1.0" encoding="utf-8"?>
+<p:sld xmlns:a="http://schemas.openxmlformats.org/drawingml/2006/main" xmlns:r="http://schemas.openxmlformats.org/officeDocument/2006/relationships" xmlns:p="http://schemas.openxmlformats.org/presentationml/2006/main">
+  <p:cSld>
+    <p:spTree>
+      <p:nvGrpSpPr>
+        <p:cNvPr id="1" name=""/>
+        <p:cNvGrpSpPr/>
+        <p:nvPr/>
+      </p:nvGrpSpPr>
+      <p:grpSpPr>
+        <a:xfrm>
+          <a:off x="0" y="0"/>
+          <a:ext cx="0" cy="0"/>
+          <a:chOff x="0" y="0"/>
+          <a:chExt cx="0" cy="0"/>
+        </a:xfrm>
+      </p:grpSpPr>
+      <p:sp>
+        <p:nvSpPr>
+          <p:cNvPr id="2" name="Title 1"/>
+          <p:cNvSpPr>
+            <a:spLocks noGrp="1"/>
+          </p:cNvSpPr>
+          <p:nvPr>
+            <p:ph type="title"/>
+          </p:nvPr>
+        </p:nvSpPr>
+        <p:spPr>
+          <a:xfrm>
+            <a:off x="457200" y="256883"/>
+            <a:ext cx="7736400" cy="615553"/>
+          </a:xfrm>
+        </p:spPr>
+        <p:txBody>
+          <a:bodyPr/>
+          <a:lstStyle/>
+          <a:p>
+            <a:r>
+              <a:rPr lang="en-US" sz="4000" b="1" dirty="0" smtClean="0">
+                <a:solidFill>
+                  <a:srgbClr val="F5455C"/>
+                </a:solidFill>
+                <a:latin typeface="Source Sans Pro" pitchFamily="34" charset="0"/>
+              </a:rPr>
+              <a:t>Demo (Recorded Video)</a:t>
+            </a:r>
+            <a:endParaRPr lang="en-US" sz="4000" b="1" dirty="0">
+              <a:solidFill>
+                <a:srgbClr val="F5455C"/>
+              </a:solidFill>
+              <a:latin typeface="Source Sans Pro" pitchFamily="34" charset="0"/>
+            </a:endParaRPr>
+          </a:p>
+        </p:txBody>
+      </p:sp>
+      <p:sp>
+        <p:nvSpPr>
+          <p:cNvPr id="3" name="Content Placeholder 2"/>
+          <p:cNvSpPr>
+            <a:spLocks noGrp="1"/>
+          </p:cNvSpPr>
+          <p:nvPr>
+            <p:ph/>
+          </p:nvPr>
+        </p:nvSpPr>
+        <p:spPr/>
+        <p:txBody>
+          <a:bodyPr/>
+          <a:lstStyle/>
+          <a:p>
+            <a:endParaRPr lang="en-US"/>
+          </a:p>
+        </p:txBody>
+      </p:sp>
+    </p:spTree>
+    <p:extLst>
+      <p:ext uri="{BB962C8B-B14F-4D97-AF65-F5344CB8AC3E}">
+        <p14:creationId xmlns:p14="http://schemas.microsoft.com/office/powerpoint/2010/main" val="400845111"/>
+      </p:ext>
+    </p:extLst>
+  </p:cSld>
+  <p:clrMapOvr>
+    <a:masterClrMapping/>
+  </p:clrMapOvr>
+</p:sld>
+</file>
+
+<file path=ppt/slides/slide2.xml><?xml version="1.0" encoding="utf-8"?>
+<p:sld xmlns:a="http://schemas.openxmlformats.org/drawingml/2006/main" xmlns:r="http://schemas.openxmlformats.org/officeDocument/2006/relationships" xmlns:p="http://schemas.openxmlformats.org/presentationml/2006/main">
+  <p:cSld>
+    <p:spTree>
+      <p:nvGrpSpPr>
+        <p:cNvPr id="1" name=""/>
+        <p:cNvGrpSpPr/>
+        <p:nvPr/>
+      </p:nvGrpSpPr>
+      <p:grpSpPr>
+        <a:xfrm>
+          <a:off x="0" y="0"/>
+          <a:ext cx="0" cy="0"/>
+          <a:chOff x="0" y="0"/>
+          <a:chExt cx="0" cy="0"/>
+        </a:xfrm>
+      </p:grpSpPr>
+      <p:sp>
+        <p:nvSpPr>
+          <p:cNvPr id="29" name="PlaceHolder 1"/>
           <p:cNvSpPr>
             <a:spLocks noGrp="1"/>
           </p:cNvSpPr>
@@ -2431,17 +4768,412 @@
           </a:ln>
         </p:spPr>
         <p:txBody>
-          <a:bodyPr lIns="0" rIns="0" tIns="0" bIns="0" anchor="ctr">
+          <a:bodyPr lIns="0" tIns="0" rIns="0" bIns="0" anchor="ctr">
             <a:spAutoFit/>
           </a:bodyPr>
+          <a:lstStyle/>
           <a:p>
             <a:pPr indent="0">
               <a:buNone/>
             </a:pPr>
             <a:r>
-              <a:rPr b="1" lang="en-US" sz="4000" strike="noStrike" u="none">
+              <a:rPr lang="en-US" sz="4000" b="1" u="none" strike="noStrike" dirty="0">
                 <a:solidFill>
-                  <a:srgbClr val="ee575b"/>
+                  <a:srgbClr val="EE575B"/>
+                </a:solidFill>
+                <a:effectLst/>
+                <a:uFillTx/>
+                <a:latin typeface="Source Sans Pro"/>
+              </a:rPr>
+              <a:t>Project Overview</a:t>
+            </a:r>
+          </a:p>
+        </p:txBody>
+      </p:sp>
+      <p:sp>
+        <p:nvSpPr>
+          <p:cNvPr id="30" name="PlaceHolder 2"/>
+          <p:cNvSpPr>
+            <a:spLocks noGrp="1"/>
+          </p:cNvSpPr>
+          <p:nvPr>
+            <p:ph/>
+          </p:nvPr>
+        </p:nvSpPr>
+        <p:spPr>
+          <a:xfrm>
+            <a:off x="465339" y="1664869"/>
+            <a:ext cx="9068760" cy="3227439"/>
+          </a:xfrm>
+          <a:prstGeom prst="rect">
+            <a:avLst/>
+          </a:prstGeom>
+          <a:noFill/>
+          <a:ln w="0">
+            <a:noFill/>
+          </a:ln>
+        </p:spPr>
+        <p:txBody>
+          <a:bodyPr lIns="0" tIns="0" rIns="0" bIns="0" anchor="t">
+            <a:normAutofit/>
+          </a:bodyPr>
+          <a:lstStyle/>
+          <a:p>
+            <a:pPr marL="432000" indent="0">
+              <a:lnSpc>
+                <a:spcPct val="120000"/>
+              </a:lnSpc>
+              <a:spcBef>
+                <a:spcPts val="3118"/>
+              </a:spcBef>
+              <a:spcAft>
+                <a:spcPts val="3118"/>
+              </a:spcAft>
+            </a:pPr>
+            <a:r>
+              <a:rPr lang="en-US" sz="1600" b="1" u="none" strike="noStrike" dirty="0">
+                <a:solidFill>
+                  <a:srgbClr val="EE575B"/>
+                </a:solidFill>
+                <a:effectLst/>
+                <a:uFillTx/>
+                <a:latin typeface="Source Sans Pro" pitchFamily="34" charset="0"/>
+                <a:ea typeface="Noto Sans CJK SC"/>
+              </a:rPr>
+              <a:t>Goal:</a:t>
+            </a:r>
+            <a:r>
+              <a:rPr lang="en-US" sz="1600" b="0" u="none" strike="noStrike" dirty="0">
+                <a:solidFill>
+                  <a:srgbClr val="EE575B"/>
+                </a:solidFill>
+                <a:effectLst/>
+                <a:uFillTx/>
+                <a:latin typeface="Source Sans Pro" pitchFamily="34" charset="0"/>
+                <a:ea typeface="Noto Sans CJK SC"/>
+              </a:rPr>
+              <a:t> </a:t>
+            </a:r>
+            <a:r>
+              <a:rPr lang="en-US" sz="1600" b="0" u="none" strike="noStrike" dirty="0">
+                <a:solidFill>
+                  <a:srgbClr val="000000"/>
+                </a:solidFill>
+                <a:effectLst/>
+                <a:uFillTx/>
+                <a:latin typeface="Source Sans Pro" pitchFamily="34" charset="0"/>
+                <a:ea typeface="Noto Sans CJK SC"/>
+              </a:rPr>
+              <a:t>Migrate Rocket.Chat API endpoints to a new OpenAPI + AJV </a:t>
+            </a:r>
+            <a:r>
+              <a:rPr lang="en-US" sz="1600" b="0" u="none" strike="noStrike" dirty="0" smtClean="0">
+                <a:solidFill>
+                  <a:srgbClr val="000000"/>
+                </a:solidFill>
+                <a:effectLst/>
+                <a:uFillTx/>
+                <a:latin typeface="Source Sans Pro" pitchFamily="34" charset="0"/>
+                <a:ea typeface="Noto Sans CJK SC"/>
+              </a:rPr>
+              <a:t>pattern</a:t>
+            </a:r>
+            <a:endParaRPr lang="en-US" sz="1600" dirty="0">
+              <a:solidFill>
+                <a:srgbClr val="EE575B"/>
+              </a:solidFill>
+              <a:latin typeface="Source Sans Pro" pitchFamily="34" charset="0"/>
+              <a:ea typeface="Noto Sans CJK SC"/>
+            </a:endParaRPr>
+          </a:p>
+          <a:p>
+            <a:pPr marL="432000" indent="0">
+              <a:lnSpc>
+                <a:spcPct val="120000"/>
+              </a:lnSpc>
+              <a:spcBef>
+                <a:spcPts val="3118"/>
+              </a:spcBef>
+              <a:spcAft>
+                <a:spcPts val="3118"/>
+              </a:spcAft>
+            </a:pPr>
+            <a:r>
+              <a:rPr lang="en-US" sz="1600" b="1" u="none" strike="noStrike" dirty="0" smtClean="0">
+                <a:solidFill>
+                  <a:srgbClr val="EE575B"/>
+                </a:solidFill>
+                <a:effectLst/>
+                <a:uFillTx/>
+                <a:latin typeface="Source Sans Pro" pitchFamily="34" charset="0"/>
+                <a:ea typeface="Noto Sans CJK SC"/>
+              </a:rPr>
+              <a:t>Focus</a:t>
+            </a:r>
+            <a:r>
+              <a:rPr lang="en-US" sz="1600" b="1" u="none" strike="noStrike" dirty="0">
+                <a:solidFill>
+                  <a:srgbClr val="EE575B"/>
+                </a:solidFill>
+                <a:effectLst/>
+                <a:uFillTx/>
+                <a:latin typeface="Source Sans Pro" pitchFamily="34" charset="0"/>
+                <a:ea typeface="Noto Sans CJK SC"/>
+              </a:rPr>
+              <a:t>:</a:t>
+            </a:r>
+            <a:r>
+              <a:rPr lang="en-US" sz="1600" b="1" u="none" strike="noStrike" dirty="0">
+                <a:solidFill>
+                  <a:srgbClr val="000000"/>
+                </a:solidFill>
+                <a:effectLst/>
+                <a:uFillTx/>
+                <a:latin typeface="Source Sans Pro" pitchFamily="34" charset="0"/>
+                <a:ea typeface="Noto Sans CJK SC"/>
+              </a:rPr>
+              <a:t> </a:t>
+            </a:r>
+            <a:r>
+              <a:rPr lang="en-US" sz="1600" b="0" u="none" strike="noStrike" dirty="0">
+                <a:solidFill>
+                  <a:srgbClr val="000000"/>
+                </a:solidFill>
+                <a:effectLst/>
+                <a:uFillTx/>
+                <a:latin typeface="Source Sans Pro" pitchFamily="34" charset="0"/>
+                <a:ea typeface="Noto Sans CJK SC"/>
+              </a:rPr>
+              <a:t>OpenAPI specs, AJV validation, Typia-generated schemas</a:t>
+            </a:r>
+            <a:endParaRPr lang="en-US" sz="1600" b="0" u="none" strike="noStrike" dirty="0">
+              <a:solidFill>
+                <a:srgbClr val="EE575B"/>
+              </a:solidFill>
+              <a:effectLst/>
+              <a:uFillTx/>
+              <a:latin typeface="Source Sans Pro" pitchFamily="34" charset="0"/>
+            </a:endParaRPr>
+          </a:p>
+          <a:p>
+            <a:pPr marL="432000" indent="0">
+              <a:lnSpc>
+                <a:spcPct val="120000"/>
+              </a:lnSpc>
+              <a:spcBef>
+                <a:spcPts val="3118"/>
+              </a:spcBef>
+              <a:spcAft>
+                <a:spcPts val="3118"/>
+              </a:spcAft>
+            </a:pPr>
+            <a:r>
+              <a:rPr lang="en-US" sz="1600" b="1" u="none" strike="noStrike" dirty="0">
+                <a:solidFill>
+                  <a:srgbClr val="EE575B"/>
+                </a:solidFill>
+                <a:effectLst/>
+                <a:uFillTx/>
+                <a:latin typeface="Source Sans Pro" pitchFamily="34" charset="0"/>
+                <a:ea typeface="Noto Sans CJK SC"/>
+              </a:rPr>
+              <a:t>Impact:</a:t>
+            </a:r>
+            <a:r>
+              <a:rPr lang="en-US" sz="1600" b="1" u="none" strike="noStrike" dirty="0">
+                <a:solidFill>
+                  <a:srgbClr val="000000"/>
+                </a:solidFill>
+                <a:effectLst/>
+                <a:uFillTx/>
+                <a:latin typeface="Source Sans Pro" pitchFamily="34" charset="0"/>
+                <a:ea typeface="Noto Sans CJK SC"/>
+              </a:rPr>
+              <a:t> </a:t>
+            </a:r>
+            <a:r>
+              <a:rPr lang="en-US" sz="1600" b="0" u="none" strike="noStrike" dirty="0">
+                <a:solidFill>
+                  <a:srgbClr val="000000"/>
+                </a:solidFill>
+                <a:effectLst/>
+                <a:uFillTx/>
+                <a:latin typeface="Source Sans Pro" pitchFamily="34" charset="0"/>
+                <a:ea typeface="Noto Sans CJK SC"/>
+              </a:rPr>
+              <a:t>Stronger developer trust, maintainability, up-to-date </a:t>
+            </a:r>
+            <a:r>
+              <a:rPr lang="en-US" sz="1600" b="0" u="none" strike="noStrike" dirty="0" smtClean="0">
+                <a:solidFill>
+                  <a:srgbClr val="000000"/>
+                </a:solidFill>
+                <a:effectLst/>
+                <a:uFillTx/>
+                <a:latin typeface="Source Sans Pro" pitchFamily="34" charset="0"/>
+                <a:ea typeface="Noto Sans CJK SC"/>
+              </a:rPr>
+              <a:t>documentation</a:t>
+            </a:r>
+            <a:endParaRPr lang="en-US" sz="1600" b="0" u="none" strike="noStrike" dirty="0">
+              <a:solidFill>
+                <a:srgbClr val="EE575B"/>
+              </a:solidFill>
+              <a:effectLst/>
+              <a:uFillTx/>
+              <a:latin typeface="Source Sans Pro" pitchFamily="34" charset="0"/>
+            </a:endParaRPr>
+          </a:p>
+        </p:txBody>
+      </p:sp>
+      <p:pic>
+        <p:nvPicPr>
+          <p:cNvPr id="31" name="Picture 30"/>
+          <p:cNvPicPr/>
+          <p:nvPr/>
+        </p:nvPicPr>
+        <p:blipFill>
+          <a:blip r:embed="rId3"/>
+          <a:stretch/>
+        </p:blipFill>
+        <p:spPr>
+          <a:xfrm>
+            <a:off x="490451" y="1664869"/>
+            <a:ext cx="274320" cy="274320"/>
+          </a:xfrm>
+          <a:prstGeom prst="rect">
+            <a:avLst/>
+          </a:prstGeom>
+          <a:noFill/>
+          <a:ln w="0">
+            <a:noFill/>
+          </a:ln>
+        </p:spPr>
+      </p:pic>
+      <p:pic>
+        <p:nvPicPr>
+          <p:cNvPr id="32" name="Picture 31"/>
+          <p:cNvPicPr/>
+          <p:nvPr/>
+        </p:nvPicPr>
+        <p:blipFill>
+          <a:blip r:embed="rId4"/>
+          <a:stretch/>
+        </p:blipFill>
+        <p:spPr>
+          <a:xfrm>
+            <a:off x="486295" y="2727801"/>
+            <a:ext cx="274320" cy="274320"/>
+          </a:xfrm>
+          <a:prstGeom prst="rect">
+            <a:avLst/>
+          </a:prstGeom>
+          <a:noFill/>
+          <a:ln w="0">
+            <a:noFill/>
+          </a:ln>
+        </p:spPr>
+      </p:pic>
+      <p:pic>
+        <p:nvPicPr>
+          <p:cNvPr id="33" name="Picture 32"/>
+          <p:cNvPicPr/>
+          <p:nvPr/>
+        </p:nvPicPr>
+        <p:blipFill>
+          <a:blip r:embed="rId5"/>
+          <a:stretch/>
+        </p:blipFill>
+        <p:spPr>
+          <a:xfrm>
+            <a:off x="490451" y="3870801"/>
+            <a:ext cx="274320" cy="274320"/>
+          </a:xfrm>
+          <a:prstGeom prst="rect">
+            <a:avLst/>
+          </a:prstGeom>
+          <a:noFill/>
+          <a:ln w="0">
+            <a:noFill/>
+          </a:ln>
+        </p:spPr>
+      </p:pic>
+    </p:spTree>
+  </p:cSld>
+  <p:clrMapOvr>
+    <a:masterClrMapping/>
+  </p:clrMapOvr>
+  <mc:AlternateContent xmlns:mc="http://schemas.openxmlformats.org/markup-compatibility/2006" xmlns:p14="http://schemas.microsoft.com/office/powerpoint/2010/main">
+    <mc:Choice Requires="p14">
+      <p:transition spd="slow" p14:dur="2000"/>
+    </mc:Choice>
+    <mc:Fallback xmlns="" xmlns:p15="http://schemas.microsoft.com/office/powerpoint/2012/main">
+      <p:transition spd="slow"/>
+    </mc:Fallback>
+  </mc:AlternateContent>
+  <p:timing>
+    <p:tnLst>
+      <p:par>
+        <p:cTn id="1" dur="indefinite" restart="never" nodeType="tmRoot"/>
+      </p:par>
+    </p:tnLst>
+  </p:timing>
+</p:sld>
+</file>
+
+<file path=ppt/slides/slide3.xml><?xml version="1.0" encoding="utf-8"?>
+<p:sld xmlns:a="http://schemas.openxmlformats.org/drawingml/2006/main" xmlns:r="http://schemas.openxmlformats.org/officeDocument/2006/relationships" xmlns:p="http://schemas.openxmlformats.org/presentationml/2006/main">
+  <p:cSld>
+    <p:spTree>
+      <p:nvGrpSpPr>
+        <p:cNvPr id="1" name=""/>
+        <p:cNvGrpSpPr/>
+        <p:nvPr/>
+      </p:nvGrpSpPr>
+      <p:grpSpPr>
+        <a:xfrm>
+          <a:off x="0" y="0"/>
+          <a:ext cx="0" cy="0"/>
+          <a:chOff x="0" y="0"/>
+          <a:chExt cx="0" cy="0"/>
+        </a:xfrm>
+      </p:grpSpPr>
+      <p:sp>
+        <p:nvSpPr>
+          <p:cNvPr id="34" name="PlaceHolder 1"/>
+          <p:cNvSpPr>
+            <a:spLocks noGrp="1"/>
+          </p:cNvSpPr>
+          <p:nvPr>
+            <p:ph type="title"/>
+          </p:nvPr>
+        </p:nvSpPr>
+        <p:spPr>
+          <a:xfrm>
+            <a:off x="457200" y="91440"/>
+            <a:ext cx="7736400" cy="946440"/>
+          </a:xfrm>
+          <a:prstGeom prst="rect">
+            <a:avLst/>
+          </a:prstGeom>
+          <a:noFill/>
+          <a:ln w="0">
+            <a:noFill/>
+          </a:ln>
+        </p:spPr>
+        <p:txBody>
+          <a:bodyPr lIns="0" tIns="0" rIns="0" bIns="0" anchor="ctr">
+            <a:spAutoFit/>
+          </a:bodyPr>
+          <a:lstStyle/>
+          <a:p>
+            <a:pPr indent="0">
+              <a:buNone/>
+            </a:pPr>
+            <a:r>
+              <a:rPr lang="en-US" sz="4000" b="1" u="none" strike="noStrike" dirty="0">
+                <a:solidFill>
+                  <a:srgbClr val="EE575B"/>
                 </a:solidFill>
                 <a:effectLst/>
                 <a:uFillTx/>
@@ -2449,20 +5181,12 @@
               </a:rPr>
               <a:t>Team</a:t>
             </a:r>
-            <a:endParaRPr b="1" lang="en-US" sz="4000" strike="noStrike" u="none">
-              <a:solidFill>
-                <a:srgbClr val="ee575b"/>
-              </a:solidFill>
-              <a:effectLst/>
-              <a:uFillTx/>
-              <a:latin typeface="Source Sans Pro"/>
-            </a:endParaRPr>
-          </a:p>
-        </p:txBody>
-      </p:sp>
-      <p:sp>
-        <p:nvSpPr>
-          <p:cNvPr id="35" name=""/>
+          </a:p>
+        </p:txBody>
+      </p:sp>
+      <p:sp>
+        <p:nvSpPr>
+          <p:cNvPr id="35" name="Flowchart: Alternate Process 34"/>
           <p:cNvSpPr/>
           <p:nvPr/>
         </p:nvSpPr>
@@ -2475,24 +5199,31 @@
             <a:avLst/>
           </a:prstGeom>
           <a:solidFill>
-            <a:srgbClr val="fbe9ee"/>
+            <a:srgbClr val="FBE9EE"/>
           </a:solidFill>
           <a:ln w="0">
             <a:noFill/>
           </a:ln>
         </p:spPr>
         <p:style>
-          <a:lnRef idx="0"/>
-          <a:fillRef idx="0"/>
-          <a:effectRef idx="0"/>
+          <a:lnRef idx="0">
+            <a:scrgbClr r="0" g="0" b="0"/>
+          </a:lnRef>
+          <a:fillRef idx="0">
+            <a:scrgbClr r="0" g="0" b="0"/>
+          </a:fillRef>
+          <a:effectRef idx="0">
+            <a:scrgbClr r="0" g="0" b="0"/>
+          </a:effectRef>
           <a:fontRef idx="minor"/>
         </p:style>
         <p:txBody>
-          <a:bodyPr lIns="90000" rIns="90000" tIns="45000" bIns="45000" anchor="ctr">
+          <a:bodyPr lIns="90000" tIns="45000" rIns="90000" bIns="45000" anchor="ctr">
             <a:noAutofit/>
           </a:bodyPr>
-          <a:p>
-            <a:endParaRPr b="0" lang="en-US" sz="1800" strike="noStrike" u="none">
+          <a:lstStyle/>
+          <a:p>
+            <a:endParaRPr lang="en-US" sz="1800" b="0" u="none" strike="noStrike" dirty="0">
               <a:solidFill>
                 <a:srgbClr val="000000"/>
               </a:solidFill>
@@ -2505,12 +5236,12 @@
       </p:sp>
       <p:pic>
         <p:nvPicPr>
-          <p:cNvPr id="36" name="" descr=""/>
+          <p:cNvPr id="36" name="Picture 35"/>
           <p:cNvPicPr/>
           <p:nvPr/>
         </p:nvPicPr>
         <p:blipFill>
-          <a:blip r:embed="rId1"/>
+          <a:blip r:embed="rId3"/>
           <a:stretch/>
         </p:blipFill>
         <p:spPr>
@@ -2529,7 +5260,7 @@
       </p:pic>
       <p:sp>
         <p:nvSpPr>
-          <p:cNvPr id="37" name=""/>
+          <p:cNvPr id="37" name="TextBox 36"/>
           <p:cNvSpPr txBox="1"/>
           <p:nvPr/>
         </p:nvSpPr>
@@ -2547,12 +5278,13 @@
           </a:ln>
         </p:spPr>
         <p:txBody>
-          <a:bodyPr wrap="none" lIns="90000" rIns="90000" tIns="45000" bIns="45000" anchor="t">
+          <a:bodyPr wrap="none" lIns="90000" tIns="45000" rIns="90000" bIns="45000" anchor="t">
             <a:spAutoFit/>
           </a:bodyPr>
-          <a:p>
-            <a:r>
-              <a:rPr b="0" lang="en-US" sz="1800" strike="noStrike" u="none">
+          <a:lstStyle/>
+          <a:p>
+            <a:r>
+              <a:rPr lang="en-US" sz="1800" b="0" u="none" strike="noStrike" dirty="0">
                 <a:solidFill>
                   <a:srgbClr val="000000"/>
                 </a:solidFill>
@@ -2562,7 +5294,7 @@
               </a:rPr>
               <a:t>Ahmed Nasser</a:t>
             </a:r>
-            <a:endParaRPr b="0" lang="en-US" sz="1800" strike="noStrike" u="none">
+            <a:endParaRPr lang="en-US" sz="1800" b="0" u="none" strike="noStrike" dirty="0">
               <a:solidFill>
                 <a:srgbClr val="000000"/>
               </a:solidFill>
@@ -2575,7 +5307,7 @@
       </p:sp>
       <p:sp>
         <p:nvSpPr>
-          <p:cNvPr id="38" name=""/>
+          <p:cNvPr id="38" name="TextBox 37"/>
           <p:cNvSpPr txBox="1"/>
           <p:nvPr/>
         </p:nvSpPr>
@@ -2593,11 +5325,12 @@
           </a:ln>
         </p:spPr>
         <p:txBody>
-          <a:bodyPr wrap="none" lIns="90000" rIns="90000" tIns="45000" bIns="45000" anchor="t">
+          <a:bodyPr wrap="none" lIns="90000" tIns="45000" rIns="90000" bIns="45000" anchor="t">
             <a:spAutoFit/>
           </a:bodyPr>
-          <a:p>
-            <a:endParaRPr b="0" lang="en-US" sz="1800" strike="noStrike" u="none">
+          <a:lstStyle/>
+          <a:p>
+            <a:endParaRPr lang="en-US" sz="1800" b="0" u="none" strike="noStrike" dirty="0">
               <a:solidFill>
                 <a:srgbClr val="000000"/>
               </a:solidFill>
@@ -2610,7 +5343,7 @@
       </p:sp>
       <p:sp>
         <p:nvSpPr>
-          <p:cNvPr id="39" name=""/>
+          <p:cNvPr id="39" name="TextBox 38"/>
           <p:cNvSpPr txBox="1"/>
           <p:nvPr/>
         </p:nvSpPr>
@@ -2628,12 +5361,13 @@
           </a:ln>
         </p:spPr>
         <p:txBody>
-          <a:bodyPr lIns="90000" rIns="90000" tIns="45000" bIns="45000" anchor="t">
+          <a:bodyPr lIns="90000" tIns="45000" rIns="90000" bIns="45000" anchor="t">
             <a:spAutoFit/>
           </a:bodyPr>
-          <a:p>
-            <a:r>
-              <a:rPr b="0" lang="en-US" sz="1200" strike="noStrike" u="none">
+          <a:lstStyle/>
+          <a:p>
+            <a:r>
+              <a:rPr lang="en-US" sz="1200" b="0" u="none" strike="noStrike" dirty="0">
                 <a:solidFill>
                   <a:srgbClr val="000000"/>
                 </a:solidFill>
@@ -2643,7 +5377,7 @@
               </a:rPr>
               <a:t>Contributor</a:t>
             </a:r>
-            <a:endParaRPr b="0" lang="en-US" sz="1200" strike="noStrike" u="none">
+            <a:endParaRPr lang="en-US" sz="1200" b="0" u="none" strike="noStrike" dirty="0">
               <a:solidFill>
                 <a:srgbClr val="000000"/>
               </a:solidFill>
@@ -2656,205 +5390,1061 @@
       </p:sp>
       <p:pic>
         <p:nvPicPr>
-          <p:cNvPr id="40" name="" descr=""/>
+          <p:cNvPr id="40" name="Picture 39"/>
           <p:cNvPicPr/>
           <p:nvPr/>
         </p:nvPicPr>
         <p:blipFill>
-          <a:blip r:embed="rId2"/>
+          <a:blip r:embed="rId4"/>
           <a:stretch/>
         </p:blipFill>
         <p:spPr>
           <a:xfrm>
-            <a:off x="4972320" y="1541880"/>
-            <a:ext cx="2706480" cy="2706480"/>
+            <a:off x="4352926" y="2047131"/>
+            <a:ext cx="1371600" cy="1392138"/>
+          </a:xfrm>
+          <a:prstGeom prst="ellipse">
+            <a:avLst/>
+          </a:prstGeom>
+          <a:noFill/>
+          <a:ln w="19050">
+            <a:solidFill>
+              <a:srgbClr val="FF0000"/>
+            </a:solidFill>
+          </a:ln>
+        </p:spPr>
+      </p:pic>
+      <p:sp>
+        <p:nvSpPr>
+          <p:cNvPr id="2" name="TextBox 1"/>
+          <p:cNvSpPr txBox="1"/>
+          <p:nvPr/>
+        </p:nvSpPr>
+        <p:spPr>
+          <a:xfrm>
+            <a:off x="4184165" y="3464604"/>
+            <a:ext cx="1709122" cy="338554"/>
           </a:xfrm>
           <a:prstGeom prst="rect">
             <a:avLst/>
           </a:prstGeom>
           <a:noFill/>
-          <a:ln w="0">
-            <a:noFill/>
-          </a:ln>
         </p:spPr>
-      </p:pic>
-      <p:sp>
-        <p:nvSpPr>
-          <p:cNvPr id="41" name=""/>
-          <p:cNvSpPr/>
+        <p:txBody>
+          <a:bodyPr wrap="none" rtlCol="0">
+            <a:spAutoFit/>
+          </a:bodyPr>
+          <a:lstStyle/>
+          <a:p>
+            <a:r>
+              <a:rPr lang="en-US" sz="1600" dirty="0" smtClean="0">
+                <a:latin typeface="Source Sans Pro Semibold" pitchFamily="34" charset="0"/>
+              </a:rPr>
+              <a:t>Matheus Cardoso</a:t>
+            </a:r>
+            <a:endParaRPr lang="en-US" sz="1600" dirty="0">
+              <a:latin typeface="Source Sans Pro Semibold" pitchFamily="34" charset="0"/>
+            </a:endParaRPr>
+          </a:p>
+        </p:txBody>
+      </p:sp>
+      <p:sp>
+        <p:nvSpPr>
+          <p:cNvPr id="3" name="TextBox 2"/>
+          <p:cNvSpPr txBox="1"/>
           <p:nvPr/>
         </p:nvSpPr>
         <p:spPr>
           <a:xfrm>
-            <a:off x="5378400" y="1825200"/>
-            <a:ext cx="1829160" cy="1829160"/>
+            <a:off x="4728384" y="3800257"/>
+            <a:ext cx="620683" cy="261610"/>
           </a:xfrm>
-          <a:custGeom>
+          <a:prstGeom prst="rect">
             <a:avLst/>
-            <a:gdLst/>
-            <a:ahLst/>
-            <a:rect l="0" t="0" r="r" b="b"/>
-            <a:pathLst>
-              <a:path w="5081" h="5081">
-                <a:moveTo>
-                  <a:pt x="5081" y="2541"/>
-                </a:moveTo>
-                <a:cubicBezTo>
-                  <a:pt x="5081" y="2986"/>
-                  <a:pt x="4964" y="3425"/>
-                  <a:pt x="4741" y="3811"/>
-                </a:cubicBezTo>
-                <a:cubicBezTo>
-                  <a:pt x="4518" y="4197"/>
-                  <a:pt x="4197" y="4518"/>
-                  <a:pt x="3811" y="4741"/>
-                </a:cubicBezTo>
-                <a:cubicBezTo>
-                  <a:pt x="3425" y="4964"/>
-                  <a:pt x="2986" y="5081"/>
-                  <a:pt x="2541" y="5081"/>
-                </a:cubicBezTo>
-                <a:cubicBezTo>
-                  <a:pt x="2095" y="5081"/>
-                  <a:pt x="1656" y="4964"/>
-                  <a:pt x="1270" y="4741"/>
-                </a:cubicBezTo>
-                <a:cubicBezTo>
-                  <a:pt x="884" y="4518"/>
-                  <a:pt x="563" y="4197"/>
-                  <a:pt x="340" y="3811"/>
-                </a:cubicBezTo>
-                <a:cubicBezTo>
-                  <a:pt x="117" y="3425"/>
-                  <a:pt x="0" y="2986"/>
-                  <a:pt x="0" y="2541"/>
-                </a:cubicBezTo>
-                <a:cubicBezTo>
-                  <a:pt x="0" y="2095"/>
-                  <a:pt x="117" y="1656"/>
-                  <a:pt x="340" y="1270"/>
-                </a:cubicBezTo>
-                <a:cubicBezTo>
-                  <a:pt x="563" y="884"/>
-                  <a:pt x="884" y="563"/>
-                  <a:pt x="1270" y="340"/>
-                </a:cubicBezTo>
-                <a:cubicBezTo>
-                  <a:pt x="1656" y="117"/>
-                  <a:pt x="2095" y="0"/>
-                  <a:pt x="2540" y="0"/>
-                </a:cubicBezTo>
-                <a:cubicBezTo>
-                  <a:pt x="2986" y="0"/>
-                  <a:pt x="3425" y="117"/>
-                  <a:pt x="3811" y="340"/>
-                </a:cubicBezTo>
-                <a:cubicBezTo>
-                  <a:pt x="4197" y="563"/>
-                  <a:pt x="4518" y="884"/>
-                  <a:pt x="4741" y="1270"/>
-                </a:cubicBezTo>
-                <a:cubicBezTo>
-                  <a:pt x="4964" y="1656"/>
-                  <a:pt x="5081" y="2095"/>
-                  <a:pt x="5081" y="2540"/>
-                </a:cubicBezTo>
-                <a:lnTo>
-                  <a:pt x="5081" y="2541"/>
-                </a:lnTo>
-                <a:close/>
-              </a:path>
-            </a:pathLst>
-          </a:custGeom>
-          <a:solidFill>
-            <a:srgbClr val="729fcf"/>
-          </a:solidFill>
-          <a:ln w="0">
-            <a:solidFill>
-              <a:srgbClr val="3465a4"/>
-            </a:solidFill>
-          </a:ln>
+          </a:prstGeom>
+          <a:noFill/>
         </p:spPr>
         <p:txBody>
-          <a:bodyPr lIns="90000" rIns="90000" tIns="45000" bIns="45000" anchor="ctr">
-            <a:noAutofit/>
+          <a:bodyPr wrap="none" rtlCol="0">
+            <a:spAutoFit/>
           </a:bodyPr>
-          <a:p>
-            <a:endParaRPr b="0" lang="en-US" sz="1800" strike="noStrike" u="none">
+          <a:lstStyle/>
+          <a:p>
+            <a:r>
+              <a:rPr lang="en-US" sz="1100" dirty="0" smtClean="0">
+                <a:latin typeface="Source Sans Pro Semibold" pitchFamily="34" charset="0"/>
+              </a:rPr>
+              <a:t>Mentor</a:t>
+            </a:r>
+            <a:endParaRPr lang="en-US" sz="1100" dirty="0">
+              <a:latin typeface="Source Sans Pro Semibold" pitchFamily="34" charset="0"/>
+            </a:endParaRPr>
+          </a:p>
+        </p:txBody>
+      </p:sp>
+      <p:sp>
+        <p:nvSpPr>
+          <p:cNvPr id="13" name="TextBox 12"/>
+          <p:cNvSpPr txBox="1"/>
+          <p:nvPr/>
+        </p:nvSpPr>
+        <p:spPr>
+          <a:xfrm>
+            <a:off x="6774964" y="3464604"/>
+            <a:ext cx="1709122" cy="338554"/>
+          </a:xfrm>
+          <a:prstGeom prst="rect">
+            <a:avLst/>
+          </a:prstGeom>
+          <a:noFill/>
+        </p:spPr>
+        <p:txBody>
+          <a:bodyPr wrap="none" rtlCol="0">
+            <a:spAutoFit/>
+          </a:bodyPr>
+          <a:lstStyle/>
+          <a:p>
+            <a:r>
+              <a:rPr lang="en-US" sz="1600" dirty="0" smtClean="0">
+                <a:latin typeface="Source Sans Pro Semibold" pitchFamily="34" charset="0"/>
+              </a:rPr>
+              <a:t>Guilherme Gazzo</a:t>
+            </a:r>
+          </a:p>
+        </p:txBody>
+      </p:sp>
+      <p:sp>
+        <p:nvSpPr>
+          <p:cNvPr id="14" name="TextBox 13"/>
+          <p:cNvSpPr txBox="1"/>
+          <p:nvPr/>
+        </p:nvSpPr>
+        <p:spPr>
+          <a:xfrm>
+            <a:off x="7319183" y="3800257"/>
+            <a:ext cx="837089" cy="261610"/>
+          </a:xfrm>
+          <a:prstGeom prst="rect">
+            <a:avLst/>
+          </a:prstGeom>
+          <a:noFill/>
+        </p:spPr>
+        <p:txBody>
+          <a:bodyPr wrap="none" rtlCol="0">
+            <a:spAutoFit/>
+          </a:bodyPr>
+          <a:lstStyle/>
+          <a:p>
+            <a:r>
+              <a:rPr lang="en-US" sz="1100" dirty="0" smtClean="0">
+                <a:latin typeface="Source Sans Pro Semibold" pitchFamily="34" charset="0"/>
+              </a:rPr>
+              <a:t>Co-mentor</a:t>
+            </a:r>
+          </a:p>
+        </p:txBody>
+      </p:sp>
+      <p:grpSp>
+        <p:nvGrpSpPr>
+          <p:cNvPr id="4" name="Group 4"/>
+          <p:cNvGrpSpPr>
+            <a:grpSpLocks noChangeAspect="1"/>
+          </p:cNvGrpSpPr>
+          <p:nvPr/>
+        </p:nvGrpSpPr>
+        <p:grpSpPr bwMode="auto">
+          <a:xfrm>
+            <a:off x="6943725" y="2047875"/>
+            <a:ext cx="1371600" cy="1390650"/>
+            <a:chOff x="4374" y="1290"/>
+            <a:chExt cx="864" cy="876"/>
+          </a:xfrm>
+        </p:grpSpPr>
+        <p:sp>
+          <p:nvSpPr>
+            <p:cNvPr id="5" name="AutoShape 3"/>
+            <p:cNvSpPr>
+              <a:spLocks noChangeAspect="1" noChangeArrowheads="1" noTextEdit="1"/>
+            </p:cNvSpPr>
+            <p:nvPr/>
+          </p:nvSpPr>
+          <p:spPr bwMode="auto">
+            <a:xfrm>
+              <a:off x="4374" y="1290"/>
+              <a:ext cx="864" cy="876"/>
+            </a:xfrm>
+            <a:prstGeom prst="ellipse">
+              <a:avLst/>
+            </a:prstGeom>
+            <a:noFill/>
+            <a:ln w="19050" cap="flat" cmpd="sng" algn="ctr">
+              <a:solidFill>
+                <a:srgbClr val="FF0000"/>
+              </a:solidFill>
+              <a:prstDash val="solid"/>
+              <a:miter lim="800000"/>
+              <a:headEnd type="none" w="med" len="med"/>
+              <a:tailEnd type="none" w="med" len="med"/>
+            </a:ln>
+            <a:extLst>
+              <a:ext uri="{909E8E84-426E-40DD-AFC4-6F175D3DCCD1}">
+                <a14:hiddenFill xmlns:a14="http://schemas.microsoft.com/office/drawing/2010/main">
+                  <a:solidFill>
+                    <a:srgbClr val="FFFFFF"/>
+                  </a:solidFill>
+                </a14:hiddenFill>
+              </a:ext>
+            </a:extLst>
+          </p:spPr>
+          <p:txBody>
+            <a:bodyPr vert="horz" wrap="square" lIns="91440" tIns="45720" rIns="91440" bIns="45720" numCol="1" anchor="t" anchorCtr="0" compatLnSpc="1">
+              <a:prstTxWarp prst="textNoShape">
+                <a:avLst/>
+              </a:prstTxWarp>
+            </a:bodyPr>
+            <a:lstStyle/>
+            <a:p>
+              <a:endParaRPr lang="en-US"/>
+            </a:p>
+          </p:txBody>
+        </p:sp>
+        <p:pic>
+          <p:nvPicPr>
+            <p:cNvPr id="1029" name="Picture 5"/>
+            <p:cNvPicPr>
+              <a:picLocks noChangeAspect="1" noChangeArrowheads="1"/>
+            </p:cNvPicPr>
+            <p:nvPr/>
+          </p:nvPicPr>
+          <p:blipFill>
+            <a:blip r:embed="rId5">
+              <a:extLst>
+                <a:ext uri="{28A0092B-C50C-407E-A947-70E740481C1C}">
+                  <a14:useLocalDpi xmlns:a14="http://schemas.microsoft.com/office/drawing/2010/main" val="0"/>
+                </a:ext>
+              </a:extLst>
+            </a:blip>
+            <a:stretch>
+              <a:fillRect/>
+            </a:stretch>
+          </p:blipFill>
+          <p:spPr bwMode="auto">
+            <a:xfrm>
+              <a:off x="4374" y="1296"/>
+              <a:ext cx="862" cy="862"/>
+            </a:xfrm>
+            <a:prstGeom prst="ellipse">
+              <a:avLst/>
+            </a:prstGeom>
+            <a:noFill/>
+            <a:ln w="9525">
               <a:solidFill>
                 <a:srgbClr val="000000"/>
               </a:solidFill>
-              <a:effectLst/>
-              <a:uFillTx/>
-              <a:latin typeface="Arial"/>
-            </a:endParaRPr>
-          </a:p>
-        </p:txBody>
-      </p:sp>
+              <a:miter lim="800000"/>
+              <a:headEnd/>
+              <a:tailEnd/>
+            </a:ln>
+            <a:extLst>
+              <a:ext uri="{909E8E84-426E-40DD-AFC4-6F175D3DCCD1}">
+                <a14:hiddenFill xmlns:a14="http://schemas.microsoft.com/office/drawing/2010/main">
+                  <a:solidFill>
+                    <a:srgbClr val="FFFFFF"/>
+                  </a:solidFill>
+                </a14:hiddenFill>
+              </a:ext>
+            </a:extLst>
+          </p:spPr>
+        </p:pic>
+      </p:grpSp>
     </p:spTree>
   </p:cSld>
-  <mc:AlternateContent>
+  <p:clrMapOvr>
+    <a:masterClrMapping/>
+  </p:clrMapOvr>
+  <mc:AlternateContent xmlns:mc="http://schemas.openxmlformats.org/markup-compatibility/2006" xmlns:p14="http://schemas.microsoft.com/office/powerpoint/2010/main">
     <mc:Choice Requires="p14">
       <p:transition spd="slow" p14:dur="2000"/>
     </mc:Choice>
-    <mc:Fallback>
+    <mc:Fallback xmlns="" xmlns:p15="http://schemas.microsoft.com/office/powerpoint/2012/main">
       <p:transition spd="slow"/>
     </mc:Fallback>
   </mc:AlternateContent>
+  <p:timing>
+    <p:tnLst>
+      <p:par>
+        <p:cTn id="1" dur="indefinite" restart="never" nodeType="tmRoot"/>
+      </p:par>
+    </p:tnLst>
+  </p:timing>
+</p:sld>
+</file>
+
+<file path=ppt/slides/slide4.xml><?xml version="1.0" encoding="utf-8"?>
+<p:sld xmlns:a="http://schemas.openxmlformats.org/drawingml/2006/main" xmlns:r="http://schemas.openxmlformats.org/officeDocument/2006/relationships" xmlns:p="http://schemas.openxmlformats.org/presentationml/2006/main">
+  <p:cSld>
+    <p:spTree>
+      <p:nvGrpSpPr>
+        <p:cNvPr id="1" name=""/>
+        <p:cNvGrpSpPr/>
+        <p:nvPr/>
+      </p:nvGrpSpPr>
+      <p:grpSpPr>
+        <a:xfrm>
+          <a:off x="0" y="0"/>
+          <a:ext cx="0" cy="0"/>
+          <a:chOff x="0" y="0"/>
+          <a:chExt cx="0" cy="0"/>
+        </a:xfrm>
+      </p:grpSpPr>
+      <p:sp>
+        <p:nvSpPr>
+          <p:cNvPr id="2" name="Title 1"/>
+          <p:cNvSpPr>
+            <a:spLocks noGrp="1"/>
+          </p:cNvSpPr>
+          <p:nvPr>
+            <p:ph type="title"/>
+          </p:nvPr>
+        </p:nvSpPr>
+        <p:spPr>
+          <a:xfrm>
+            <a:off x="457200" y="256882"/>
+            <a:ext cx="7736400" cy="615553"/>
+          </a:xfrm>
+        </p:spPr>
+        <p:txBody>
+          <a:bodyPr/>
+          <a:lstStyle/>
+          <a:p>
+            <a:pPr algn="l"/>
+            <a:r>
+              <a:rPr lang="en-US" sz="4000" b="1" i="0" dirty="0" smtClean="0">
+                <a:solidFill>
+                  <a:srgbClr val="F5455C"/>
+                </a:solidFill>
+                <a:effectLst/>
+                <a:latin typeface="Source Sans Pro"/>
+              </a:rPr>
+              <a:t>What is OpenAPI and Why Use It?</a:t>
+            </a:r>
+            <a:endParaRPr lang="en-US" sz="4000" dirty="0"/>
+          </a:p>
+        </p:txBody>
+      </p:sp>
+      <p:sp>
+        <p:nvSpPr>
+          <p:cNvPr id="3" name="Content Placeholder 2"/>
+          <p:cNvSpPr>
+            <a:spLocks noGrp="1"/>
+          </p:cNvSpPr>
+          <p:nvPr>
+            <p:ph/>
+          </p:nvPr>
+        </p:nvSpPr>
+        <p:spPr>
+          <a:xfrm>
+            <a:off x="466725" y="1158081"/>
+            <a:ext cx="7736400" cy="3581400"/>
+          </a:xfrm>
+        </p:spPr>
+        <p:txBody>
+          <a:bodyPr anchor="ctr">
+            <a:normAutofit/>
+          </a:bodyPr>
+          <a:lstStyle/>
+          <a:p>
+            <a:pPr marL="285750" lvl="1" indent="-285750" algn="l" rtl="0">
+              <a:lnSpc>
+                <a:spcPct val="300000"/>
+              </a:lnSpc>
+              <a:buFont typeface="Arial" pitchFamily="34" charset="0"/>
+              <a:buChar char="•"/>
+            </a:pPr>
+            <a:r>
+              <a:rPr lang="en-US" b="1" dirty="0" smtClean="0">
+                <a:solidFill>
+                  <a:srgbClr val="F5455C"/>
+                </a:solidFill>
+                <a:latin typeface="Source Sans Pro" pitchFamily="34" charset="0"/>
+              </a:rPr>
+              <a:t>Unified schema </a:t>
+            </a:r>
+            <a:r>
+              <a:rPr lang="en-US" dirty="0" smtClean="0">
+                <a:latin typeface="Source Sans Pro" pitchFamily="34" charset="0"/>
+              </a:rPr>
+              <a:t>for docs, validation, and typings.</a:t>
+            </a:r>
+          </a:p>
+          <a:p>
+            <a:pPr marL="285750" lvl="1" indent="-285750" algn="l" rtl="0">
+              <a:lnSpc>
+                <a:spcPct val="300000"/>
+              </a:lnSpc>
+              <a:buFont typeface="Arial" pitchFamily="34" charset="0"/>
+              <a:buChar char="•"/>
+            </a:pPr>
+            <a:r>
+              <a:rPr lang="en-US" b="1" i="0" dirty="0" smtClean="0">
+                <a:solidFill>
+                  <a:srgbClr val="F5455C"/>
+                </a:solidFill>
+                <a:effectLst/>
+                <a:latin typeface="Source Sans Pro" pitchFamily="34" charset="0"/>
+              </a:rPr>
+              <a:t>Eliminates </a:t>
+            </a:r>
+            <a:r>
+              <a:rPr lang="en-US" i="0" dirty="0" smtClean="0">
+                <a:solidFill>
+                  <a:schemeClr val="tx1"/>
+                </a:solidFill>
+                <a:effectLst/>
+                <a:latin typeface="Source Sans Pro" pitchFamily="34" charset="0"/>
+              </a:rPr>
+              <a:t>outdated manual YAML files.</a:t>
+            </a:r>
+          </a:p>
+          <a:p>
+            <a:pPr marL="285750" lvl="1" indent="-285750" algn="l" rtl="0">
+              <a:lnSpc>
+                <a:spcPct val="300000"/>
+              </a:lnSpc>
+              <a:buFont typeface="Arial" pitchFamily="34" charset="0"/>
+              <a:buChar char="•"/>
+            </a:pPr>
+            <a:r>
+              <a:rPr lang="en-US" b="1" i="0" dirty="0" smtClean="0">
+                <a:solidFill>
+                  <a:srgbClr val="F5455C"/>
+                </a:solidFill>
+                <a:effectLst/>
+                <a:latin typeface="Source Sans Pro" pitchFamily="34" charset="0"/>
+              </a:rPr>
+              <a:t>Automatic client</a:t>
+            </a:r>
+            <a:r>
+              <a:rPr lang="en-US" b="0" i="0" dirty="0" smtClean="0">
+                <a:solidFill>
+                  <a:srgbClr val="333333"/>
+                </a:solidFill>
+                <a:effectLst/>
+                <a:latin typeface="Source Sans Pro" pitchFamily="34" charset="0"/>
+              </a:rPr>
+              <a:t> </a:t>
+            </a:r>
+            <a:r>
+              <a:rPr lang="en-US" i="0" dirty="0" smtClean="0">
+                <a:solidFill>
+                  <a:srgbClr val="333333"/>
+                </a:solidFill>
+                <a:effectLst/>
+                <a:latin typeface="Source Sans Pro" pitchFamily="34" charset="0"/>
+              </a:rPr>
+              <a:t>code generation.</a:t>
+            </a:r>
+          </a:p>
+          <a:p>
+            <a:pPr marL="285750" lvl="1" indent="-285750" algn="l" rtl="0">
+              <a:lnSpc>
+                <a:spcPct val="300000"/>
+              </a:lnSpc>
+              <a:buFont typeface="Arial" pitchFamily="34" charset="0"/>
+              <a:buChar char="•"/>
+            </a:pPr>
+            <a:r>
+              <a:rPr lang="en-US" b="1" dirty="0" smtClean="0">
+                <a:solidFill>
+                  <a:srgbClr val="F5455C"/>
+                </a:solidFill>
+                <a:latin typeface="Source Sans Pro" pitchFamily="34" charset="0"/>
+              </a:rPr>
+              <a:t>generated schemas </a:t>
+            </a:r>
+            <a:r>
+              <a:rPr lang="en-US" dirty="0" smtClean="0">
+                <a:latin typeface="Source Sans Pro" pitchFamily="34" charset="0"/>
+              </a:rPr>
+              <a:t>used directly by Developers and external clients.</a:t>
+            </a:r>
+            <a:endParaRPr lang="en-US" dirty="0"/>
+          </a:p>
+        </p:txBody>
+      </p:sp>
+    </p:spTree>
+    <p:extLst>
+      <p:ext uri="{BB962C8B-B14F-4D97-AF65-F5344CB8AC3E}">
+        <p14:creationId xmlns:p14="http://schemas.microsoft.com/office/powerpoint/2010/main" val="1309432294"/>
+      </p:ext>
+    </p:extLst>
+  </p:cSld>
+  <p:clrMapOvr>
+    <a:masterClrMapping/>
+  </p:clrMapOvr>
+  <p:timing>
+    <p:tnLst>
+      <p:par>
+        <p:cTn id="1" dur="indefinite" restart="never" nodeType="tmRoot"/>
+      </p:par>
+    </p:tnLst>
+  </p:timing>
+</p:sld>
+</file>
+
+<file path=ppt/slides/slide5.xml><?xml version="1.0" encoding="utf-8"?>
+<p:sld xmlns:a="http://schemas.openxmlformats.org/drawingml/2006/main" xmlns:r="http://schemas.openxmlformats.org/officeDocument/2006/relationships" xmlns:p="http://schemas.openxmlformats.org/presentationml/2006/main">
+  <p:cSld>
+    <p:spTree>
+      <p:nvGrpSpPr>
+        <p:cNvPr id="1" name=""/>
+        <p:cNvGrpSpPr/>
+        <p:nvPr/>
+      </p:nvGrpSpPr>
+      <p:grpSpPr>
+        <a:xfrm>
+          <a:off x="0" y="0"/>
+          <a:ext cx="0" cy="0"/>
+          <a:chOff x="0" y="0"/>
+          <a:chExt cx="0" cy="0"/>
+        </a:xfrm>
+      </p:grpSpPr>
+      <p:sp>
+        <p:nvSpPr>
+          <p:cNvPr id="2" name="Title 1"/>
+          <p:cNvSpPr>
+            <a:spLocks noGrp="1"/>
+          </p:cNvSpPr>
+          <p:nvPr>
+            <p:ph type="title"/>
+          </p:nvPr>
+        </p:nvSpPr>
+        <p:spPr>
+          <a:xfrm>
+            <a:off x="457200" y="256882"/>
+            <a:ext cx="7736400" cy="615553"/>
+          </a:xfrm>
+        </p:spPr>
+        <p:txBody>
+          <a:bodyPr/>
+          <a:lstStyle/>
+          <a:p>
+            <a:pPr algn="l"/>
+            <a:r>
+              <a:rPr lang="en-US" sz="4000" b="1" i="0" dirty="0" smtClean="0">
+                <a:solidFill>
+                  <a:srgbClr val="F5455C"/>
+                </a:solidFill>
+                <a:effectLst/>
+                <a:latin typeface="Source Sans Pro"/>
+              </a:rPr>
+              <a:t>Why Migrate to OpenAPI + AJV?</a:t>
+            </a:r>
+            <a:endParaRPr lang="en-US" sz="4000" dirty="0"/>
+          </a:p>
+        </p:txBody>
+      </p:sp>
+      <p:sp>
+        <p:nvSpPr>
+          <p:cNvPr id="4" name="Rounded Rectangle 3"/>
+          <p:cNvSpPr/>
+          <p:nvPr/>
+        </p:nvSpPr>
+        <p:spPr>
+          <a:xfrm>
+            <a:off x="700521" y="1691481"/>
+            <a:ext cx="3505200" cy="685800"/>
+          </a:xfrm>
+          <a:prstGeom prst="roundRect">
+            <a:avLst/>
+          </a:prstGeom>
+          <a:solidFill>
+            <a:srgbClr val="F5455C">
+              <a:alpha val="14902"/>
+            </a:srgbClr>
+          </a:solidFill>
+        </p:spPr>
+        <p:style>
+          <a:lnRef idx="2">
+            <a:schemeClr val="accent1">
+              <a:shade val="50000"/>
+            </a:schemeClr>
+          </a:lnRef>
+          <a:fillRef idx="1">
+            <a:schemeClr val="accent1"/>
+          </a:fillRef>
+          <a:effectRef idx="0">
+            <a:schemeClr val="accent1"/>
+          </a:effectRef>
+          <a:fontRef idx="minor">
+            <a:schemeClr val="lt1"/>
+          </a:fontRef>
+        </p:style>
+        <p:txBody>
+          <a:bodyPr rtlCol="0" anchor="ctr"/>
+          <a:lstStyle/>
+          <a:p>
+            <a:r>
+              <a:rPr lang="en-US" b="1" i="0" dirty="0" smtClean="0">
+                <a:solidFill>
+                  <a:srgbClr val="F5455C"/>
+                </a:solidFill>
+                <a:effectLst/>
+                <a:latin typeface="Source Sans Pro"/>
+              </a:rPr>
+              <a:t>Validation</a:t>
+            </a:r>
+            <a:r>
+              <a:rPr lang="en-US" b="0" i="0" dirty="0" smtClean="0">
+                <a:solidFill>
+                  <a:srgbClr val="333333"/>
+                </a:solidFill>
+                <a:effectLst/>
+                <a:latin typeface="Source Sans Pro"/>
+              </a:rPr>
+              <a:t> with AJV</a:t>
+            </a:r>
+            <a:endParaRPr lang="en-US" dirty="0"/>
+          </a:p>
+        </p:txBody>
+      </p:sp>
+    </p:spTree>
+    <p:extLst>
+      <p:ext uri="{BB962C8B-B14F-4D97-AF65-F5344CB8AC3E}">
+        <p14:creationId xmlns:p14="http://schemas.microsoft.com/office/powerpoint/2010/main" val="7999809"/>
+      </p:ext>
+    </p:extLst>
+  </p:cSld>
+  <p:clrMapOvr>
+    <a:masterClrMapping/>
+  </p:clrMapOvr>
+  <p:timing>
+    <p:tnLst>
+      <p:par>
+        <p:cTn id="1" dur="indefinite" restart="never" nodeType="tmRoot"/>
+      </p:par>
+    </p:tnLst>
+  </p:timing>
+</p:sld>
+</file>
+
+<file path=ppt/slides/slide6.xml><?xml version="1.0" encoding="utf-8"?>
+<p:sld xmlns:a="http://schemas.openxmlformats.org/drawingml/2006/main" xmlns:r="http://schemas.openxmlformats.org/officeDocument/2006/relationships" xmlns:p="http://schemas.openxmlformats.org/presentationml/2006/main">
+  <p:cSld>
+    <p:spTree>
+      <p:nvGrpSpPr>
+        <p:cNvPr id="1" name=""/>
+        <p:cNvGrpSpPr/>
+        <p:nvPr/>
+      </p:nvGrpSpPr>
+      <p:grpSpPr>
+        <a:xfrm>
+          <a:off x="0" y="0"/>
+          <a:ext cx="0" cy="0"/>
+          <a:chOff x="0" y="0"/>
+          <a:chExt cx="0" cy="0"/>
+        </a:xfrm>
+      </p:grpSpPr>
+      <p:sp>
+        <p:nvSpPr>
+          <p:cNvPr id="2" name="Title 1"/>
+          <p:cNvSpPr>
+            <a:spLocks noGrp="1"/>
+          </p:cNvSpPr>
+          <p:nvPr>
+            <p:ph type="title"/>
+          </p:nvPr>
+        </p:nvSpPr>
+        <p:spPr>
+          <a:xfrm>
+            <a:off x="457200" y="256883"/>
+            <a:ext cx="7736400" cy="615553"/>
+          </a:xfrm>
+        </p:spPr>
+        <p:txBody>
+          <a:bodyPr/>
+          <a:lstStyle/>
+          <a:p>
+            <a:r>
+              <a:rPr lang="en-US" sz="4000" b="1" dirty="0" smtClean="0">
+                <a:solidFill>
+                  <a:srgbClr val="F5455C"/>
+                </a:solidFill>
+                <a:latin typeface="Source Sans Pro" pitchFamily="34" charset="0"/>
+              </a:rPr>
+              <a:t>What’s New in Our API Pattern?</a:t>
+            </a:r>
+            <a:endParaRPr lang="en-US" sz="4000" b="1" dirty="0">
+              <a:solidFill>
+                <a:srgbClr val="F5455C"/>
+              </a:solidFill>
+              <a:latin typeface="Source Sans Pro" pitchFamily="34" charset="0"/>
+            </a:endParaRPr>
+          </a:p>
+        </p:txBody>
+      </p:sp>
+      <p:sp>
+        <p:nvSpPr>
+          <p:cNvPr id="3" name="Content Placeholder 2"/>
+          <p:cNvSpPr>
+            <a:spLocks noGrp="1"/>
+          </p:cNvSpPr>
+          <p:nvPr>
+            <p:ph/>
+          </p:nvPr>
+        </p:nvSpPr>
+        <p:spPr/>
+        <p:txBody>
+          <a:bodyPr/>
+          <a:lstStyle/>
+          <a:p>
+            <a:endParaRPr lang="en-US"/>
+          </a:p>
+        </p:txBody>
+      </p:sp>
+    </p:spTree>
+    <p:extLst>
+      <p:ext uri="{BB962C8B-B14F-4D97-AF65-F5344CB8AC3E}">
+        <p14:creationId xmlns:p14="http://schemas.microsoft.com/office/powerpoint/2010/main" val="311664303"/>
+      </p:ext>
+    </p:extLst>
+  </p:cSld>
+  <p:clrMapOvr>
+    <a:masterClrMapping/>
+  </p:clrMapOvr>
+</p:sld>
+</file>
+
+<file path=ppt/slides/slide7.xml><?xml version="1.0" encoding="utf-8"?>
+<p:sld xmlns:a="http://schemas.openxmlformats.org/drawingml/2006/main" xmlns:r="http://schemas.openxmlformats.org/officeDocument/2006/relationships" xmlns:p="http://schemas.openxmlformats.org/presentationml/2006/main">
+  <p:cSld>
+    <p:spTree>
+      <p:nvGrpSpPr>
+        <p:cNvPr id="1" name=""/>
+        <p:cNvGrpSpPr/>
+        <p:nvPr/>
+      </p:nvGrpSpPr>
+      <p:grpSpPr>
+        <a:xfrm>
+          <a:off x="0" y="0"/>
+          <a:ext cx="0" cy="0"/>
+          <a:chOff x="0" y="0"/>
+          <a:chExt cx="0" cy="0"/>
+        </a:xfrm>
+      </p:grpSpPr>
+      <p:sp>
+        <p:nvSpPr>
+          <p:cNvPr id="2" name="Title 1"/>
+          <p:cNvSpPr>
+            <a:spLocks noGrp="1"/>
+          </p:cNvSpPr>
+          <p:nvPr>
+            <p:ph type="title"/>
+          </p:nvPr>
+        </p:nvSpPr>
+        <p:spPr>
+          <a:xfrm>
+            <a:off x="457200" y="256883"/>
+            <a:ext cx="7736400" cy="615553"/>
+          </a:xfrm>
+        </p:spPr>
+        <p:txBody>
+          <a:bodyPr/>
+          <a:lstStyle/>
+          <a:p>
+            <a:r>
+              <a:rPr lang="en-US" sz="4000" b="1" dirty="0" smtClean="0">
+                <a:solidFill>
+                  <a:srgbClr val="F5455C"/>
+                </a:solidFill>
+                <a:latin typeface="Source Sans Pro" pitchFamily="34" charset="0"/>
+              </a:rPr>
+              <a:t>Why These Changes Matter?</a:t>
+            </a:r>
+            <a:endParaRPr lang="en-US" sz="4000" b="1" dirty="0">
+              <a:solidFill>
+                <a:srgbClr val="F5455C"/>
+              </a:solidFill>
+              <a:latin typeface="Source Sans Pro" pitchFamily="34" charset="0"/>
+            </a:endParaRPr>
+          </a:p>
+        </p:txBody>
+      </p:sp>
+      <p:sp>
+        <p:nvSpPr>
+          <p:cNvPr id="3" name="Content Placeholder 2"/>
+          <p:cNvSpPr>
+            <a:spLocks noGrp="1"/>
+          </p:cNvSpPr>
+          <p:nvPr>
+            <p:ph/>
+          </p:nvPr>
+        </p:nvSpPr>
+        <p:spPr/>
+        <p:txBody>
+          <a:bodyPr/>
+          <a:lstStyle/>
+          <a:p>
+            <a:endParaRPr lang="en-US"/>
+          </a:p>
+        </p:txBody>
+      </p:sp>
+    </p:spTree>
+    <p:extLst>
+      <p:ext uri="{BB962C8B-B14F-4D97-AF65-F5344CB8AC3E}">
+        <p14:creationId xmlns:p14="http://schemas.microsoft.com/office/powerpoint/2010/main" val="2314812774"/>
+      </p:ext>
+    </p:extLst>
+  </p:cSld>
+  <p:clrMapOvr>
+    <a:masterClrMapping/>
+  </p:clrMapOvr>
+</p:sld>
+</file>
+
+<file path=ppt/slides/slide8.xml><?xml version="1.0" encoding="utf-8"?>
+<p:sld xmlns:a="http://schemas.openxmlformats.org/drawingml/2006/main" xmlns:r="http://schemas.openxmlformats.org/officeDocument/2006/relationships" xmlns:p="http://schemas.openxmlformats.org/presentationml/2006/main">
+  <p:cSld>
+    <p:spTree>
+      <p:nvGrpSpPr>
+        <p:cNvPr id="1" name=""/>
+        <p:cNvGrpSpPr/>
+        <p:nvPr/>
+      </p:nvGrpSpPr>
+      <p:grpSpPr>
+        <a:xfrm>
+          <a:off x="0" y="0"/>
+          <a:ext cx="0" cy="0"/>
+          <a:chOff x="0" y="0"/>
+          <a:chExt cx="0" cy="0"/>
+        </a:xfrm>
+      </p:grpSpPr>
+      <p:sp>
+        <p:nvSpPr>
+          <p:cNvPr id="2" name="Title 1"/>
+          <p:cNvSpPr>
+            <a:spLocks noGrp="1"/>
+          </p:cNvSpPr>
+          <p:nvPr>
+            <p:ph type="title"/>
+          </p:nvPr>
+        </p:nvSpPr>
+        <p:spPr>
+          <a:xfrm>
+            <a:off x="457200" y="-50893"/>
+            <a:ext cx="7736400" cy="1231106"/>
+          </a:xfrm>
+        </p:spPr>
+        <p:txBody>
+          <a:bodyPr/>
+          <a:lstStyle/>
+          <a:p>
+            <a:r>
+              <a:rPr lang="en-US" sz="4000" b="1" dirty="0" smtClean="0">
+                <a:solidFill>
+                  <a:srgbClr val="F5455C"/>
+                </a:solidFill>
+                <a:latin typeface="Source Sans Pro" pitchFamily="34" charset="0"/>
+              </a:rPr>
+              <a:t>Old Pattern </a:t>
+            </a:r>
+            <a:r>
+              <a:rPr lang="en-US" sz="4000" b="1" dirty="0" err="1" smtClean="0">
+                <a:solidFill>
+                  <a:srgbClr val="F5455C"/>
+                </a:solidFill>
+                <a:latin typeface="Source Sans Pro" pitchFamily="34" charset="0"/>
+              </a:rPr>
+              <a:t>vs</a:t>
+            </a:r>
+            <a:r>
+              <a:rPr lang="en-US" sz="4000" b="1" dirty="0" smtClean="0">
+                <a:solidFill>
+                  <a:srgbClr val="F5455C"/>
+                </a:solidFill>
+                <a:latin typeface="Source Sans Pro" pitchFamily="34" charset="0"/>
+              </a:rPr>
+              <a:t> New Pattern (side-by-side)</a:t>
+            </a:r>
+            <a:endParaRPr lang="en-US" sz="4000" b="1" dirty="0">
+              <a:solidFill>
+                <a:srgbClr val="F5455C"/>
+              </a:solidFill>
+              <a:latin typeface="Source Sans Pro" pitchFamily="34" charset="0"/>
+            </a:endParaRPr>
+          </a:p>
+        </p:txBody>
+      </p:sp>
+      <p:sp>
+        <p:nvSpPr>
+          <p:cNvPr id="3" name="Content Placeholder 2"/>
+          <p:cNvSpPr>
+            <a:spLocks noGrp="1"/>
+          </p:cNvSpPr>
+          <p:nvPr>
+            <p:ph/>
+          </p:nvPr>
+        </p:nvSpPr>
+        <p:spPr/>
+        <p:txBody>
+          <a:bodyPr/>
+          <a:lstStyle/>
+          <a:p>
+            <a:endParaRPr lang="en-US"/>
+          </a:p>
+        </p:txBody>
+      </p:sp>
+    </p:spTree>
+    <p:extLst>
+      <p:ext uri="{BB962C8B-B14F-4D97-AF65-F5344CB8AC3E}">
+        <p14:creationId xmlns:p14="http://schemas.microsoft.com/office/powerpoint/2010/main" val="1438663037"/>
+      </p:ext>
+    </p:extLst>
+  </p:cSld>
+  <p:clrMapOvr>
+    <a:masterClrMapping/>
+  </p:clrMapOvr>
+</p:sld>
+</file>
+
+<file path=ppt/slides/slide9.xml><?xml version="1.0" encoding="utf-8"?>
+<p:sld xmlns:a="http://schemas.openxmlformats.org/drawingml/2006/main" xmlns:r="http://schemas.openxmlformats.org/officeDocument/2006/relationships" xmlns:p="http://schemas.openxmlformats.org/presentationml/2006/main">
+  <p:cSld>
+    <p:spTree>
+      <p:nvGrpSpPr>
+        <p:cNvPr id="1" name=""/>
+        <p:cNvGrpSpPr/>
+        <p:nvPr/>
+      </p:nvGrpSpPr>
+      <p:grpSpPr>
+        <a:xfrm>
+          <a:off x="0" y="0"/>
+          <a:ext cx="0" cy="0"/>
+          <a:chOff x="0" y="0"/>
+          <a:chExt cx="0" cy="0"/>
+        </a:xfrm>
+      </p:grpSpPr>
+      <p:sp>
+        <p:nvSpPr>
+          <p:cNvPr id="2" name="Title 1"/>
+          <p:cNvSpPr>
+            <a:spLocks noGrp="1"/>
+          </p:cNvSpPr>
+          <p:nvPr>
+            <p:ph type="title"/>
+          </p:nvPr>
+        </p:nvSpPr>
+        <p:spPr>
+          <a:xfrm>
+            <a:off x="457200" y="256883"/>
+            <a:ext cx="7736400" cy="615553"/>
+          </a:xfrm>
+        </p:spPr>
+        <p:txBody>
+          <a:bodyPr/>
+          <a:lstStyle/>
+          <a:p>
+            <a:r>
+              <a:rPr lang="en-US" sz="4000" b="1" dirty="0" smtClean="0">
+                <a:solidFill>
+                  <a:srgbClr val="F5455C"/>
+                </a:solidFill>
+                <a:latin typeface="Source Sans Pro" pitchFamily="34" charset="0"/>
+              </a:rPr>
+              <a:t>SDK Generation Potential</a:t>
+            </a:r>
+            <a:endParaRPr lang="en-US" sz="4000" b="1" dirty="0">
+              <a:solidFill>
+                <a:srgbClr val="F5455C"/>
+              </a:solidFill>
+              <a:latin typeface="Source Sans Pro" pitchFamily="34" charset="0"/>
+            </a:endParaRPr>
+          </a:p>
+        </p:txBody>
+      </p:sp>
+      <p:sp>
+        <p:nvSpPr>
+          <p:cNvPr id="3" name="Content Placeholder 2"/>
+          <p:cNvSpPr>
+            <a:spLocks noGrp="1"/>
+          </p:cNvSpPr>
+          <p:nvPr>
+            <p:ph/>
+          </p:nvPr>
+        </p:nvSpPr>
+        <p:spPr/>
+        <p:txBody>
+          <a:bodyPr/>
+          <a:lstStyle/>
+          <a:p>
+            <a:endParaRPr lang="en-US"/>
+          </a:p>
+        </p:txBody>
+      </p:sp>
+    </p:spTree>
+    <p:extLst>
+      <p:ext uri="{BB962C8B-B14F-4D97-AF65-F5344CB8AC3E}">
+        <p14:creationId xmlns:p14="http://schemas.microsoft.com/office/powerpoint/2010/main" val="2227869871"/>
+      </p:ext>
+    </p:extLst>
+  </p:cSld>
+  <p:clrMapOvr>
+    <a:masterClrMapping/>
+  </p:clrMapOvr>
 </p:sld>
 </file>
 
 <file path=ppt/theme/theme1.xml><?xml version="1.0" encoding="utf-8"?>
-<a:theme xmlns:a="http://schemas.openxmlformats.org/drawingml/2006/main" xmlns:r="http://schemas.openxmlformats.org/officeDocument/2006/relationships" name="Office">
+<a:theme xmlns:a="http://schemas.openxmlformats.org/drawingml/2006/main" name="Office">
   <a:themeElements>
     <a:clrScheme name="LibreOffice">
       <a:dk1>
         <a:srgbClr val="000000"/>
       </a:dk1>
       <a:lt1>
-        <a:srgbClr val="ffffff"/>
+        <a:srgbClr val="FFFFFF"/>
       </a:lt1>
       <a:dk2>
         <a:srgbClr val="000000"/>
       </a:dk2>
       <a:lt2>
-        <a:srgbClr val="ffffff"/>
+        <a:srgbClr val="FFFFFF"/>
       </a:lt2>
       <a:accent1>
-        <a:srgbClr val="18a303"/>
+        <a:srgbClr val="18A303"/>
       </a:accent1>
       <a:accent2>
-        <a:srgbClr val="0369a3"/>
+        <a:srgbClr val="0369A3"/>
       </a:accent2>
       <a:accent3>
-        <a:srgbClr val="a33e03"/>
+        <a:srgbClr val="A33E03"/>
       </a:accent3>
       <a:accent4>
-        <a:srgbClr val="8e03a3"/>
+        <a:srgbClr val="8E03A3"/>
       </a:accent4>
       <a:accent5>
-        <a:srgbClr val="c99c00"/>
+        <a:srgbClr val="C99C00"/>
       </a:accent5>
       <a:accent6>
-        <a:srgbClr val="c9211e"/>
+        <a:srgbClr val="C9211E"/>
       </a:accent6>
       <a:hlink>
-        <a:srgbClr val="0000ee"/>
+        <a:srgbClr val="0000EE"/>
       </a:hlink>
       <a:folHlink>
-        <a:srgbClr val="551a8b"/>
+        <a:srgbClr val="551A8B"/>
       </a:folHlink>
     </a:clrScheme>
     <a:fontScheme name="Office">
       <a:majorFont>
-        <a:latin typeface="Arial" pitchFamily="0" charset="1"/>
-        <a:ea typeface="DejaVu Sans" pitchFamily="0" charset="1"/>
-        <a:cs typeface="DejaVu Sans" pitchFamily="0" charset="1"/>
+        <a:latin typeface="Arial"/>
+        <a:ea typeface="DejaVu Sans"/>
+        <a:cs typeface="DejaVu Sans"/>
       </a:majorFont>
       <a:minorFont>
-        <a:latin typeface="Arial" pitchFamily="0" charset="1"/>
-        <a:ea typeface="DejaVu Sans" pitchFamily="0" charset="1"/>
-        <a:cs typeface="DejaVu Sans" pitchFamily="0" charset="1"/>
+        <a:latin typeface="Arial"/>
+        <a:ea typeface="DejaVu Sans"/>
+        <a:cs typeface="DejaVu Sans"/>
       </a:minorFont>
     </a:fontScheme>
     <a:fmtScheme>
@@ -2907,60 +6497,62 @@
       </a:bgFillStyleLst>
     </a:fmtScheme>
   </a:themeElements>
+  <a:objectDefaults/>
+  <a:extraClrSchemeLst/>
 </a:theme>
 </file>
 
 <file path=ppt/theme/theme2.xml><?xml version="1.0" encoding="utf-8"?>
-<a:theme xmlns:a="http://schemas.openxmlformats.org/drawingml/2006/main" xmlns:r="http://schemas.openxmlformats.org/officeDocument/2006/relationships" name="Office">
+<a:theme xmlns:a="http://schemas.openxmlformats.org/drawingml/2006/main" name="Office">
   <a:themeElements>
     <a:clrScheme name="LibreOffice">
       <a:dk1>
         <a:srgbClr val="000000"/>
       </a:dk1>
       <a:lt1>
-        <a:srgbClr val="ffffff"/>
+        <a:srgbClr val="FFFFFF"/>
       </a:lt1>
       <a:dk2>
         <a:srgbClr val="000000"/>
       </a:dk2>
       <a:lt2>
-        <a:srgbClr val="ffffff"/>
+        <a:srgbClr val="FFFFFF"/>
       </a:lt2>
       <a:accent1>
-        <a:srgbClr val="18a303"/>
+        <a:srgbClr val="18A303"/>
       </a:accent1>
       <a:accent2>
-        <a:srgbClr val="0369a3"/>
+        <a:srgbClr val="0369A3"/>
       </a:accent2>
       <a:accent3>
-        <a:srgbClr val="a33e03"/>
+        <a:srgbClr val="A33E03"/>
       </a:accent3>
       <a:accent4>
-        <a:srgbClr val="8e03a3"/>
+        <a:srgbClr val="8E03A3"/>
       </a:accent4>
       <a:accent5>
-        <a:srgbClr val="c99c00"/>
+        <a:srgbClr val="C99C00"/>
       </a:accent5>
       <a:accent6>
-        <a:srgbClr val="c9211e"/>
+        <a:srgbClr val="C9211E"/>
       </a:accent6>
       <a:hlink>
-        <a:srgbClr val="0000ee"/>
+        <a:srgbClr val="0000EE"/>
       </a:hlink>
       <a:folHlink>
-        <a:srgbClr val="551a8b"/>
+        <a:srgbClr val="551A8B"/>
       </a:folHlink>
     </a:clrScheme>
     <a:fontScheme name="Office">
       <a:majorFont>
-        <a:latin typeface="Arial" pitchFamily="0" charset="1"/>
-        <a:ea typeface="DejaVu Sans" pitchFamily="0" charset="1"/>
-        <a:cs typeface="DejaVu Sans" pitchFamily="0" charset="1"/>
+        <a:latin typeface="Arial"/>
+        <a:ea typeface="DejaVu Sans"/>
+        <a:cs typeface="DejaVu Sans"/>
       </a:majorFont>
       <a:minorFont>
-        <a:latin typeface="Arial" pitchFamily="0" charset="1"/>
-        <a:ea typeface="DejaVu Sans" pitchFamily="0" charset="1"/>
-        <a:cs typeface="DejaVu Sans" pitchFamily="0" charset="1"/>
+        <a:latin typeface="Arial"/>
+        <a:ea typeface="DejaVu Sans"/>
+        <a:cs typeface="DejaVu Sans"/>
       </a:minorFont>
     </a:fontScheme>
     <a:fmtScheme>
@@ -3013,5 +6605,292 @@
       </a:bgFillStyleLst>
     </a:fmtScheme>
   </a:themeElements>
+  <a:objectDefaults/>
+  <a:extraClrSchemeLst/>
+</a:theme>
+</file>
+
+<file path=ppt/theme/theme3.xml><?xml version="1.0" encoding="utf-8"?>
+<a:theme xmlns:a="http://schemas.openxmlformats.org/drawingml/2006/main" name="Office Theme">
+  <a:themeElements>
+    <a:clrScheme name="Office">
+      <a:dk1>
+        <a:sysClr val="windowText" lastClr="000000"/>
+      </a:dk1>
+      <a:lt1>
+        <a:sysClr val="window" lastClr="FFFFFF"/>
+      </a:lt1>
+      <a:dk2>
+        <a:srgbClr val="1F497D"/>
+      </a:dk2>
+      <a:lt2>
+        <a:srgbClr val="EEECE1"/>
+      </a:lt2>
+      <a:accent1>
+        <a:srgbClr val="4F81BD"/>
+      </a:accent1>
+      <a:accent2>
+        <a:srgbClr val="C0504D"/>
+      </a:accent2>
+      <a:accent3>
+        <a:srgbClr val="9BBB59"/>
+      </a:accent3>
+      <a:accent4>
+        <a:srgbClr val="8064A2"/>
+      </a:accent4>
+      <a:accent5>
+        <a:srgbClr val="4BACC6"/>
+      </a:accent5>
+      <a:accent6>
+        <a:srgbClr val="F79646"/>
+      </a:accent6>
+      <a:hlink>
+        <a:srgbClr val="0000FF"/>
+      </a:hlink>
+      <a:folHlink>
+        <a:srgbClr val="800080"/>
+      </a:folHlink>
+    </a:clrScheme>
+    <a:fontScheme name="Office">
+      <a:majorFont>
+        <a:latin typeface="Calibri"/>
+        <a:ea typeface=""/>
+        <a:cs typeface=""/>
+        <a:font script="Jpan" typeface="ＭＳ Ｐゴシック"/>
+        <a:font script="Hang" typeface="맑은 고딕"/>
+        <a:font script="Hans" typeface="宋体"/>
+        <a:font script="Hant" typeface="新細明體"/>
+        <a:font script="Arab" typeface="Times New Roman"/>
+        <a:font script="Hebr" typeface="Times New Roman"/>
+        <a:font script="Thai" typeface="Angsana New"/>
+        <a:font script="Ethi" typeface="Nyala"/>
+        <a:font script="Beng" typeface="Vrinda"/>
+        <a:font script="Gujr" typeface="Shruti"/>
+        <a:font script="Khmr" typeface="MoolBoran"/>
+        <a:font script="Knda" typeface="Tunga"/>
+        <a:font script="Guru" typeface="Raavi"/>
+        <a:font script="Cans" typeface="Euphemia"/>
+        <a:font script="Cher" typeface="Plantagenet Cherokee"/>
+        <a:font script="Yiii" typeface="Microsoft Yi Baiti"/>
+        <a:font script="Tibt" typeface="Microsoft Himalaya"/>
+        <a:font script="Thaa" typeface="MV Boli"/>
+        <a:font script="Deva" typeface="Mangal"/>
+        <a:font script="Telu" typeface="Gautami"/>
+        <a:font script="Taml" typeface="Latha"/>
+        <a:font script="Syrc" typeface="Estrangelo Edessa"/>
+        <a:font script="Orya" typeface="Kalinga"/>
+        <a:font script="Mlym" typeface="Kartika"/>
+        <a:font script="Laoo" typeface="DokChampa"/>
+        <a:font script="Sinh" typeface="Iskoola Pota"/>
+        <a:font script="Mong" typeface="Mongolian Baiti"/>
+        <a:font script="Viet" typeface="Times New Roman"/>
+        <a:font script="Uigh" typeface="Microsoft Uighur"/>
+        <a:font script="Geor" typeface="Sylfaen"/>
+      </a:majorFont>
+      <a:minorFont>
+        <a:latin typeface="Calibri"/>
+        <a:ea typeface=""/>
+        <a:cs typeface=""/>
+        <a:font script="Jpan" typeface="ＭＳ Ｐゴシック"/>
+        <a:font script="Hang" typeface="맑은 고딕"/>
+        <a:font script="Hans" typeface="宋体"/>
+        <a:font script="Hant" typeface="新細明體"/>
+        <a:font script="Arab" typeface="Arial"/>
+        <a:font script="Hebr" typeface="Arial"/>
+        <a:font script="Thai" typeface="Cordia New"/>
+        <a:font script="Ethi" typeface="Nyala"/>
+        <a:font script="Beng" typeface="Vrinda"/>
+        <a:font script="Gujr" typeface="Shruti"/>
+        <a:font script="Khmr" typeface="DaunPenh"/>
+        <a:font script="Knda" typeface="Tunga"/>
+        <a:font script="Guru" typeface="Raavi"/>
+        <a:font script="Cans" typeface="Euphemia"/>
+        <a:font script="Cher" typeface="Plantagenet Cherokee"/>
+        <a:font script="Yiii" typeface="Microsoft Yi Baiti"/>
+        <a:font script="Tibt" typeface="Microsoft Himalaya"/>
+        <a:font script="Thaa" typeface="MV Boli"/>
+        <a:font script="Deva" typeface="Mangal"/>
+        <a:font script="Telu" typeface="Gautami"/>
+        <a:font script="Taml" typeface="Latha"/>
+        <a:font script="Syrc" typeface="Estrangelo Edessa"/>
+        <a:font script="Orya" typeface="Kalinga"/>
+        <a:font script="Mlym" typeface="Kartika"/>
+        <a:font script="Laoo" typeface="DokChampa"/>
+        <a:font script="Sinh" typeface="Iskoola Pota"/>
+        <a:font script="Mong" typeface="Mongolian Baiti"/>
+        <a:font script="Viet" typeface="Arial"/>
+        <a:font script="Uigh" typeface="Microsoft Uighur"/>
+        <a:font script="Geor" typeface="Sylfaen"/>
+      </a:minorFont>
+    </a:fontScheme>
+    <a:fmtScheme name="Office">
+      <a:fillStyleLst>
+        <a:solidFill>
+          <a:schemeClr val="phClr"/>
+        </a:solidFill>
+        <a:gradFill rotWithShape="1">
+          <a:gsLst>
+            <a:gs pos="0">
+              <a:schemeClr val="phClr">
+                <a:tint val="50000"/>
+                <a:satMod val="300000"/>
+              </a:schemeClr>
+            </a:gs>
+            <a:gs pos="35000">
+              <a:schemeClr val="phClr">
+                <a:tint val="37000"/>
+                <a:satMod val="300000"/>
+              </a:schemeClr>
+            </a:gs>
+            <a:gs pos="100000">
+              <a:schemeClr val="phClr">
+                <a:tint val="15000"/>
+                <a:satMod val="350000"/>
+              </a:schemeClr>
+            </a:gs>
+          </a:gsLst>
+          <a:lin ang="16200000" scaled="1"/>
+        </a:gradFill>
+        <a:gradFill rotWithShape="1">
+          <a:gsLst>
+            <a:gs pos="0">
+              <a:schemeClr val="phClr">
+                <a:shade val="51000"/>
+                <a:satMod val="130000"/>
+              </a:schemeClr>
+            </a:gs>
+            <a:gs pos="80000">
+              <a:schemeClr val="phClr">
+                <a:shade val="93000"/>
+                <a:satMod val="130000"/>
+              </a:schemeClr>
+            </a:gs>
+            <a:gs pos="100000">
+              <a:schemeClr val="phClr">
+                <a:shade val="94000"/>
+                <a:satMod val="135000"/>
+              </a:schemeClr>
+            </a:gs>
+          </a:gsLst>
+          <a:lin ang="16200000" scaled="0"/>
+        </a:gradFill>
+      </a:fillStyleLst>
+      <a:lnStyleLst>
+        <a:ln w="9525" cap="flat" cmpd="sng" algn="ctr">
+          <a:solidFill>
+            <a:schemeClr val="phClr">
+              <a:shade val="95000"/>
+              <a:satMod val="105000"/>
+            </a:schemeClr>
+          </a:solidFill>
+          <a:prstDash val="solid"/>
+        </a:ln>
+        <a:ln w="25400" cap="flat" cmpd="sng" algn="ctr">
+          <a:solidFill>
+            <a:schemeClr val="phClr"/>
+          </a:solidFill>
+          <a:prstDash val="solid"/>
+        </a:ln>
+        <a:ln w="38100" cap="flat" cmpd="sng" algn="ctr">
+          <a:solidFill>
+            <a:schemeClr val="phClr"/>
+          </a:solidFill>
+          <a:prstDash val="solid"/>
+        </a:ln>
+      </a:lnStyleLst>
+      <a:effectStyleLst>
+        <a:effectStyle>
+          <a:effectLst>
+            <a:outerShdw blurRad="40000" dist="20000" dir="5400000" rotWithShape="0">
+              <a:srgbClr val="000000">
+                <a:alpha val="38000"/>
+              </a:srgbClr>
+            </a:outerShdw>
+          </a:effectLst>
+        </a:effectStyle>
+        <a:effectStyle>
+          <a:effectLst>
+            <a:outerShdw blurRad="40000" dist="23000" dir="5400000" rotWithShape="0">
+              <a:srgbClr val="000000">
+                <a:alpha val="35000"/>
+              </a:srgbClr>
+            </a:outerShdw>
+          </a:effectLst>
+        </a:effectStyle>
+        <a:effectStyle>
+          <a:effectLst>
+            <a:outerShdw blurRad="40000" dist="23000" dir="5400000" rotWithShape="0">
+              <a:srgbClr val="000000">
+                <a:alpha val="35000"/>
+              </a:srgbClr>
+            </a:outerShdw>
+          </a:effectLst>
+          <a:scene3d>
+            <a:camera prst="orthographicFront">
+              <a:rot lat="0" lon="0" rev="0"/>
+            </a:camera>
+            <a:lightRig rig="threePt" dir="t">
+              <a:rot lat="0" lon="0" rev="1200000"/>
+            </a:lightRig>
+          </a:scene3d>
+          <a:sp3d>
+            <a:bevelT w="63500" h="25400"/>
+          </a:sp3d>
+        </a:effectStyle>
+      </a:effectStyleLst>
+      <a:bgFillStyleLst>
+        <a:solidFill>
+          <a:schemeClr val="phClr"/>
+        </a:solidFill>
+        <a:gradFill rotWithShape="1">
+          <a:gsLst>
+            <a:gs pos="0">
+              <a:schemeClr val="phClr">
+                <a:tint val="40000"/>
+                <a:satMod val="350000"/>
+              </a:schemeClr>
+            </a:gs>
+            <a:gs pos="40000">
+              <a:schemeClr val="phClr">
+                <a:tint val="45000"/>
+                <a:shade val="99000"/>
+                <a:satMod val="350000"/>
+              </a:schemeClr>
+            </a:gs>
+            <a:gs pos="100000">
+              <a:schemeClr val="phClr">
+                <a:shade val="20000"/>
+                <a:satMod val="255000"/>
+              </a:schemeClr>
+            </a:gs>
+          </a:gsLst>
+          <a:path path="circle">
+            <a:fillToRect l="50000" t="-80000" r="50000" b="180000"/>
+          </a:path>
+        </a:gradFill>
+        <a:gradFill rotWithShape="1">
+          <a:gsLst>
+            <a:gs pos="0">
+              <a:schemeClr val="phClr">
+                <a:tint val="80000"/>
+                <a:satMod val="300000"/>
+              </a:schemeClr>
+            </a:gs>
+            <a:gs pos="100000">
+              <a:schemeClr val="phClr">
+                <a:shade val="30000"/>
+                <a:satMod val="200000"/>
+              </a:schemeClr>
+            </a:gs>
+          </a:gsLst>
+          <a:path path="circle">
+            <a:fillToRect l="50000" t="50000" r="50000" b="50000"/>
+          </a:path>
+        </a:gradFill>
+      </a:bgFillStyleLst>
+    </a:fmtScheme>
+  </a:themeElements>
+  <a:objectDefaults/>
+  <a:extraClrSchemeLst/>
 </a:theme>
 </file>